--- a/Data analysis/01. 1일차/numpy&pandas기초.pptx
+++ b/Data analysis/01. 1일차/numpy&pandas기초.pptx
@@ -5,7 +5,7 @@
     <p:sldMasterId id="2147483648" r:id="rId1"/>
   </p:sldMasterIdLst>
   <p:notesMasterIdLst>
-    <p:notesMasterId r:id="rId13"/>
+    <p:notesMasterId r:id="rId14"/>
   </p:notesMasterIdLst>
   <p:sldIdLst>
     <p:sldId id="257" r:id="rId2"/>
@@ -13,12 +13,13 @@
     <p:sldId id="259" r:id="rId4"/>
     <p:sldId id="260" r:id="rId5"/>
     <p:sldId id="261" r:id="rId6"/>
-    <p:sldId id="278" r:id="rId7"/>
-    <p:sldId id="279" r:id="rId8"/>
-    <p:sldId id="271" r:id="rId9"/>
-    <p:sldId id="263" r:id="rId10"/>
-    <p:sldId id="276" r:id="rId11"/>
-    <p:sldId id="277" r:id="rId12"/>
+    <p:sldId id="280" r:id="rId7"/>
+    <p:sldId id="278" r:id="rId8"/>
+    <p:sldId id="279" r:id="rId9"/>
+    <p:sldId id="271" r:id="rId10"/>
+    <p:sldId id="281" r:id="rId11"/>
+    <p:sldId id="276" r:id="rId12"/>
+    <p:sldId id="277" r:id="rId13"/>
   </p:sldIdLst>
   <p:sldSz cx="12192000" cy="6858000"/>
   <p:notesSz cx="6858000" cy="9144000"/>
@@ -207,7 +208,7 @@
           <a:p>
             <a:fld id="{762295EE-25FF-419D-9449-2D52353905B1}" type="datetimeFigureOut">
               <a:rPr lang="ko-KR" altLang="en-US" smtClean="0"/>
-              <a:t>2020-03-20</a:t>
+              <a:t>2020-03-23</a:t>
             </a:fld>
             <a:endParaRPr lang="ko-KR" altLang="en-US"/>
           </a:p>
@@ -767,7 +768,7 @@
     </p:spTree>
     <p:extLst>
       <p:ext uri="{BB962C8B-B14F-4D97-AF65-F5344CB8AC3E}">
-        <p14:creationId xmlns:p14="http://schemas.microsoft.com/office/powerpoint/2010/main" val="368610977"/>
+        <p14:creationId xmlns:p14="http://schemas.microsoft.com/office/powerpoint/2010/main" val="295079293"/>
       </p:ext>
     </p:extLst>
   </p:cSld>
@@ -960,7 +961,7 @@
     </p:spTree>
     <p:extLst>
       <p:ext uri="{BB962C8B-B14F-4D97-AF65-F5344CB8AC3E}">
-        <p14:creationId xmlns:p14="http://schemas.microsoft.com/office/powerpoint/2010/main" val="2684412571"/>
+        <p14:creationId xmlns:p14="http://schemas.microsoft.com/office/powerpoint/2010/main" val="368610977"/>
       </p:ext>
     </p:extLst>
   </p:cSld>
@@ -970,225 +971,7 @@
 </p:notes>
 </file>
 
-<file path=ppt/notesSlides/notesSlide2.xml><?xml version="1.0" encoding="utf-8"?>
-<p:notes xmlns:a="http://schemas.openxmlformats.org/drawingml/2006/main" xmlns:r="http://schemas.openxmlformats.org/officeDocument/2006/relationships" xmlns:p="http://schemas.openxmlformats.org/presentationml/2006/main" showMasterSp="0" showMasterPhAnim="0">
-  <p:cSld>
-    <p:spTree>
-      <p:nvGrpSpPr>
-        <p:cNvPr id="1" name="Shape 97"/>
-        <p:cNvGrpSpPr/>
-        <p:nvPr/>
-      </p:nvGrpSpPr>
-      <p:grpSpPr>
-        <a:xfrm>
-          <a:off x="0" y="0"/>
-          <a:ext cx="0" cy="0"/>
-          <a:chOff x="0" y="0"/>
-          <a:chExt cx="0" cy="0"/>
-        </a:xfrm>
-      </p:grpSpPr>
-      <p:sp>
-        <p:nvSpPr>
-          <p:cNvPr id="98" name="Google Shape;98;p5:notes"/>
-          <p:cNvSpPr txBox="1">
-            <a:spLocks noGrp="1"/>
-          </p:cNvSpPr>
-          <p:nvPr>
-            <p:ph type="body" idx="1"/>
-          </p:nvPr>
-        </p:nvSpPr>
-        <p:spPr>
-          <a:xfrm>
-            <a:off x="685800" y="4343400"/>
-            <a:ext cx="5486400" cy="4114800"/>
-          </a:xfrm>
-          <a:prstGeom prst="rect">
-            <a:avLst/>
-          </a:prstGeom>
-        </p:spPr>
-        <p:txBody>
-          <a:bodyPr spcFirstLastPara="1" wrap="square" lIns="91425" tIns="91425" rIns="91425" bIns="91425" anchor="t" anchorCtr="0">
-            <a:noAutofit/>
-          </a:bodyPr>
-          <a:lstStyle/>
-          <a:p>
-            <a:pPr marL="0" lvl="0" indent="0" algn="l" rtl="0">
-              <a:spcBef>
-                <a:spcPts val="0"/>
-              </a:spcBef>
-              <a:spcAft>
-                <a:spcPts val="0"/>
-              </a:spcAft>
-              <a:buNone/>
-            </a:pPr>
-            <a:endParaRPr/>
-          </a:p>
-        </p:txBody>
-      </p:sp>
-      <p:sp>
-        <p:nvSpPr>
-          <p:cNvPr id="99" name="Google Shape;99;p5:notes"/>
-          <p:cNvSpPr>
-            <a:spLocks noGrp="1" noRot="1" noChangeAspect="1"/>
-          </p:cNvSpPr>
-          <p:nvPr>
-            <p:ph type="sldImg" idx="2"/>
-          </p:nvPr>
-        </p:nvSpPr>
-        <p:spPr>
-          <a:xfrm>
-            <a:off x="381000" y="685800"/>
-            <a:ext cx="6096000" cy="3429000"/>
-          </a:xfrm>
-          <a:custGeom>
-            <a:avLst/>
-            <a:gdLst/>
-            <a:ahLst/>
-            <a:cxnLst/>
-            <a:rect l="l" t="t" r="r" b="b"/>
-            <a:pathLst>
-              <a:path w="120000" h="120000" extrusionOk="0">
-                <a:moveTo>
-                  <a:pt x="0" y="0"/>
-                </a:moveTo>
-                <a:lnTo>
-                  <a:pt x="120000" y="0"/>
-                </a:lnTo>
-                <a:lnTo>
-                  <a:pt x="120000" y="120000"/>
-                </a:lnTo>
-                <a:lnTo>
-                  <a:pt x="0" y="120000"/>
-                </a:lnTo>
-                <a:close/>
-              </a:path>
-            </a:pathLst>
-          </a:custGeom>
-        </p:spPr>
-      </p:sp>
-    </p:spTree>
-    <p:extLst>
-      <p:ext uri="{BB962C8B-B14F-4D97-AF65-F5344CB8AC3E}">
-        <p14:creationId xmlns:p14="http://schemas.microsoft.com/office/powerpoint/2010/main" val="3738866262"/>
-      </p:ext>
-    </p:extLst>
-  </p:cSld>
-  <p:clrMapOvr>
-    <a:masterClrMapping/>
-  </p:clrMapOvr>
-</p:notes>
-</file>
-
-<file path=ppt/notesSlides/notesSlide3.xml><?xml version="1.0" encoding="utf-8"?>
-<p:notes xmlns:a="http://schemas.openxmlformats.org/drawingml/2006/main" xmlns:r="http://schemas.openxmlformats.org/officeDocument/2006/relationships" xmlns:p="http://schemas.openxmlformats.org/presentationml/2006/main" showMasterSp="0" showMasterPhAnim="0">
-  <p:cSld>
-    <p:spTree>
-      <p:nvGrpSpPr>
-        <p:cNvPr id="1" name="Shape 121"/>
-        <p:cNvGrpSpPr/>
-        <p:nvPr/>
-      </p:nvGrpSpPr>
-      <p:grpSpPr>
-        <a:xfrm>
-          <a:off x="0" y="0"/>
-          <a:ext cx="0" cy="0"/>
-          <a:chOff x="0" y="0"/>
-          <a:chExt cx="0" cy="0"/>
-        </a:xfrm>
-      </p:grpSpPr>
-      <p:sp>
-        <p:nvSpPr>
-          <p:cNvPr id="122" name="Google Shape;122;p6:notes"/>
-          <p:cNvSpPr txBox="1">
-            <a:spLocks noGrp="1"/>
-          </p:cNvSpPr>
-          <p:nvPr>
-            <p:ph type="body" idx="1"/>
-          </p:nvPr>
-        </p:nvSpPr>
-        <p:spPr>
-          <a:xfrm>
-            <a:off x="685800" y="4343400"/>
-            <a:ext cx="5486400" cy="4114800"/>
-          </a:xfrm>
-          <a:prstGeom prst="rect">
-            <a:avLst/>
-          </a:prstGeom>
-        </p:spPr>
-        <p:txBody>
-          <a:bodyPr spcFirstLastPara="1" wrap="square" lIns="91425" tIns="91425" rIns="91425" bIns="91425" anchor="t" anchorCtr="0">
-            <a:noAutofit/>
-          </a:bodyPr>
-          <a:lstStyle/>
-          <a:p>
-            <a:pPr marL="0" lvl="0" indent="0" algn="l" rtl="0">
-              <a:spcBef>
-                <a:spcPts val="0"/>
-              </a:spcBef>
-              <a:spcAft>
-                <a:spcPts val="0"/>
-              </a:spcAft>
-              <a:buNone/>
-            </a:pPr>
-            <a:endParaRPr/>
-          </a:p>
-        </p:txBody>
-      </p:sp>
-      <p:sp>
-        <p:nvSpPr>
-          <p:cNvPr id="123" name="Google Shape;123;p6:notes"/>
-          <p:cNvSpPr>
-            <a:spLocks noGrp="1" noRot="1" noChangeAspect="1"/>
-          </p:cNvSpPr>
-          <p:nvPr>
-            <p:ph type="sldImg" idx="2"/>
-          </p:nvPr>
-        </p:nvSpPr>
-        <p:spPr>
-          <a:xfrm>
-            <a:off x="381000" y="685800"/>
-            <a:ext cx="6096000" cy="3429000"/>
-          </a:xfrm>
-          <a:custGeom>
-            <a:avLst/>
-            <a:gdLst/>
-            <a:ahLst/>
-            <a:cxnLst/>
-            <a:rect l="l" t="t" r="r" b="b"/>
-            <a:pathLst>
-              <a:path w="120000" h="120000" extrusionOk="0">
-                <a:moveTo>
-                  <a:pt x="0" y="0"/>
-                </a:moveTo>
-                <a:lnTo>
-                  <a:pt x="120000" y="0"/>
-                </a:lnTo>
-                <a:lnTo>
-                  <a:pt x="120000" y="120000"/>
-                </a:lnTo>
-                <a:lnTo>
-                  <a:pt x="0" y="120000"/>
-                </a:lnTo>
-                <a:close/>
-              </a:path>
-            </a:pathLst>
-          </a:custGeom>
-        </p:spPr>
-      </p:sp>
-    </p:spTree>
-    <p:extLst>
-      <p:ext uri="{BB962C8B-B14F-4D97-AF65-F5344CB8AC3E}">
-        <p14:creationId xmlns:p14="http://schemas.microsoft.com/office/powerpoint/2010/main" val="1837215951"/>
-      </p:ext>
-    </p:extLst>
-  </p:cSld>
-  <p:clrMapOvr>
-    <a:masterClrMapping/>
-  </p:clrMapOvr>
-</p:notes>
-</file>
-
-<file path=ppt/notesSlides/notesSlide4.xml><?xml version="1.0" encoding="utf-8"?>
+<file path=ppt/notesSlides/notesSlide12.xml><?xml version="1.0" encoding="utf-8"?>
 <p:notes xmlns:a="http://schemas.openxmlformats.org/drawingml/2006/main" xmlns:r="http://schemas.openxmlformats.org/officeDocument/2006/relationships" xmlns:p="http://schemas.openxmlformats.org/presentationml/2006/main" showMasterSp="0" showMasterPhAnim="0">
   <p:cSld>
     <p:spTree>
@@ -1354,7 +1137,7 @@
                 <a:cs typeface="Arial"/>
                 <a:sym typeface="Arial"/>
               </a:rPr>
-              <a:t>4</a:t>
+              <a:t>12</a:t>
             </a:fld>
             <a:endParaRPr sz="1200">
               <a:solidFill>
@@ -1371,7 +1154,7 @@
     </p:spTree>
     <p:extLst>
       <p:ext uri="{BB962C8B-B14F-4D97-AF65-F5344CB8AC3E}">
-        <p14:creationId xmlns:p14="http://schemas.microsoft.com/office/powerpoint/2010/main" val="2929015810"/>
+        <p14:creationId xmlns:p14="http://schemas.microsoft.com/office/powerpoint/2010/main" val="2684412571"/>
       </p:ext>
     </p:extLst>
   </p:cSld>
@@ -1381,7 +1164,225 @@
 </p:notes>
 </file>
 
-<file path=ppt/notesSlides/notesSlide5.xml><?xml version="1.0" encoding="utf-8"?>
+<file path=ppt/notesSlides/notesSlide2.xml><?xml version="1.0" encoding="utf-8"?>
+<p:notes xmlns:a="http://schemas.openxmlformats.org/drawingml/2006/main" xmlns:r="http://schemas.openxmlformats.org/officeDocument/2006/relationships" xmlns:p="http://schemas.openxmlformats.org/presentationml/2006/main" showMasterSp="0" showMasterPhAnim="0">
+  <p:cSld>
+    <p:spTree>
+      <p:nvGrpSpPr>
+        <p:cNvPr id="1" name="Shape 97"/>
+        <p:cNvGrpSpPr/>
+        <p:nvPr/>
+      </p:nvGrpSpPr>
+      <p:grpSpPr>
+        <a:xfrm>
+          <a:off x="0" y="0"/>
+          <a:ext cx="0" cy="0"/>
+          <a:chOff x="0" y="0"/>
+          <a:chExt cx="0" cy="0"/>
+        </a:xfrm>
+      </p:grpSpPr>
+      <p:sp>
+        <p:nvSpPr>
+          <p:cNvPr id="98" name="Google Shape;98;p5:notes"/>
+          <p:cNvSpPr txBox="1">
+            <a:spLocks noGrp="1"/>
+          </p:cNvSpPr>
+          <p:nvPr>
+            <p:ph type="body" idx="1"/>
+          </p:nvPr>
+        </p:nvSpPr>
+        <p:spPr>
+          <a:xfrm>
+            <a:off x="685800" y="4343400"/>
+            <a:ext cx="5486400" cy="4114800"/>
+          </a:xfrm>
+          <a:prstGeom prst="rect">
+            <a:avLst/>
+          </a:prstGeom>
+        </p:spPr>
+        <p:txBody>
+          <a:bodyPr spcFirstLastPara="1" wrap="square" lIns="91425" tIns="91425" rIns="91425" bIns="91425" anchor="t" anchorCtr="0">
+            <a:noAutofit/>
+          </a:bodyPr>
+          <a:lstStyle/>
+          <a:p>
+            <a:pPr marL="0" lvl="0" indent="0" algn="l" rtl="0">
+              <a:spcBef>
+                <a:spcPts val="0"/>
+              </a:spcBef>
+              <a:spcAft>
+                <a:spcPts val="0"/>
+              </a:spcAft>
+              <a:buNone/>
+            </a:pPr>
+            <a:endParaRPr/>
+          </a:p>
+        </p:txBody>
+      </p:sp>
+      <p:sp>
+        <p:nvSpPr>
+          <p:cNvPr id="99" name="Google Shape;99;p5:notes"/>
+          <p:cNvSpPr>
+            <a:spLocks noGrp="1" noRot="1" noChangeAspect="1"/>
+          </p:cNvSpPr>
+          <p:nvPr>
+            <p:ph type="sldImg" idx="2"/>
+          </p:nvPr>
+        </p:nvSpPr>
+        <p:spPr>
+          <a:xfrm>
+            <a:off x="381000" y="685800"/>
+            <a:ext cx="6096000" cy="3429000"/>
+          </a:xfrm>
+          <a:custGeom>
+            <a:avLst/>
+            <a:gdLst/>
+            <a:ahLst/>
+            <a:cxnLst/>
+            <a:rect l="l" t="t" r="r" b="b"/>
+            <a:pathLst>
+              <a:path w="120000" h="120000" extrusionOk="0">
+                <a:moveTo>
+                  <a:pt x="0" y="0"/>
+                </a:moveTo>
+                <a:lnTo>
+                  <a:pt x="120000" y="0"/>
+                </a:lnTo>
+                <a:lnTo>
+                  <a:pt x="120000" y="120000"/>
+                </a:lnTo>
+                <a:lnTo>
+                  <a:pt x="0" y="120000"/>
+                </a:lnTo>
+                <a:close/>
+              </a:path>
+            </a:pathLst>
+          </a:custGeom>
+        </p:spPr>
+      </p:sp>
+    </p:spTree>
+    <p:extLst>
+      <p:ext uri="{BB962C8B-B14F-4D97-AF65-F5344CB8AC3E}">
+        <p14:creationId xmlns:p14="http://schemas.microsoft.com/office/powerpoint/2010/main" val="3738866262"/>
+      </p:ext>
+    </p:extLst>
+  </p:cSld>
+  <p:clrMapOvr>
+    <a:masterClrMapping/>
+  </p:clrMapOvr>
+</p:notes>
+</file>
+
+<file path=ppt/notesSlides/notesSlide3.xml><?xml version="1.0" encoding="utf-8"?>
+<p:notes xmlns:a="http://schemas.openxmlformats.org/drawingml/2006/main" xmlns:r="http://schemas.openxmlformats.org/officeDocument/2006/relationships" xmlns:p="http://schemas.openxmlformats.org/presentationml/2006/main" showMasterSp="0" showMasterPhAnim="0">
+  <p:cSld>
+    <p:spTree>
+      <p:nvGrpSpPr>
+        <p:cNvPr id="1" name="Shape 121"/>
+        <p:cNvGrpSpPr/>
+        <p:nvPr/>
+      </p:nvGrpSpPr>
+      <p:grpSpPr>
+        <a:xfrm>
+          <a:off x="0" y="0"/>
+          <a:ext cx="0" cy="0"/>
+          <a:chOff x="0" y="0"/>
+          <a:chExt cx="0" cy="0"/>
+        </a:xfrm>
+      </p:grpSpPr>
+      <p:sp>
+        <p:nvSpPr>
+          <p:cNvPr id="122" name="Google Shape;122;p6:notes"/>
+          <p:cNvSpPr txBox="1">
+            <a:spLocks noGrp="1"/>
+          </p:cNvSpPr>
+          <p:nvPr>
+            <p:ph type="body" idx="1"/>
+          </p:nvPr>
+        </p:nvSpPr>
+        <p:spPr>
+          <a:xfrm>
+            <a:off x="685800" y="4343400"/>
+            <a:ext cx="5486400" cy="4114800"/>
+          </a:xfrm>
+          <a:prstGeom prst="rect">
+            <a:avLst/>
+          </a:prstGeom>
+        </p:spPr>
+        <p:txBody>
+          <a:bodyPr spcFirstLastPara="1" wrap="square" lIns="91425" tIns="91425" rIns="91425" bIns="91425" anchor="t" anchorCtr="0">
+            <a:noAutofit/>
+          </a:bodyPr>
+          <a:lstStyle/>
+          <a:p>
+            <a:pPr marL="0" lvl="0" indent="0" algn="l" rtl="0">
+              <a:spcBef>
+                <a:spcPts val="0"/>
+              </a:spcBef>
+              <a:spcAft>
+                <a:spcPts val="0"/>
+              </a:spcAft>
+              <a:buNone/>
+            </a:pPr>
+            <a:endParaRPr/>
+          </a:p>
+        </p:txBody>
+      </p:sp>
+      <p:sp>
+        <p:nvSpPr>
+          <p:cNvPr id="123" name="Google Shape;123;p6:notes"/>
+          <p:cNvSpPr>
+            <a:spLocks noGrp="1" noRot="1" noChangeAspect="1"/>
+          </p:cNvSpPr>
+          <p:nvPr>
+            <p:ph type="sldImg" idx="2"/>
+          </p:nvPr>
+        </p:nvSpPr>
+        <p:spPr>
+          <a:xfrm>
+            <a:off x="381000" y="685800"/>
+            <a:ext cx="6096000" cy="3429000"/>
+          </a:xfrm>
+          <a:custGeom>
+            <a:avLst/>
+            <a:gdLst/>
+            <a:ahLst/>
+            <a:cxnLst/>
+            <a:rect l="l" t="t" r="r" b="b"/>
+            <a:pathLst>
+              <a:path w="120000" h="120000" extrusionOk="0">
+                <a:moveTo>
+                  <a:pt x="0" y="0"/>
+                </a:moveTo>
+                <a:lnTo>
+                  <a:pt x="120000" y="0"/>
+                </a:lnTo>
+                <a:lnTo>
+                  <a:pt x="120000" y="120000"/>
+                </a:lnTo>
+                <a:lnTo>
+                  <a:pt x="0" y="120000"/>
+                </a:lnTo>
+                <a:close/>
+              </a:path>
+            </a:pathLst>
+          </a:custGeom>
+        </p:spPr>
+      </p:sp>
+    </p:spTree>
+    <p:extLst>
+      <p:ext uri="{BB962C8B-B14F-4D97-AF65-F5344CB8AC3E}">
+        <p14:creationId xmlns:p14="http://schemas.microsoft.com/office/powerpoint/2010/main" val="1837215951"/>
+      </p:ext>
+    </p:extLst>
+  </p:cSld>
+  <p:clrMapOvr>
+    <a:masterClrMapping/>
+  </p:clrMapOvr>
+</p:notes>
+</file>
+
+<file path=ppt/notesSlides/notesSlide4.xml><?xml version="1.0" encoding="utf-8"?>
 <p:notes xmlns:a="http://schemas.openxmlformats.org/drawingml/2006/main" xmlns:r="http://schemas.openxmlformats.org/officeDocument/2006/relationships" xmlns:p="http://schemas.openxmlformats.org/presentationml/2006/main" showMasterSp="0" showMasterPhAnim="0">
   <p:cSld>
     <p:spTree>
@@ -1547,7 +1548,7 @@
                 <a:cs typeface="Arial"/>
                 <a:sym typeface="Arial"/>
               </a:rPr>
-              <a:t>5</a:t>
+              <a:t>4</a:t>
             </a:fld>
             <a:endParaRPr sz="1200">
               <a:solidFill>
@@ -1564,7 +1565,7 @@
     </p:spTree>
     <p:extLst>
       <p:ext uri="{BB962C8B-B14F-4D97-AF65-F5344CB8AC3E}">
-        <p14:creationId xmlns:p14="http://schemas.microsoft.com/office/powerpoint/2010/main" val="1288716809"/>
+        <p14:creationId xmlns:p14="http://schemas.microsoft.com/office/powerpoint/2010/main" val="2929015810"/>
       </p:ext>
     </p:extLst>
   </p:cSld>
@@ -1574,7 +1575,7 @@
 </p:notes>
 </file>
 
-<file path=ppt/notesSlides/notesSlide6.xml><?xml version="1.0" encoding="utf-8"?>
+<file path=ppt/notesSlides/notesSlide5.xml><?xml version="1.0" encoding="utf-8"?>
 <p:notes xmlns:a="http://schemas.openxmlformats.org/drawingml/2006/main" xmlns:r="http://schemas.openxmlformats.org/officeDocument/2006/relationships" xmlns:p="http://schemas.openxmlformats.org/presentationml/2006/main" showMasterSp="0" showMasterPhAnim="0">
   <p:cSld>
     <p:spTree>
@@ -1740,7 +1741,7 @@
                 <a:cs typeface="Arial"/>
                 <a:sym typeface="Arial"/>
               </a:rPr>
-              <a:t>6</a:t>
+              <a:t>5</a:t>
             </a:fld>
             <a:endParaRPr sz="1200">
               <a:solidFill>
@@ -1757,7 +1758,7 @@
     </p:spTree>
     <p:extLst>
       <p:ext uri="{BB962C8B-B14F-4D97-AF65-F5344CB8AC3E}">
-        <p14:creationId xmlns:p14="http://schemas.microsoft.com/office/powerpoint/2010/main" val="2994222633"/>
+        <p14:creationId xmlns:p14="http://schemas.microsoft.com/office/powerpoint/2010/main" val="1288716809"/>
       </p:ext>
     </p:extLst>
   </p:cSld>
@@ -1767,7 +1768,7 @@
 </p:notes>
 </file>
 
-<file path=ppt/notesSlides/notesSlide7.xml><?xml version="1.0" encoding="utf-8"?>
+<file path=ppt/notesSlides/notesSlide6.xml><?xml version="1.0" encoding="utf-8"?>
 <p:notes xmlns:a="http://schemas.openxmlformats.org/drawingml/2006/main" xmlns:r="http://schemas.openxmlformats.org/officeDocument/2006/relationships" xmlns:p="http://schemas.openxmlformats.org/presentationml/2006/main" showMasterSp="0" showMasterPhAnim="0">
   <p:cSld>
     <p:spTree>
@@ -1933,7 +1934,7 @@
                 <a:cs typeface="Arial"/>
                 <a:sym typeface="Arial"/>
               </a:rPr>
-              <a:t>7</a:t>
+              <a:t>6</a:t>
             </a:fld>
             <a:endParaRPr sz="1200">
               <a:solidFill>
@@ -1950,7 +1951,7 @@
     </p:spTree>
     <p:extLst>
       <p:ext uri="{BB962C8B-B14F-4D97-AF65-F5344CB8AC3E}">
-        <p14:creationId xmlns:p14="http://schemas.microsoft.com/office/powerpoint/2010/main" val="2081971668"/>
+        <p14:creationId xmlns:p14="http://schemas.microsoft.com/office/powerpoint/2010/main" val="649828642"/>
       </p:ext>
     </p:extLst>
   </p:cSld>
@@ -1960,116 +1961,7 @@
 </p:notes>
 </file>
 
-<file path=ppt/notesSlides/notesSlide8.xml><?xml version="1.0" encoding="utf-8"?>
-<p:notes xmlns:a="http://schemas.openxmlformats.org/drawingml/2006/main" xmlns:r="http://schemas.openxmlformats.org/officeDocument/2006/relationships" xmlns:p="http://schemas.openxmlformats.org/presentationml/2006/main" showMasterSp="0" showMasterPhAnim="0">
-  <p:cSld>
-    <p:spTree>
-      <p:nvGrpSpPr>
-        <p:cNvPr id="1" name="Shape 121"/>
-        <p:cNvGrpSpPr/>
-        <p:nvPr/>
-      </p:nvGrpSpPr>
-      <p:grpSpPr>
-        <a:xfrm>
-          <a:off x="0" y="0"/>
-          <a:ext cx="0" cy="0"/>
-          <a:chOff x="0" y="0"/>
-          <a:chExt cx="0" cy="0"/>
-        </a:xfrm>
-      </p:grpSpPr>
-      <p:sp>
-        <p:nvSpPr>
-          <p:cNvPr id="122" name="Google Shape;122;p6:notes"/>
-          <p:cNvSpPr txBox="1">
-            <a:spLocks noGrp="1"/>
-          </p:cNvSpPr>
-          <p:nvPr>
-            <p:ph type="body" idx="1"/>
-          </p:nvPr>
-        </p:nvSpPr>
-        <p:spPr>
-          <a:xfrm>
-            <a:off x="685800" y="4343400"/>
-            <a:ext cx="5486400" cy="4114800"/>
-          </a:xfrm>
-          <a:prstGeom prst="rect">
-            <a:avLst/>
-          </a:prstGeom>
-        </p:spPr>
-        <p:txBody>
-          <a:bodyPr spcFirstLastPara="1" wrap="square" lIns="91425" tIns="91425" rIns="91425" bIns="91425" anchor="t" anchorCtr="0">
-            <a:noAutofit/>
-          </a:bodyPr>
-          <a:lstStyle/>
-          <a:p>
-            <a:pPr marL="0" lvl="0" indent="0" algn="l" rtl="0">
-              <a:spcBef>
-                <a:spcPts val="0"/>
-              </a:spcBef>
-              <a:spcAft>
-                <a:spcPts val="0"/>
-              </a:spcAft>
-              <a:buNone/>
-            </a:pPr>
-            <a:endParaRPr/>
-          </a:p>
-        </p:txBody>
-      </p:sp>
-      <p:sp>
-        <p:nvSpPr>
-          <p:cNvPr id="123" name="Google Shape;123;p6:notes"/>
-          <p:cNvSpPr>
-            <a:spLocks noGrp="1" noRot="1" noChangeAspect="1"/>
-          </p:cNvSpPr>
-          <p:nvPr>
-            <p:ph type="sldImg" idx="2"/>
-          </p:nvPr>
-        </p:nvSpPr>
-        <p:spPr>
-          <a:xfrm>
-            <a:off x="381000" y="685800"/>
-            <a:ext cx="6096000" cy="3429000"/>
-          </a:xfrm>
-          <a:custGeom>
-            <a:avLst/>
-            <a:gdLst/>
-            <a:ahLst/>
-            <a:cxnLst/>
-            <a:rect l="l" t="t" r="r" b="b"/>
-            <a:pathLst>
-              <a:path w="120000" h="120000" extrusionOk="0">
-                <a:moveTo>
-                  <a:pt x="0" y="0"/>
-                </a:moveTo>
-                <a:lnTo>
-                  <a:pt x="120000" y="0"/>
-                </a:lnTo>
-                <a:lnTo>
-                  <a:pt x="120000" y="120000"/>
-                </a:lnTo>
-                <a:lnTo>
-                  <a:pt x="0" y="120000"/>
-                </a:lnTo>
-                <a:close/>
-              </a:path>
-            </a:pathLst>
-          </a:custGeom>
-        </p:spPr>
-      </p:sp>
-    </p:spTree>
-    <p:extLst>
-      <p:ext uri="{BB962C8B-B14F-4D97-AF65-F5344CB8AC3E}">
-        <p14:creationId xmlns:p14="http://schemas.microsoft.com/office/powerpoint/2010/main" val="1996790767"/>
-      </p:ext>
-    </p:extLst>
-  </p:cSld>
-  <p:clrMapOvr>
-    <a:masterClrMapping/>
-  </p:clrMapOvr>
-</p:notes>
-</file>
-
-<file path=ppt/notesSlides/notesSlide9.xml><?xml version="1.0" encoding="utf-8"?>
+<file path=ppt/notesSlides/notesSlide7.xml><?xml version="1.0" encoding="utf-8"?>
 <p:notes xmlns:a="http://schemas.openxmlformats.org/drawingml/2006/main" xmlns:r="http://schemas.openxmlformats.org/officeDocument/2006/relationships" xmlns:p="http://schemas.openxmlformats.org/presentationml/2006/main" showMasterSp="0" showMasterPhAnim="0">
   <p:cSld>
     <p:spTree>
@@ -2235,7 +2127,7 @@
                 <a:cs typeface="Arial"/>
                 <a:sym typeface="Arial"/>
               </a:rPr>
-              <a:t>9</a:t>
+              <a:t>7</a:t>
             </a:fld>
             <a:endParaRPr sz="1200">
               <a:solidFill>
@@ -2252,7 +2144,309 @@
     </p:spTree>
     <p:extLst>
       <p:ext uri="{BB962C8B-B14F-4D97-AF65-F5344CB8AC3E}">
-        <p14:creationId xmlns:p14="http://schemas.microsoft.com/office/powerpoint/2010/main" val="891153864"/>
+        <p14:creationId xmlns:p14="http://schemas.microsoft.com/office/powerpoint/2010/main" val="2994222633"/>
+      </p:ext>
+    </p:extLst>
+  </p:cSld>
+  <p:clrMapOvr>
+    <a:masterClrMapping/>
+  </p:clrMapOvr>
+</p:notes>
+</file>
+
+<file path=ppt/notesSlides/notesSlide8.xml><?xml version="1.0" encoding="utf-8"?>
+<p:notes xmlns:a="http://schemas.openxmlformats.org/drawingml/2006/main" xmlns:r="http://schemas.openxmlformats.org/officeDocument/2006/relationships" xmlns:p="http://schemas.openxmlformats.org/presentationml/2006/main" showMasterSp="0" showMasterPhAnim="0">
+  <p:cSld>
+    <p:spTree>
+      <p:nvGrpSpPr>
+        <p:cNvPr id="1" name="Shape 129"/>
+        <p:cNvGrpSpPr/>
+        <p:nvPr/>
+      </p:nvGrpSpPr>
+      <p:grpSpPr>
+        <a:xfrm>
+          <a:off x="0" y="0"/>
+          <a:ext cx="0" cy="0"/>
+          <a:chOff x="0" y="0"/>
+          <a:chExt cx="0" cy="0"/>
+        </a:xfrm>
+      </p:grpSpPr>
+      <p:sp>
+        <p:nvSpPr>
+          <p:cNvPr id="130" name="Google Shape;130;p7:notes"/>
+          <p:cNvSpPr>
+            <a:spLocks noGrp="1" noRot="1" noChangeAspect="1"/>
+          </p:cNvSpPr>
+          <p:nvPr>
+            <p:ph type="sldImg" idx="2"/>
+          </p:nvPr>
+        </p:nvSpPr>
+        <p:spPr>
+          <a:xfrm>
+            <a:off x="381000" y="685800"/>
+            <a:ext cx="6096000" cy="3429000"/>
+          </a:xfrm>
+          <a:custGeom>
+            <a:avLst/>
+            <a:gdLst/>
+            <a:ahLst/>
+            <a:cxnLst/>
+            <a:rect l="l" t="t" r="r" b="b"/>
+            <a:pathLst>
+              <a:path w="120000" h="120000" extrusionOk="0">
+                <a:moveTo>
+                  <a:pt x="0" y="0"/>
+                </a:moveTo>
+                <a:lnTo>
+                  <a:pt x="120000" y="0"/>
+                </a:lnTo>
+                <a:lnTo>
+                  <a:pt x="120000" y="120000"/>
+                </a:lnTo>
+                <a:lnTo>
+                  <a:pt x="0" y="120000"/>
+                </a:lnTo>
+                <a:close/>
+              </a:path>
+            </a:pathLst>
+          </a:custGeom>
+          <a:noFill/>
+          <a:ln w="12700" cap="flat" cmpd="sng">
+            <a:solidFill>
+              <a:srgbClr val="000000"/>
+            </a:solidFill>
+            <a:prstDash val="solid"/>
+            <a:round/>
+            <a:headEnd type="none" w="sm" len="sm"/>
+            <a:tailEnd type="none" w="sm" len="sm"/>
+          </a:ln>
+        </p:spPr>
+      </p:sp>
+      <p:sp>
+        <p:nvSpPr>
+          <p:cNvPr id="131" name="Google Shape;131;p7:notes"/>
+          <p:cNvSpPr txBox="1">
+            <a:spLocks noGrp="1"/>
+          </p:cNvSpPr>
+          <p:nvPr>
+            <p:ph type="body" idx="1"/>
+          </p:nvPr>
+        </p:nvSpPr>
+        <p:spPr>
+          <a:xfrm>
+            <a:off x="685800" y="4343400"/>
+            <a:ext cx="5486400" cy="4114800"/>
+          </a:xfrm>
+          <a:prstGeom prst="rect">
+            <a:avLst/>
+          </a:prstGeom>
+          <a:noFill/>
+          <a:ln>
+            <a:noFill/>
+          </a:ln>
+        </p:spPr>
+        <p:txBody>
+          <a:bodyPr spcFirstLastPara="1" wrap="square" lIns="91425" tIns="45700" rIns="91425" bIns="45700" anchor="t" anchorCtr="0">
+            <a:noAutofit/>
+          </a:bodyPr>
+          <a:lstStyle/>
+          <a:p>
+            <a:pPr marL="0" marR="0" lvl="0" indent="0" algn="l" rtl="0">
+              <a:spcBef>
+                <a:spcPts val="0"/>
+              </a:spcBef>
+              <a:spcAft>
+                <a:spcPts val="0"/>
+              </a:spcAft>
+              <a:buNone/>
+            </a:pPr>
+            <a:endParaRPr sz="1200" b="0" i="0" u="none" strike="noStrike" cap="none">
+              <a:solidFill>
+                <a:schemeClr val="dk1"/>
+              </a:solidFill>
+              <a:latin typeface="Arial"/>
+              <a:ea typeface="Arial"/>
+              <a:cs typeface="Arial"/>
+              <a:sym typeface="Arial"/>
+            </a:endParaRPr>
+          </a:p>
+        </p:txBody>
+      </p:sp>
+      <p:sp>
+        <p:nvSpPr>
+          <p:cNvPr id="132" name="Google Shape;132;p7:notes"/>
+          <p:cNvSpPr txBox="1">
+            <a:spLocks noGrp="1"/>
+          </p:cNvSpPr>
+          <p:nvPr>
+            <p:ph type="sldNum" idx="12"/>
+          </p:nvPr>
+        </p:nvSpPr>
+        <p:spPr>
+          <a:xfrm>
+            <a:off x="3884613" y="8685213"/>
+            <a:ext cx="2971800" cy="457200"/>
+          </a:xfrm>
+          <a:prstGeom prst="rect">
+            <a:avLst/>
+          </a:prstGeom>
+          <a:noFill/>
+          <a:ln>
+            <a:noFill/>
+          </a:ln>
+        </p:spPr>
+        <p:txBody>
+          <a:bodyPr spcFirstLastPara="1" wrap="square" lIns="91425" tIns="45700" rIns="91425" bIns="45700" anchor="b" anchorCtr="0">
+            <a:noAutofit/>
+          </a:bodyPr>
+          <a:lstStyle/>
+          <a:p>
+            <a:pPr marL="0" marR="0" lvl="0" indent="0" algn="r" rtl="0">
+              <a:spcBef>
+                <a:spcPts val="0"/>
+              </a:spcBef>
+              <a:spcAft>
+                <a:spcPts val="0"/>
+              </a:spcAft>
+              <a:buNone/>
+            </a:pPr>
+            <a:fld id="{00000000-1234-1234-1234-123412341234}" type="slidenum">
+              <a:rPr lang="en-US" sz="1200">
+                <a:solidFill>
+                  <a:schemeClr val="dk1"/>
+                </a:solidFill>
+                <a:latin typeface="Arial"/>
+                <a:ea typeface="Arial"/>
+                <a:cs typeface="Arial"/>
+                <a:sym typeface="Arial"/>
+              </a:rPr>
+              <a:t>8</a:t>
+            </a:fld>
+            <a:endParaRPr sz="1200">
+              <a:solidFill>
+                <a:schemeClr val="dk1"/>
+              </a:solidFill>
+              <a:latin typeface="Arial"/>
+              <a:ea typeface="Arial"/>
+              <a:cs typeface="Arial"/>
+              <a:sym typeface="Arial"/>
+            </a:endParaRPr>
+          </a:p>
+        </p:txBody>
+      </p:sp>
+    </p:spTree>
+    <p:extLst>
+      <p:ext uri="{BB962C8B-B14F-4D97-AF65-F5344CB8AC3E}">
+        <p14:creationId xmlns:p14="http://schemas.microsoft.com/office/powerpoint/2010/main" val="2081971668"/>
+      </p:ext>
+    </p:extLst>
+  </p:cSld>
+  <p:clrMapOvr>
+    <a:masterClrMapping/>
+  </p:clrMapOvr>
+</p:notes>
+</file>
+
+<file path=ppt/notesSlides/notesSlide9.xml><?xml version="1.0" encoding="utf-8"?>
+<p:notes xmlns:a="http://schemas.openxmlformats.org/drawingml/2006/main" xmlns:r="http://schemas.openxmlformats.org/officeDocument/2006/relationships" xmlns:p="http://schemas.openxmlformats.org/presentationml/2006/main" showMasterSp="0" showMasterPhAnim="0">
+  <p:cSld>
+    <p:spTree>
+      <p:nvGrpSpPr>
+        <p:cNvPr id="1" name="Shape 121"/>
+        <p:cNvGrpSpPr/>
+        <p:nvPr/>
+      </p:nvGrpSpPr>
+      <p:grpSpPr>
+        <a:xfrm>
+          <a:off x="0" y="0"/>
+          <a:ext cx="0" cy="0"/>
+          <a:chOff x="0" y="0"/>
+          <a:chExt cx="0" cy="0"/>
+        </a:xfrm>
+      </p:grpSpPr>
+      <p:sp>
+        <p:nvSpPr>
+          <p:cNvPr id="122" name="Google Shape;122;p6:notes"/>
+          <p:cNvSpPr txBox="1">
+            <a:spLocks noGrp="1"/>
+          </p:cNvSpPr>
+          <p:nvPr>
+            <p:ph type="body" idx="1"/>
+          </p:nvPr>
+        </p:nvSpPr>
+        <p:spPr>
+          <a:xfrm>
+            <a:off x="685800" y="4343400"/>
+            <a:ext cx="5486400" cy="4114800"/>
+          </a:xfrm>
+          <a:prstGeom prst="rect">
+            <a:avLst/>
+          </a:prstGeom>
+        </p:spPr>
+        <p:txBody>
+          <a:bodyPr spcFirstLastPara="1" wrap="square" lIns="91425" tIns="91425" rIns="91425" bIns="91425" anchor="t" anchorCtr="0">
+            <a:noAutofit/>
+          </a:bodyPr>
+          <a:lstStyle/>
+          <a:p>
+            <a:pPr marL="0" lvl="0" indent="0" algn="l" rtl="0">
+              <a:spcBef>
+                <a:spcPts val="0"/>
+              </a:spcBef>
+              <a:spcAft>
+                <a:spcPts val="0"/>
+              </a:spcAft>
+              <a:buNone/>
+            </a:pPr>
+            <a:endParaRPr/>
+          </a:p>
+        </p:txBody>
+      </p:sp>
+      <p:sp>
+        <p:nvSpPr>
+          <p:cNvPr id="123" name="Google Shape;123;p6:notes"/>
+          <p:cNvSpPr>
+            <a:spLocks noGrp="1" noRot="1" noChangeAspect="1"/>
+          </p:cNvSpPr>
+          <p:nvPr>
+            <p:ph type="sldImg" idx="2"/>
+          </p:nvPr>
+        </p:nvSpPr>
+        <p:spPr>
+          <a:xfrm>
+            <a:off x="381000" y="685800"/>
+            <a:ext cx="6096000" cy="3429000"/>
+          </a:xfrm>
+          <a:custGeom>
+            <a:avLst/>
+            <a:gdLst/>
+            <a:ahLst/>
+            <a:cxnLst/>
+            <a:rect l="l" t="t" r="r" b="b"/>
+            <a:pathLst>
+              <a:path w="120000" h="120000" extrusionOk="0">
+                <a:moveTo>
+                  <a:pt x="0" y="0"/>
+                </a:moveTo>
+                <a:lnTo>
+                  <a:pt x="120000" y="0"/>
+                </a:lnTo>
+                <a:lnTo>
+                  <a:pt x="120000" y="120000"/>
+                </a:lnTo>
+                <a:lnTo>
+                  <a:pt x="0" y="120000"/>
+                </a:lnTo>
+                <a:close/>
+              </a:path>
+            </a:pathLst>
+          </a:custGeom>
+        </p:spPr>
+      </p:sp>
+    </p:spTree>
+    <p:extLst>
+      <p:ext uri="{BB962C8B-B14F-4D97-AF65-F5344CB8AC3E}">
+        <p14:creationId xmlns:p14="http://schemas.microsoft.com/office/powerpoint/2010/main" val="1996790767"/>
       </p:ext>
     </p:extLst>
   </p:cSld>
@@ -2393,7 +2587,7 @@
           <a:p>
             <a:fld id="{06AE0B28-11AF-450D-9AFB-A01EA93FBCDE}" type="datetimeFigureOut">
               <a:rPr lang="ko-KR" altLang="en-US" smtClean="0"/>
-              <a:t>2020-03-20</a:t>
+              <a:t>2020-03-23</a:t>
             </a:fld>
             <a:endParaRPr lang="ko-KR" altLang="en-US"/>
           </a:p>
@@ -2563,7 +2757,7 @@
           <a:p>
             <a:fld id="{06AE0B28-11AF-450D-9AFB-A01EA93FBCDE}" type="datetimeFigureOut">
               <a:rPr lang="ko-KR" altLang="en-US" smtClean="0"/>
-              <a:t>2020-03-20</a:t>
+              <a:t>2020-03-23</a:t>
             </a:fld>
             <a:endParaRPr lang="ko-KR" altLang="en-US"/>
           </a:p>
@@ -2743,7 +2937,7 @@
           <a:p>
             <a:fld id="{06AE0B28-11AF-450D-9AFB-A01EA93FBCDE}" type="datetimeFigureOut">
               <a:rPr lang="ko-KR" altLang="en-US" smtClean="0"/>
-              <a:t>2020-03-20</a:t>
+              <a:t>2020-03-23</a:t>
             </a:fld>
             <a:endParaRPr lang="ko-KR" altLang="en-US"/>
           </a:p>
@@ -2913,7 +3107,7 @@
           <a:p>
             <a:fld id="{06AE0B28-11AF-450D-9AFB-A01EA93FBCDE}" type="datetimeFigureOut">
               <a:rPr lang="ko-KR" altLang="en-US" smtClean="0"/>
-              <a:t>2020-03-20</a:t>
+              <a:t>2020-03-23</a:t>
             </a:fld>
             <a:endParaRPr lang="ko-KR" altLang="en-US"/>
           </a:p>
@@ -3159,7 +3353,7 @@
           <a:p>
             <a:fld id="{06AE0B28-11AF-450D-9AFB-A01EA93FBCDE}" type="datetimeFigureOut">
               <a:rPr lang="ko-KR" altLang="en-US" smtClean="0"/>
-              <a:t>2020-03-20</a:t>
+              <a:t>2020-03-23</a:t>
             </a:fld>
             <a:endParaRPr lang="ko-KR" altLang="en-US"/>
           </a:p>
@@ -3391,7 +3585,7 @@
           <a:p>
             <a:fld id="{06AE0B28-11AF-450D-9AFB-A01EA93FBCDE}" type="datetimeFigureOut">
               <a:rPr lang="ko-KR" altLang="en-US" smtClean="0"/>
-              <a:t>2020-03-20</a:t>
+              <a:t>2020-03-23</a:t>
             </a:fld>
             <a:endParaRPr lang="ko-KR" altLang="en-US"/>
           </a:p>
@@ -3758,7 +3952,7 @@
           <a:p>
             <a:fld id="{06AE0B28-11AF-450D-9AFB-A01EA93FBCDE}" type="datetimeFigureOut">
               <a:rPr lang="ko-KR" altLang="en-US" smtClean="0"/>
-              <a:t>2020-03-20</a:t>
+              <a:t>2020-03-23</a:t>
             </a:fld>
             <a:endParaRPr lang="ko-KR" altLang="en-US"/>
           </a:p>
@@ -3876,7 +4070,7 @@
           <a:p>
             <a:fld id="{06AE0B28-11AF-450D-9AFB-A01EA93FBCDE}" type="datetimeFigureOut">
               <a:rPr lang="ko-KR" altLang="en-US" smtClean="0"/>
-              <a:t>2020-03-20</a:t>
+              <a:t>2020-03-23</a:t>
             </a:fld>
             <a:endParaRPr lang="ko-KR" altLang="en-US"/>
           </a:p>
@@ -3971,7 +4165,7 @@
           <a:p>
             <a:fld id="{06AE0B28-11AF-450D-9AFB-A01EA93FBCDE}" type="datetimeFigureOut">
               <a:rPr lang="ko-KR" altLang="en-US" smtClean="0"/>
-              <a:t>2020-03-20</a:t>
+              <a:t>2020-03-23</a:t>
             </a:fld>
             <a:endParaRPr lang="ko-KR" altLang="en-US"/>
           </a:p>
@@ -4248,7 +4442,7 @@
           <a:p>
             <a:fld id="{06AE0B28-11AF-450D-9AFB-A01EA93FBCDE}" type="datetimeFigureOut">
               <a:rPr lang="ko-KR" altLang="en-US" smtClean="0"/>
-              <a:t>2020-03-20</a:t>
+              <a:t>2020-03-23</a:t>
             </a:fld>
             <a:endParaRPr lang="ko-KR" altLang="en-US"/>
           </a:p>
@@ -4501,7 +4695,7 @@
           <a:p>
             <a:fld id="{06AE0B28-11AF-450D-9AFB-A01EA93FBCDE}" type="datetimeFigureOut">
               <a:rPr lang="ko-KR" altLang="en-US" smtClean="0"/>
-              <a:t>2020-03-20</a:t>
+              <a:t>2020-03-23</a:t>
             </a:fld>
             <a:endParaRPr lang="ko-KR" altLang="en-US"/>
           </a:p>
@@ -4714,7 +4908,7 @@
           <a:p>
             <a:fld id="{06AE0B28-11AF-450D-9AFB-A01EA93FBCDE}" type="datetimeFigureOut">
               <a:rPr lang="ko-KR" altLang="en-US" smtClean="0"/>
-              <a:t>2020-03-20</a:t>
+              <a:t>2020-03-23</a:t>
             </a:fld>
             <a:endParaRPr lang="ko-KR" altLang="en-US"/>
           </a:p>
@@ -5687,6 +5881,767 @@
               </a:rPr>
               <a:t>Pandas </a:t>
             </a:r>
+            <a:r>
+              <a:rPr lang="ko-KR" altLang="en-US" sz="2800" b="1" dirty="0" smtClean="0">
+                <a:solidFill>
+                  <a:schemeClr val="dk1"/>
+                </a:solidFill>
+                <a:latin typeface="Tmon몬소리OTF Black" panose="02000A03000000000000" pitchFamily="50" charset="-127"/>
+                <a:ea typeface="Tmon몬소리OTF Black" panose="02000A03000000000000" pitchFamily="50" charset="-127"/>
+                <a:cs typeface="Arial"/>
+                <a:sym typeface="Arial"/>
+              </a:rPr>
+              <a:t>란</a:t>
+            </a:r>
+            <a:endParaRPr sz="2800" b="1" dirty="0">
+              <a:solidFill>
+                <a:schemeClr val="dk1"/>
+              </a:solidFill>
+              <a:latin typeface="Tmon몬소리OTF Black" panose="02000A03000000000000" pitchFamily="50" charset="-127"/>
+              <a:ea typeface="Tmon몬소리OTF Black" panose="02000A03000000000000" pitchFamily="50" charset="-127"/>
+              <a:cs typeface="Arial"/>
+              <a:sym typeface="Arial"/>
+            </a:endParaRPr>
+          </a:p>
+        </p:txBody>
+      </p:sp>
+      <p:sp>
+        <p:nvSpPr>
+          <p:cNvPr id="143" name="Google Shape;143;p16"/>
+          <p:cNvSpPr/>
+          <p:nvPr/>
+        </p:nvSpPr>
+        <p:spPr>
+          <a:xfrm>
+            <a:off x="203690" y="95227"/>
+            <a:ext cx="791373" cy="492443"/>
+          </a:xfrm>
+          <a:prstGeom prst="rect">
+            <a:avLst/>
+          </a:prstGeom>
+          <a:noFill/>
+          <a:ln>
+            <a:noFill/>
+          </a:ln>
+        </p:spPr>
+        <p:txBody>
+          <a:bodyPr spcFirstLastPara="1" wrap="square" lIns="121900" tIns="60933" rIns="121900" bIns="60933" anchor="t" anchorCtr="0">
+            <a:noAutofit/>
+          </a:bodyPr>
+          <a:lstStyle/>
+          <a:p>
+            <a:r>
+              <a:rPr lang="en-US" sz="2400" b="1" dirty="0" smtClean="0">
+                <a:solidFill>
+                  <a:schemeClr val="lt1"/>
+                </a:solidFill>
+                <a:latin typeface="Tmon몬소리OTF Black" panose="02000A03000000000000" pitchFamily="50" charset="-127"/>
+                <a:ea typeface="Tmon몬소리OTF Black" panose="02000A03000000000000" pitchFamily="50" charset="-127"/>
+                <a:cs typeface="Arial"/>
+                <a:sym typeface="Arial"/>
+              </a:rPr>
+              <a:t>02</a:t>
+            </a:r>
+            <a:endParaRPr sz="2400" b="1" dirty="0">
+              <a:solidFill>
+                <a:schemeClr val="lt1"/>
+              </a:solidFill>
+              <a:latin typeface="Tmon몬소리OTF Black" panose="02000A03000000000000" pitchFamily="50" charset="-127"/>
+              <a:ea typeface="Tmon몬소리OTF Black" panose="02000A03000000000000" pitchFamily="50" charset="-127"/>
+              <a:cs typeface="Arial"/>
+              <a:sym typeface="Arial"/>
+            </a:endParaRPr>
+          </a:p>
+        </p:txBody>
+      </p:sp>
+      <p:sp>
+        <p:nvSpPr>
+          <p:cNvPr id="2" name="TextBox 1"/>
+          <p:cNvSpPr txBox="1"/>
+          <p:nvPr/>
+        </p:nvSpPr>
+        <p:spPr>
+          <a:xfrm>
+            <a:off x="741582" y="1000772"/>
+            <a:ext cx="10577384" cy="5355312"/>
+          </a:xfrm>
+          <a:prstGeom prst="rect">
+            <a:avLst/>
+          </a:prstGeom>
+          <a:noFill/>
+        </p:spPr>
+        <p:txBody>
+          <a:bodyPr wrap="square" rtlCol="0">
+            <a:spAutoFit/>
+          </a:bodyPr>
+          <a:lstStyle/>
+          <a:p>
+            <a:pPr marL="800100" lvl="1" indent="-342900">
+              <a:lnSpc>
+                <a:spcPct val="150000"/>
+              </a:lnSpc>
+              <a:buFont typeface="Wingdings" panose="05000000000000000000" pitchFamily="2" charset="2"/>
+              <a:buChar char="§"/>
+            </a:pPr>
+            <a:r>
+              <a:rPr lang="en-US" altLang="ko-KR" sz="2400" dirty="0" smtClean="0">
+                <a:latin typeface="나눔스퀘어라운드 Bold" panose="020B0600000101010101" pitchFamily="50" charset="-127"/>
+                <a:ea typeface="나눔스퀘어라운드 Bold" panose="020B0600000101010101" pitchFamily="50" charset="-127"/>
+              </a:rPr>
+              <a:t>Pandas</a:t>
+            </a:r>
+            <a:r>
+              <a:rPr lang="ko-KR" altLang="en-US" sz="2400" dirty="0">
+                <a:latin typeface="나눔스퀘어라운드 Bold" panose="020B0600000101010101" pitchFamily="50" charset="-127"/>
+                <a:ea typeface="나눔스퀘어라운드 Bold" panose="020B0600000101010101" pitchFamily="50" charset="-127"/>
+              </a:rPr>
+              <a:t>는 </a:t>
+            </a:r>
+            <a:r>
+              <a:rPr lang="en-US" altLang="ko-KR" sz="2400" dirty="0">
+                <a:latin typeface="나눔스퀘어라운드 Bold" panose="020B0600000101010101" pitchFamily="50" charset="-127"/>
+                <a:ea typeface="나눔스퀘어라운드 Bold" panose="020B0600000101010101" pitchFamily="50" charset="-127"/>
+              </a:rPr>
+              <a:t>Python</a:t>
+            </a:r>
+            <a:r>
+              <a:rPr lang="ko-KR" altLang="en-US" sz="2400" dirty="0">
+                <a:latin typeface="나눔스퀘어라운드 Bold" panose="020B0600000101010101" pitchFamily="50" charset="-127"/>
+                <a:ea typeface="나눔스퀘어라운드 Bold" panose="020B0600000101010101" pitchFamily="50" charset="-127"/>
+              </a:rPr>
+              <a:t>에서 사용하는 데이터를 분석하는 라이브러리이다</a:t>
+            </a:r>
+            <a:r>
+              <a:rPr lang="en-US" altLang="ko-KR" sz="2400" dirty="0">
+                <a:latin typeface="나눔스퀘어라운드 Bold" panose="020B0600000101010101" pitchFamily="50" charset="-127"/>
+                <a:ea typeface="나눔스퀘어라운드 Bold" panose="020B0600000101010101" pitchFamily="50" charset="-127"/>
+              </a:rPr>
+              <a:t>.</a:t>
+            </a:r>
+          </a:p>
+          <a:p>
+            <a:pPr lvl="1">
+              <a:lnSpc>
+                <a:spcPct val="150000"/>
+              </a:lnSpc>
+            </a:pPr>
+            <a:r>
+              <a:rPr lang="en-US" altLang="ko-KR" sz="2400" dirty="0">
+                <a:latin typeface="나눔스퀘어라운드 Bold" panose="020B0600000101010101" pitchFamily="50" charset="-127"/>
+                <a:ea typeface="나눔스퀘어라운드 Bold" panose="020B0600000101010101" pitchFamily="50" charset="-127"/>
+              </a:rPr>
+              <a:t>	</a:t>
+            </a:r>
+            <a:r>
+              <a:rPr lang="ko-KR" altLang="en-US" sz="2400" dirty="0" smtClean="0">
+                <a:latin typeface="나눔스퀘어라운드 Bold" panose="020B0600000101010101" pitchFamily="50" charset="-127"/>
+                <a:ea typeface="나눔스퀘어라운드 Bold" panose="020B0600000101010101" pitchFamily="50" charset="-127"/>
+              </a:rPr>
+              <a:t>행과 </a:t>
+            </a:r>
+            <a:r>
+              <a:rPr lang="ko-KR" altLang="en-US" sz="2400" dirty="0">
+                <a:latin typeface="나눔스퀘어라운드 Bold" panose="020B0600000101010101" pitchFamily="50" charset="-127"/>
+                <a:ea typeface="나눔스퀘어라운드 Bold" panose="020B0600000101010101" pitchFamily="50" charset="-127"/>
+              </a:rPr>
+              <a:t>열로 이루어진 데이터 객체를 편리하게 다루고 대용량의 데이터를 쉽게 </a:t>
+            </a:r>
+            <a:r>
+              <a:rPr lang="en-US" altLang="ko-KR" sz="2400" dirty="0" smtClean="0">
+                <a:latin typeface="나눔스퀘어라운드 Bold" panose="020B0600000101010101" pitchFamily="50" charset="-127"/>
+                <a:ea typeface="나눔스퀘어라운드 Bold" panose="020B0600000101010101" pitchFamily="50" charset="-127"/>
+              </a:rPr>
+              <a:t>	</a:t>
+            </a:r>
+            <a:r>
+              <a:rPr lang="ko-KR" altLang="en-US" sz="2400" dirty="0" smtClean="0">
+                <a:latin typeface="나눔스퀘어라운드 Bold" panose="020B0600000101010101" pitchFamily="50" charset="-127"/>
+                <a:ea typeface="나눔스퀘어라운드 Bold" panose="020B0600000101010101" pitchFamily="50" charset="-127"/>
+              </a:rPr>
+              <a:t>처리할 </a:t>
+            </a:r>
+            <a:r>
+              <a:rPr lang="ko-KR" altLang="en-US" sz="2400" dirty="0">
+                <a:latin typeface="나눔스퀘어라운드 Bold" panose="020B0600000101010101" pitchFamily="50" charset="-127"/>
+                <a:ea typeface="나눔스퀘어라운드 Bold" panose="020B0600000101010101" pitchFamily="50" charset="-127"/>
+              </a:rPr>
+              <a:t>수 있는 함수를 제공하는 도구이다</a:t>
+            </a:r>
+            <a:r>
+              <a:rPr lang="en-US" altLang="ko-KR" sz="2400" dirty="0">
+                <a:latin typeface="나눔스퀘어라운드 Bold" panose="020B0600000101010101" pitchFamily="50" charset="-127"/>
+                <a:ea typeface="나눔스퀘어라운드 Bold" panose="020B0600000101010101" pitchFamily="50" charset="-127"/>
+              </a:rPr>
+              <a:t>. </a:t>
+            </a:r>
+          </a:p>
+          <a:p>
+            <a:pPr marL="914400" lvl="1" indent="-457200">
+              <a:buFont typeface="+mj-lt"/>
+              <a:buAutoNum type="arabicPeriod"/>
+            </a:pPr>
+            <a:endParaRPr lang="en-US" altLang="ko-KR" sz="2400" dirty="0" smtClean="0">
+              <a:latin typeface="나눔스퀘어라운드 Bold" panose="020B0600000101010101" pitchFamily="50" charset="-127"/>
+              <a:ea typeface="나눔스퀘어라운드 Bold" panose="020B0600000101010101" pitchFamily="50" charset="-127"/>
+            </a:endParaRPr>
+          </a:p>
+          <a:p>
+            <a:pPr marL="914400" lvl="1" indent="-457200">
+              <a:buFont typeface="+mj-lt"/>
+              <a:buAutoNum type="arabicPeriod"/>
+            </a:pPr>
+            <a:r>
+              <a:rPr lang="en-US" altLang="ko-KR" sz="2100" dirty="0" smtClean="0">
+                <a:latin typeface="나눔스퀘어라운드 Bold" panose="020B0600000101010101" pitchFamily="50" charset="-127"/>
+                <a:ea typeface="나눔스퀘어라운드 Bold" panose="020B0600000101010101" pitchFamily="50" charset="-127"/>
+              </a:rPr>
+              <a:t>Pandas </a:t>
+            </a:r>
+            <a:r>
+              <a:rPr lang="ko-KR" altLang="en-US" sz="2100" dirty="0" smtClean="0">
+                <a:latin typeface="나눔스퀘어라운드 Bold" panose="020B0600000101010101" pitchFamily="50" charset="-127"/>
+                <a:ea typeface="나눔스퀘어라운드 Bold" panose="020B0600000101010101" pitchFamily="50" charset="-127"/>
+              </a:rPr>
+              <a:t>객체</a:t>
+            </a:r>
+            <a:endParaRPr lang="en-US" altLang="ko-KR" sz="2100" dirty="0" smtClean="0">
+              <a:latin typeface="나눔스퀘어라운드 Bold" panose="020B0600000101010101" pitchFamily="50" charset="-127"/>
+              <a:ea typeface="나눔스퀘어라운드 Bold" panose="020B0600000101010101" pitchFamily="50" charset="-127"/>
+            </a:endParaRPr>
+          </a:p>
+          <a:p>
+            <a:pPr marL="1371600" lvl="2" indent="-457200">
+              <a:buFont typeface="Wingdings" panose="05000000000000000000" pitchFamily="2" charset="2"/>
+              <a:buChar char="§"/>
+            </a:pPr>
+            <a:r>
+              <a:rPr lang="en-US" altLang="ko-KR" sz="2100" dirty="0">
+                <a:latin typeface="나눔스퀘어라운드 Bold" panose="020B0600000101010101" pitchFamily="50" charset="-127"/>
+                <a:ea typeface="나눔스퀘어라운드 Bold" panose="020B0600000101010101" pitchFamily="50" charset="-127"/>
+              </a:rPr>
+              <a:t>Series</a:t>
+            </a:r>
+          </a:p>
+          <a:p>
+            <a:pPr marL="2286000" lvl="4" indent="-457200">
+              <a:buSzPct val="97000"/>
+              <a:buFont typeface="Arial" panose="020B0604020202020204" pitchFamily="34" charset="0"/>
+              <a:buChar char="•"/>
+            </a:pPr>
+            <a:r>
+              <a:rPr lang="en-US" altLang="ko-KR" sz="2100" dirty="0">
+                <a:latin typeface="나눔스퀘어라운드 Bold" panose="020B0600000101010101" pitchFamily="50" charset="-127"/>
+                <a:ea typeface="나눔스퀘어라운드 Bold" panose="020B0600000101010101" pitchFamily="50" charset="-127"/>
+              </a:rPr>
+              <a:t>1</a:t>
+            </a:r>
+            <a:r>
+              <a:rPr lang="ko-KR" altLang="en-US" sz="2100" dirty="0">
+                <a:latin typeface="나눔스퀘어라운드 Bold" panose="020B0600000101010101" pitchFamily="50" charset="-127"/>
+                <a:ea typeface="나눔스퀘어라운드 Bold" panose="020B0600000101010101" pitchFamily="50" charset="-127"/>
+              </a:rPr>
+              <a:t>차원 배열</a:t>
+            </a:r>
+            <a:endParaRPr lang="en-US" altLang="ko-KR" sz="2100" dirty="0">
+              <a:latin typeface="나눔스퀘어라운드 Bold" panose="020B0600000101010101" pitchFamily="50" charset="-127"/>
+              <a:ea typeface="나눔스퀘어라운드 Bold" panose="020B0600000101010101" pitchFamily="50" charset="-127"/>
+            </a:endParaRPr>
+          </a:p>
+          <a:p>
+            <a:pPr marL="2286000" lvl="4" indent="-457200">
+              <a:buSzPct val="97000"/>
+              <a:buFont typeface="Arial" panose="020B0604020202020204" pitchFamily="34" charset="0"/>
+              <a:buChar char="•"/>
+            </a:pPr>
+            <a:r>
+              <a:rPr lang="ko-KR" altLang="en-US" sz="2100" dirty="0">
+                <a:latin typeface="나눔스퀘어라운드 Bold" panose="020B0600000101010101" pitchFamily="50" charset="-127"/>
+                <a:ea typeface="나눔스퀘어라운드 Bold" panose="020B0600000101010101" pitchFamily="50" charset="-127"/>
+              </a:rPr>
+              <a:t>이름이 붙여진 </a:t>
+            </a:r>
+            <a:r>
+              <a:rPr lang="en-US" altLang="ko-KR" sz="2100" dirty="0" smtClean="0">
+                <a:latin typeface="나눔스퀘어라운드 Bold" panose="020B0600000101010101" pitchFamily="50" charset="-127"/>
+                <a:ea typeface="나눔스퀘어라운드 Bold" panose="020B0600000101010101" pitchFamily="50" charset="-127"/>
+              </a:rPr>
+              <a:t>vector (list </a:t>
+            </a:r>
+            <a:r>
+              <a:rPr lang="ko-KR" altLang="en-US" sz="2100" dirty="0" smtClean="0">
+                <a:latin typeface="나눔스퀘어라운드 Bold" panose="020B0600000101010101" pitchFamily="50" charset="-127"/>
+                <a:ea typeface="나눔스퀘어라운드 Bold" panose="020B0600000101010101" pitchFamily="50" charset="-127"/>
+              </a:rPr>
+              <a:t>데이터 구조</a:t>
+            </a:r>
+            <a:r>
+              <a:rPr lang="en-US" altLang="ko-KR" sz="2100" dirty="0" smtClean="0">
+                <a:latin typeface="나눔스퀘어라운드 Bold" panose="020B0600000101010101" pitchFamily="50" charset="-127"/>
+                <a:ea typeface="나눔스퀘어라운드 Bold" panose="020B0600000101010101" pitchFamily="50" charset="-127"/>
+              </a:rPr>
+              <a:t>)</a:t>
+            </a:r>
+            <a:endParaRPr lang="en-US" altLang="ko-KR" sz="2100" dirty="0" smtClean="0">
+              <a:latin typeface="나눔스퀘어라운드 Bold" panose="020B0600000101010101" pitchFamily="50" charset="-127"/>
+              <a:ea typeface="나눔스퀘어라운드 Bold" panose="020B0600000101010101" pitchFamily="50" charset="-127"/>
+            </a:endParaRPr>
+          </a:p>
+          <a:p>
+            <a:pPr marL="1371600" lvl="2" indent="-457200">
+              <a:buFont typeface="Wingdings" panose="05000000000000000000" pitchFamily="2" charset="2"/>
+              <a:buChar char="§"/>
+            </a:pPr>
+            <a:r>
+              <a:rPr lang="en-US" altLang="ko-KR" sz="2100" dirty="0" err="1" smtClean="0">
+                <a:latin typeface="나눔스퀘어라운드 Bold" panose="020B0600000101010101" pitchFamily="50" charset="-127"/>
+                <a:ea typeface="나눔스퀘어라운드 Bold" panose="020B0600000101010101" pitchFamily="50" charset="-127"/>
+              </a:rPr>
+              <a:t>DataFrame</a:t>
+            </a:r>
+            <a:endParaRPr lang="en-US" altLang="ko-KR" sz="2100" dirty="0">
+              <a:latin typeface="나눔스퀘어라운드 Bold" panose="020B0600000101010101" pitchFamily="50" charset="-127"/>
+              <a:ea typeface="나눔스퀘어라운드 Bold" panose="020B0600000101010101" pitchFamily="50" charset="-127"/>
+            </a:endParaRPr>
+          </a:p>
+          <a:p>
+            <a:pPr marL="2171700" lvl="4" indent="-342900">
+              <a:buFont typeface="Arial" panose="020B0604020202020204" pitchFamily="34" charset="0"/>
+              <a:buChar char="•"/>
+            </a:pPr>
+            <a:r>
+              <a:rPr lang="ko-KR" altLang="en-US" sz="2100" dirty="0">
+                <a:latin typeface="나눔스퀘어라운드 Bold" panose="020B0600000101010101" pitchFamily="50" charset="-127"/>
+                <a:ea typeface="나눔스퀘어라운드 Bold" panose="020B0600000101010101" pitchFamily="50" charset="-127"/>
+              </a:rPr>
+              <a:t>다차원 배열 </a:t>
+            </a:r>
+            <a:r>
+              <a:rPr lang="en-US" altLang="ko-KR" sz="2100" dirty="0">
+                <a:latin typeface="나눔스퀘어라운드 Bold" panose="020B0600000101010101" pitchFamily="50" charset="-127"/>
+                <a:ea typeface="나눔스퀘어라운드 Bold" panose="020B0600000101010101" pitchFamily="50" charset="-127"/>
+              </a:rPr>
+              <a:t>(Series</a:t>
+            </a:r>
+            <a:r>
+              <a:rPr lang="ko-KR" altLang="en-US" sz="2100" dirty="0">
+                <a:latin typeface="나눔스퀘어라운드 Bold" panose="020B0600000101010101" pitchFamily="50" charset="-127"/>
+                <a:ea typeface="나눔스퀘어라운드 Bold" panose="020B0600000101010101" pitchFamily="50" charset="-127"/>
+              </a:rPr>
+              <a:t>의 특성을 가지고 있는 </a:t>
+            </a:r>
+            <a:r>
+              <a:rPr lang="en-US" altLang="ko-KR" sz="2100" dirty="0">
+                <a:latin typeface="나눔스퀘어라운드 Bold" panose="020B0600000101010101" pitchFamily="50" charset="-127"/>
+                <a:ea typeface="나눔스퀘어라운드 Bold" panose="020B0600000101010101" pitchFamily="50" charset="-127"/>
+              </a:rPr>
+              <a:t>2</a:t>
+            </a:r>
+            <a:r>
+              <a:rPr lang="ko-KR" altLang="en-US" sz="2100" dirty="0" smtClean="0">
+                <a:latin typeface="나눔스퀘어라운드 Bold" panose="020B0600000101010101" pitchFamily="50" charset="-127"/>
+                <a:ea typeface="나눔스퀘어라운드 Bold" panose="020B0600000101010101" pitchFamily="50" charset="-127"/>
+              </a:rPr>
+              <a:t>차원 </a:t>
+            </a:r>
+            <a:r>
+              <a:rPr lang="ko-KR" altLang="en-US" sz="2100" dirty="0">
+                <a:latin typeface="나눔스퀘어라운드 Bold" panose="020B0600000101010101" pitchFamily="50" charset="-127"/>
+                <a:ea typeface="나눔스퀘어라운드 Bold" panose="020B0600000101010101" pitchFamily="50" charset="-127"/>
+              </a:rPr>
+              <a:t>배열</a:t>
+            </a:r>
+            <a:r>
+              <a:rPr lang="en-US" altLang="ko-KR" sz="2100" dirty="0">
+                <a:latin typeface="나눔스퀘어라운드 Bold" panose="020B0600000101010101" pitchFamily="50" charset="-127"/>
+                <a:ea typeface="나눔스퀘어라운드 Bold" panose="020B0600000101010101" pitchFamily="50" charset="-127"/>
+              </a:rPr>
+              <a:t>)</a:t>
+            </a:r>
+          </a:p>
+          <a:p>
+            <a:pPr marL="2171700" lvl="4" indent="-342900">
+              <a:buFont typeface="Arial" panose="020B0604020202020204" pitchFamily="34" charset="0"/>
+              <a:buChar char="•"/>
+            </a:pPr>
+            <a:r>
+              <a:rPr lang="ko-KR" altLang="en-US" sz="2100" dirty="0">
+                <a:latin typeface="나눔스퀘어라운드 Bold" panose="020B0600000101010101" pitchFamily="50" charset="-127"/>
+                <a:ea typeface="나눔스퀘어라운드 Bold" panose="020B0600000101010101" pitchFamily="50" charset="-127"/>
+              </a:rPr>
+              <a:t>가장 기본적인 데이터 </a:t>
+            </a:r>
+            <a:r>
+              <a:rPr lang="ko-KR" altLang="en-US" sz="2100" dirty="0" smtClean="0">
+                <a:latin typeface="나눔스퀘어라운드 Bold" panose="020B0600000101010101" pitchFamily="50" charset="-127"/>
+                <a:ea typeface="나눔스퀘어라운드 Bold" panose="020B0600000101010101" pitchFamily="50" charset="-127"/>
+              </a:rPr>
+              <a:t>구조</a:t>
+            </a:r>
+            <a:endParaRPr lang="en-US" altLang="ko-KR" sz="2100" dirty="0" smtClean="0">
+              <a:latin typeface="나눔스퀘어라운드 Bold" panose="020B0600000101010101" pitchFamily="50" charset="-127"/>
+              <a:ea typeface="나눔스퀘어라운드 Bold" panose="020B0600000101010101" pitchFamily="50" charset="-127"/>
+            </a:endParaRPr>
+          </a:p>
+          <a:p>
+            <a:pPr marL="1371600" lvl="2" indent="-457200">
+              <a:buFont typeface="Wingdings" panose="05000000000000000000" pitchFamily="2" charset="2"/>
+              <a:buChar char="§"/>
+            </a:pPr>
+            <a:r>
+              <a:rPr lang="en-US" altLang="ko-KR" sz="2100" dirty="0" smtClean="0">
+                <a:latin typeface="나눔스퀘어라운드 Bold" panose="020B0600000101010101" pitchFamily="50" charset="-127"/>
+                <a:ea typeface="나눔스퀘어라운드 Bold" panose="020B0600000101010101" pitchFamily="50" charset="-127"/>
+              </a:rPr>
+              <a:t>Index</a:t>
+            </a:r>
+            <a:endParaRPr lang="en-US" altLang="ko-KR" sz="2100" dirty="0" smtClean="0">
+              <a:latin typeface="나눔스퀘어라운드 Bold" panose="020B0600000101010101" pitchFamily="50" charset="-127"/>
+              <a:ea typeface="나눔스퀘어라운드 Bold" panose="020B0600000101010101" pitchFamily="50" charset="-127"/>
+            </a:endParaRPr>
+          </a:p>
+          <a:p>
+            <a:pPr marL="2286000" lvl="4" indent="-457200">
+              <a:buSzPct val="97000"/>
+              <a:buFont typeface="Arial" panose="020B0604020202020204" pitchFamily="34" charset="0"/>
+              <a:buChar char="•"/>
+            </a:pPr>
+            <a:r>
+              <a:rPr lang="en-US" altLang="ko-KR" sz="2100" dirty="0" smtClean="0">
+                <a:latin typeface="나눔스퀘어라운드 Bold" panose="020B0600000101010101" pitchFamily="50" charset="-127"/>
+                <a:ea typeface="나눔스퀘어라운드 Bold" panose="020B0600000101010101" pitchFamily="50" charset="-127"/>
+              </a:rPr>
+              <a:t>Series , </a:t>
+            </a:r>
+            <a:r>
+              <a:rPr lang="en-US" altLang="ko-KR" sz="2100" dirty="0" err="1" smtClean="0">
+                <a:latin typeface="나눔스퀘어라운드 Bold" panose="020B0600000101010101" pitchFamily="50" charset="-127"/>
+                <a:ea typeface="나눔스퀘어라운드 Bold" panose="020B0600000101010101" pitchFamily="50" charset="-127"/>
+              </a:rPr>
+              <a:t>Dataframe</a:t>
+            </a:r>
+            <a:r>
+              <a:rPr lang="ko-KR" altLang="en-US" sz="2100" dirty="0" smtClean="0">
+                <a:latin typeface="나눔스퀘어라운드 Bold" panose="020B0600000101010101" pitchFamily="50" charset="-127"/>
+                <a:ea typeface="나눔스퀘어라운드 Bold" panose="020B0600000101010101" pitchFamily="50" charset="-127"/>
+              </a:rPr>
+              <a:t>의 레코드를 식별</a:t>
+            </a:r>
+            <a:endParaRPr lang="en-US" altLang="ko-KR" sz="2100" dirty="0" smtClean="0">
+              <a:latin typeface="나눔스퀘어라운드 Bold" panose="020B0600000101010101" pitchFamily="50" charset="-127"/>
+              <a:ea typeface="나눔스퀘어라운드 Bold" panose="020B0600000101010101" pitchFamily="50" charset="-127"/>
+            </a:endParaRPr>
+          </a:p>
+          <a:p>
+            <a:pPr marL="2286000" lvl="4" indent="-457200">
+              <a:buSzPct val="97000"/>
+              <a:buFont typeface="Arial" panose="020B0604020202020204" pitchFamily="34" charset="0"/>
+              <a:buChar char="•"/>
+            </a:pPr>
+            <a:r>
+              <a:rPr lang="ko-KR" altLang="en-US" sz="2100" dirty="0" smtClean="0">
+                <a:latin typeface="나눔스퀘어라운드 Bold" panose="020B0600000101010101" pitchFamily="50" charset="-127"/>
+                <a:ea typeface="나눔스퀘어라운드 Bold" panose="020B0600000101010101" pitchFamily="50" charset="-127"/>
+              </a:rPr>
+              <a:t>집합 연산이 가능 </a:t>
+            </a:r>
+            <a:r>
+              <a:rPr lang="en-US" altLang="ko-KR" sz="2100" dirty="0" smtClean="0">
+                <a:latin typeface="나눔스퀘어라운드 Bold" panose="020B0600000101010101" pitchFamily="50" charset="-127"/>
+                <a:ea typeface="나눔스퀘어라운드 Bold" panose="020B0600000101010101" pitchFamily="50" charset="-127"/>
+              </a:rPr>
+              <a:t>(AND, OR)</a:t>
+            </a:r>
+          </a:p>
+        </p:txBody>
+      </p:sp>
+      <p:pic>
+        <p:nvPicPr>
+          <p:cNvPr id="12" name="그림 11"/>
+          <p:cNvPicPr>
+            <a:picLocks noChangeAspect="1"/>
+          </p:cNvPicPr>
+          <p:nvPr/>
+        </p:nvPicPr>
+        <p:blipFill>
+          <a:blip r:embed="rId3" cstate="print">
+            <a:extLst>
+              <a:ext uri="{28A0092B-C50C-407E-A947-70E740481C1C}">
+                <a14:useLocalDpi xmlns:a14="http://schemas.microsoft.com/office/drawing/2010/main" val="0"/>
+              </a:ext>
+            </a:extLst>
+          </a:blip>
+          <a:stretch>
+            <a:fillRect/>
+          </a:stretch>
+        </p:blipFill>
+        <p:spPr>
+          <a:xfrm>
+            <a:off x="10537902" y="189570"/>
+            <a:ext cx="1411093" cy="821996"/>
+          </a:xfrm>
+          <a:prstGeom prst="rect">
+            <a:avLst/>
+          </a:prstGeom>
+        </p:spPr>
+      </p:pic>
+    </p:spTree>
+    <p:extLst>
+      <p:ext uri="{BB962C8B-B14F-4D97-AF65-F5344CB8AC3E}">
+        <p14:creationId xmlns:p14="http://schemas.microsoft.com/office/powerpoint/2010/main" val="4283197787"/>
+      </p:ext>
+    </p:extLst>
+  </p:cSld>
+  <p:clrMapOvr>
+    <a:masterClrMapping/>
+  </p:clrMapOvr>
+  <p:transition spd="med">
+    <p:fade thruBlk="1"/>
+  </p:transition>
+  <p:timing>
+    <p:tnLst>
+      <p:par>
+        <p:cTn id="1" dur="indefinite" restart="never" nodeType="tmRoot"/>
+      </p:par>
+    </p:tnLst>
+  </p:timing>
+</p:sld>
+</file>
+
+<file path=ppt/slides/slide11.xml><?xml version="1.0" encoding="utf-8"?>
+<p:sld xmlns:a="http://schemas.openxmlformats.org/drawingml/2006/main" xmlns:r="http://schemas.openxmlformats.org/officeDocument/2006/relationships" xmlns:p="http://schemas.openxmlformats.org/presentationml/2006/main">
+  <p:cSld>
+    <p:spTree>
+      <p:nvGrpSpPr>
+        <p:cNvPr id="1" name="Shape 133"/>
+        <p:cNvGrpSpPr/>
+        <p:nvPr/>
+      </p:nvGrpSpPr>
+      <p:grpSpPr>
+        <a:xfrm>
+          <a:off x="0" y="0"/>
+          <a:ext cx="0" cy="0"/>
+          <a:chOff x="0" y="0"/>
+          <a:chExt cx="0" cy="0"/>
+        </a:xfrm>
+      </p:grpSpPr>
+      <p:cxnSp>
+        <p:nvCxnSpPr>
+          <p:cNvPr id="10" name="Google Shape;134;p16"/>
+          <p:cNvCxnSpPr/>
+          <p:nvPr/>
+        </p:nvCxnSpPr>
+        <p:spPr>
+          <a:xfrm>
+            <a:off x="431371" y="344696"/>
+            <a:ext cx="9660647" cy="0"/>
+          </a:xfrm>
+          <a:prstGeom prst="straightConnector1">
+            <a:avLst/>
+          </a:prstGeom>
+          <a:noFill/>
+          <a:ln w="12700" cap="flat" cmpd="sng">
+            <a:solidFill>
+              <a:srgbClr val="BFBFBF"/>
+            </a:solidFill>
+            <a:prstDash val="solid"/>
+            <a:round/>
+            <a:headEnd type="none" w="sm" len="sm"/>
+            <a:tailEnd type="none" w="sm" len="sm"/>
+          </a:ln>
+        </p:spPr>
+      </p:cxnSp>
+      <p:sp>
+        <p:nvSpPr>
+          <p:cNvPr id="11" name="Google Shape;136;p16"/>
+          <p:cNvSpPr/>
+          <p:nvPr/>
+        </p:nvSpPr>
+        <p:spPr>
+          <a:xfrm>
+            <a:off x="10086439" y="187755"/>
+            <a:ext cx="60959" cy="360904"/>
+          </a:xfrm>
+          <a:prstGeom prst="rect">
+            <a:avLst/>
+          </a:prstGeom>
+          <a:solidFill>
+            <a:srgbClr val="7F7F7F"/>
+          </a:solidFill>
+          <a:ln>
+            <a:noFill/>
+          </a:ln>
+          <a:effectLst>
+            <a:outerShdw blurRad="50800" dist="38100" dir="2700000" algn="tl" rotWithShape="0">
+              <a:srgbClr val="000000">
+                <a:alpha val="40000"/>
+              </a:srgbClr>
+            </a:outerShdw>
+          </a:effectLst>
+        </p:spPr>
+        <p:txBody>
+          <a:bodyPr spcFirstLastPara="1" wrap="square" lIns="121900" tIns="60933" rIns="121900" bIns="60933" anchor="ctr" anchorCtr="0">
+            <a:noAutofit/>
+          </a:bodyPr>
+          <a:lstStyle/>
+          <a:p>
+            <a:pPr algn="ctr"/>
+            <a:endParaRPr sz="2400">
+              <a:solidFill>
+                <a:schemeClr val="lt1"/>
+              </a:solidFill>
+              <a:latin typeface="Arial"/>
+              <a:ea typeface="Arial"/>
+              <a:cs typeface="Arial"/>
+              <a:sym typeface="Arial"/>
+            </a:endParaRPr>
+          </a:p>
+        </p:txBody>
+      </p:sp>
+      <p:sp>
+        <p:nvSpPr>
+          <p:cNvPr id="135" name="Google Shape;135;p16"/>
+          <p:cNvSpPr/>
+          <p:nvPr/>
+        </p:nvSpPr>
+        <p:spPr>
+          <a:xfrm>
+            <a:off x="-14515" y="149948"/>
+            <a:ext cx="1088572" cy="384043"/>
+          </a:xfrm>
+          <a:prstGeom prst="rect">
+            <a:avLst/>
+          </a:prstGeom>
+          <a:solidFill>
+            <a:srgbClr val="E00868"/>
+          </a:solidFill>
+          <a:ln>
+            <a:noFill/>
+          </a:ln>
+        </p:spPr>
+        <p:txBody>
+          <a:bodyPr spcFirstLastPara="1" wrap="square" lIns="121900" tIns="60933" rIns="121900" bIns="60933" anchor="ctr" anchorCtr="0">
+            <a:noAutofit/>
+          </a:bodyPr>
+          <a:lstStyle/>
+          <a:p>
+            <a:pPr algn="ctr"/>
+            <a:endParaRPr sz="2400">
+              <a:solidFill>
+                <a:schemeClr val="lt1"/>
+              </a:solidFill>
+              <a:latin typeface="Tmon몬소리OTF Black" panose="02000A03000000000000" pitchFamily="50" charset="-127"/>
+              <a:ea typeface="Tmon몬소리OTF Black" panose="02000A03000000000000" pitchFamily="50" charset="-127"/>
+              <a:cs typeface="Arial"/>
+              <a:sym typeface="Arial"/>
+            </a:endParaRPr>
+          </a:p>
+        </p:txBody>
+      </p:sp>
+      <p:cxnSp>
+        <p:nvCxnSpPr>
+          <p:cNvPr id="137" name="Google Shape;137;p16"/>
+          <p:cNvCxnSpPr/>
+          <p:nvPr/>
+        </p:nvCxnSpPr>
+        <p:spPr>
+          <a:xfrm>
+            <a:off x="1126708" y="345453"/>
+            <a:ext cx="1233624" cy="0"/>
+          </a:xfrm>
+          <a:prstGeom prst="straightConnector1">
+            <a:avLst/>
+          </a:prstGeom>
+          <a:noFill/>
+          <a:ln w="12700" cap="flat" cmpd="sng">
+            <a:solidFill>
+              <a:srgbClr val="E00868"/>
+            </a:solidFill>
+            <a:prstDash val="solid"/>
+            <a:round/>
+            <a:headEnd type="none" w="sm" len="sm"/>
+            <a:tailEnd type="none" w="sm" len="sm"/>
+          </a:ln>
+        </p:spPr>
+      </p:cxnSp>
+      <p:sp>
+        <p:nvSpPr>
+          <p:cNvPr id="138" name="Google Shape;138;p16"/>
+          <p:cNvSpPr/>
+          <p:nvPr/>
+        </p:nvSpPr>
+        <p:spPr>
+          <a:xfrm rot="5400000">
+            <a:off x="928275" y="295722"/>
+            <a:ext cx="386628" cy="95087"/>
+          </a:xfrm>
+          <a:prstGeom prst="triangle">
+            <a:avLst>
+              <a:gd name="adj" fmla="val 50000"/>
+            </a:avLst>
+          </a:prstGeom>
+          <a:solidFill>
+            <a:srgbClr val="E00868"/>
+          </a:solidFill>
+          <a:ln>
+            <a:noFill/>
+          </a:ln>
+        </p:spPr>
+        <p:txBody>
+          <a:bodyPr spcFirstLastPara="1" wrap="square" lIns="121900" tIns="60933" rIns="121900" bIns="60933" anchor="ctr" anchorCtr="0">
+            <a:noAutofit/>
+          </a:bodyPr>
+          <a:lstStyle/>
+          <a:p>
+            <a:pPr algn="ctr"/>
+            <a:endParaRPr sz="2400">
+              <a:solidFill>
+                <a:schemeClr val="lt1"/>
+              </a:solidFill>
+              <a:latin typeface="Tmon몬소리OTF Black" panose="02000A03000000000000" pitchFamily="50" charset="-127"/>
+              <a:ea typeface="Tmon몬소리OTF Black" panose="02000A03000000000000" pitchFamily="50" charset="-127"/>
+              <a:cs typeface="Arial"/>
+              <a:sym typeface="Arial"/>
+            </a:endParaRPr>
+          </a:p>
+        </p:txBody>
+      </p:sp>
+      <p:sp>
+        <p:nvSpPr>
+          <p:cNvPr id="139" name="Google Shape;139;p16"/>
+          <p:cNvSpPr txBox="1"/>
+          <p:nvPr/>
+        </p:nvSpPr>
+        <p:spPr>
+          <a:xfrm>
+            <a:off x="1047714" y="380980"/>
+            <a:ext cx="2184217" cy="529495"/>
+          </a:xfrm>
+          <a:prstGeom prst="rect">
+            <a:avLst/>
+          </a:prstGeom>
+          <a:noFill/>
+          <a:ln>
+            <a:noFill/>
+          </a:ln>
+        </p:spPr>
+        <p:txBody>
+          <a:bodyPr spcFirstLastPara="1" wrap="square" lIns="121900" tIns="60933" rIns="121900" bIns="60933" anchor="t" anchorCtr="0">
+            <a:noAutofit/>
+          </a:bodyPr>
+          <a:lstStyle/>
+          <a:p>
+            <a:r>
+              <a:rPr lang="en-US" altLang="ko-KR" sz="2800" b="1" dirty="0" smtClean="0">
+                <a:solidFill>
+                  <a:schemeClr val="dk1"/>
+                </a:solidFill>
+                <a:latin typeface="Tmon몬소리OTF Black" panose="02000A03000000000000" pitchFamily="50" charset="-127"/>
+                <a:ea typeface="Tmon몬소리OTF Black" panose="02000A03000000000000" pitchFamily="50" charset="-127"/>
+                <a:cs typeface="Arial"/>
+                <a:sym typeface="Arial"/>
+              </a:rPr>
+              <a:t>Pandas </a:t>
+            </a:r>
             <a:endParaRPr sz="2800" b="1" dirty="0">
               <a:solidFill>
                 <a:schemeClr val="dk1"/>
@@ -6553,7 +7508,7 @@
 </p:sld>
 </file>
 
-<file path=ppt/slides/slide11.xml><?xml version="1.0" encoding="utf-8"?>
+<file path=ppt/slides/slide12.xml><?xml version="1.0" encoding="utf-8"?>
 <p:sld xmlns:a="http://schemas.openxmlformats.org/drawingml/2006/main" xmlns:r="http://schemas.openxmlformats.org/officeDocument/2006/relationships" xmlns:p="http://schemas.openxmlformats.org/presentationml/2006/main">
   <p:cSld>
     <p:spTree>
@@ -8465,14 +9420,7 @@
                 <a:latin typeface="나눔스퀘어라운드 Bold" panose="020B0600000101010101" pitchFamily="50" charset="-127"/>
                 <a:ea typeface="나눔스퀘어라운드 Bold" panose="020B0600000101010101" pitchFamily="50" charset="-127"/>
               </a:rPr>
-              <a:t>의 </a:t>
-            </a:r>
-            <a:r>
-              <a:rPr lang="ko-KR" altLang="en-US" sz="2400" dirty="0" smtClean="0">
-                <a:latin typeface="나눔스퀘어라운드 Bold" panose="020B0600000101010101" pitchFamily="50" charset="-127"/>
-                <a:ea typeface="나눔스퀘어라운드 Bold" panose="020B0600000101010101" pitchFamily="50" charset="-127"/>
-              </a:rPr>
-              <a:t>줄임 말</a:t>
+              <a:t>의 줄임 말</a:t>
             </a:r>
             <a:endParaRPr lang="en-US" altLang="ko-KR" sz="2400" dirty="0" smtClean="0">
               <a:latin typeface="나눔스퀘어라운드 Bold" panose="020B0600000101010101" pitchFamily="50" charset="-127"/>
@@ -8675,21 +9623,7 @@
                 <a:latin typeface="나눔스퀘어라운드 Bold" panose="020B0600000101010101" pitchFamily="50" charset="-127"/>
                 <a:ea typeface="나눔스퀘어라운드 Bold" panose="020B0600000101010101" pitchFamily="50" charset="-127"/>
               </a:rPr>
-              <a:t>큰 </a:t>
-            </a:r>
-            <a:r>
-              <a:rPr lang="ko-KR" altLang="en-US" sz="2400" dirty="0" smtClean="0">
-                <a:latin typeface="나눔스퀘어라운드 Bold" panose="020B0600000101010101" pitchFamily="50" charset="-127"/>
-                <a:ea typeface="나눔스퀘어라운드 Bold" panose="020B0600000101010101" pitchFamily="50" charset="-127"/>
-              </a:rPr>
-              <a:t>규모의 데이터 연산을 빠르게 </a:t>
-            </a:r>
-            <a:r>
-              <a:rPr lang="ko-KR" altLang="en-US" sz="2400" dirty="0" smtClean="0">
-                <a:latin typeface="나눔스퀘어라운드 Bold" panose="020B0600000101010101" pitchFamily="50" charset="-127"/>
-                <a:ea typeface="나눔스퀘어라운드 Bold" panose="020B0600000101010101" pitchFamily="50" charset="-127"/>
-              </a:rPr>
-              <a:t>수행 </a:t>
+              <a:t>큰 규모의 데이터 연산을 빠르게 수행 </a:t>
             </a:r>
             <a:r>
               <a:rPr lang="en-US" altLang="ko-KR" sz="2400" dirty="0" smtClean="0">
@@ -9160,7 +10094,7 @@
         <p:spPr>
           <a:xfrm>
             <a:off x="599376" y="1122666"/>
-            <a:ext cx="7577215" cy="5262979"/>
+            <a:ext cx="8100676" cy="2308324"/>
           </a:xfrm>
           <a:prstGeom prst="rect">
             <a:avLst/>
@@ -9173,64 +10107,70 @@
           </a:bodyPr>
           <a:lstStyle/>
           <a:p>
-            <a:r>
-              <a:rPr lang="en-US" altLang="ko-KR" sz="2400" dirty="0" smtClean="0">
-                <a:latin typeface="나눔스퀘어라운드 Bold" panose="020B0600000101010101" pitchFamily="50" charset="-127"/>
-                <a:ea typeface="나눔스퀘어라운드 Bold" panose="020B0600000101010101" pitchFamily="50" charset="-127"/>
-              </a:rPr>
-              <a:t>3. </a:t>
-            </a:r>
-            <a:r>
-              <a:rPr lang="en-US" altLang="ko-KR" sz="2400" dirty="0" err="1" smtClean="0">
-                <a:latin typeface="나눔스퀘어라운드 Bold" panose="020B0600000101010101" pitchFamily="50" charset="-127"/>
-                <a:ea typeface="나눔스퀘어라운드 Bold" panose="020B0600000101010101" pitchFamily="50" charset="-127"/>
-              </a:rPr>
-              <a:t>ndarray</a:t>
-            </a:r>
-            <a:r>
-              <a:rPr lang="en-US" altLang="ko-KR" sz="2400" dirty="0" smtClean="0">
-                <a:latin typeface="나눔스퀘어라운드 Bold" panose="020B0600000101010101" pitchFamily="50" charset="-127"/>
-                <a:ea typeface="나눔스퀘어라운드 Bold" panose="020B0600000101010101" pitchFamily="50" charset="-127"/>
-              </a:rPr>
-              <a:t>  </a:t>
-            </a:r>
-            <a:r>
-              <a:rPr lang="en-US" altLang="ko-KR" sz="2000" dirty="0" smtClean="0">
-                <a:latin typeface="나눔스퀘어라운드 Bold" panose="020B0600000101010101" pitchFamily="50" charset="-127"/>
-                <a:ea typeface="나눔스퀘어라운드 Bold" panose="020B0600000101010101" pitchFamily="50" charset="-127"/>
-              </a:rPr>
-              <a:t>vs</a:t>
-            </a:r>
-            <a:r>
-              <a:rPr lang="en-US" altLang="ko-KR" sz="2400" dirty="0" smtClean="0">
-                <a:latin typeface="나눔스퀘어라운드 Bold" panose="020B0600000101010101" pitchFamily="50" charset="-127"/>
-                <a:ea typeface="나눔스퀘어라운드 Bold" panose="020B0600000101010101" pitchFamily="50" charset="-127"/>
-              </a:rPr>
-              <a:t>  list</a:t>
-            </a:r>
-          </a:p>
-          <a:p>
-            <a:pPr marL="800100" lvl="1" indent="-342900">
+            <a:pPr>
               <a:lnSpc>
                 <a:spcPct val="150000"/>
               </a:lnSpc>
-              <a:buFont typeface="Wingdings" panose="05000000000000000000" pitchFamily="2" charset="2"/>
-              <a:buChar char="§"/>
             </a:pPr>
             <a:r>
-              <a:rPr lang="en-US" altLang="ko-KR" sz="2400" dirty="0" err="1" smtClean="0">
-                <a:latin typeface="나눔스퀘어라운드 Bold" panose="020B0600000101010101" pitchFamily="50" charset="-127"/>
-                <a:ea typeface="나눔스퀘어라운드 Bold" panose="020B0600000101010101" pitchFamily="50" charset="-127"/>
-              </a:rPr>
-              <a:t>ndarray</a:t>
-            </a:r>
-            <a:endParaRPr lang="en-US" altLang="ko-KR" sz="2400" dirty="0" smtClean="0">
-              <a:latin typeface="나눔스퀘어라운드 Bold" panose="020B0600000101010101" pitchFamily="50" charset="-127"/>
-              <a:ea typeface="나눔스퀘어라운드 Bold" panose="020B0600000101010101" pitchFamily="50" charset="-127"/>
-            </a:endParaRPr>
-          </a:p>
-          <a:p>
-            <a:pPr marL="1257300" lvl="2" indent="-342900">
+              <a:rPr lang="en-US" altLang="ko-KR" sz="2400" dirty="0" smtClean="0">
+                <a:latin typeface="나눔스퀘어라운드 Bold" panose="020B0600000101010101" pitchFamily="50" charset="-127"/>
+                <a:ea typeface="나눔스퀘어라운드 Bold" panose="020B0600000101010101" pitchFamily="50" charset="-127"/>
+              </a:rPr>
+              <a:t>3. </a:t>
+            </a:r>
+            <a:r>
+              <a:rPr lang="en-US" altLang="ko-KR" sz="2400" dirty="0">
+                <a:latin typeface="나눔스퀘어라운드 Bold" panose="020B0600000101010101" pitchFamily="50" charset="-127"/>
+                <a:ea typeface="나눔스퀘어라운드 Bold" panose="020B0600000101010101" pitchFamily="50" charset="-127"/>
+              </a:rPr>
+              <a:t>Scalar </a:t>
+            </a:r>
+            <a:r>
+              <a:rPr lang="en-US" altLang="ko-KR" dirty="0">
+                <a:latin typeface="나눔스퀘어라운드 Bold" panose="020B0600000101010101" pitchFamily="50" charset="-127"/>
+                <a:ea typeface="나눔스퀘어라운드 Bold" panose="020B0600000101010101" pitchFamily="50" charset="-127"/>
+              </a:rPr>
+              <a:t>vs</a:t>
+            </a:r>
+            <a:r>
+              <a:rPr lang="en-US" altLang="ko-KR" sz="2400" dirty="0">
+                <a:latin typeface="나눔스퀘어라운드 Bold" panose="020B0600000101010101" pitchFamily="50" charset="-127"/>
+                <a:ea typeface="나눔스퀘어라운드 Bold" panose="020B0600000101010101" pitchFamily="50" charset="-127"/>
+              </a:rPr>
+              <a:t> V</a:t>
+            </a:r>
+            <a:r>
+              <a:rPr lang="en-US" altLang="ko-KR" sz="2400" dirty="0" smtClean="0">
+                <a:latin typeface="나눔스퀘어라운드 Bold" panose="020B0600000101010101" pitchFamily="50" charset="-127"/>
+                <a:ea typeface="나눔스퀘어라운드 Bold" panose="020B0600000101010101" pitchFamily="50" charset="-127"/>
+              </a:rPr>
+              <a:t>ector  </a:t>
+            </a:r>
+            <a:r>
+              <a:rPr lang="en-US" altLang="ko-KR" dirty="0">
+                <a:latin typeface="나눔스퀘어라운드 Bold" panose="020B0600000101010101" pitchFamily="50" charset="-127"/>
+                <a:ea typeface="나눔스퀘어라운드 Bold" panose="020B0600000101010101" pitchFamily="50" charset="-127"/>
+              </a:rPr>
+              <a:t>vs</a:t>
+            </a:r>
+            <a:r>
+              <a:rPr lang="en-US" altLang="ko-KR" sz="2400" dirty="0">
+                <a:latin typeface="나눔스퀘어라운드 Bold" panose="020B0600000101010101" pitchFamily="50" charset="-127"/>
+                <a:ea typeface="나눔스퀘어라운드 Bold" panose="020B0600000101010101" pitchFamily="50" charset="-127"/>
+              </a:rPr>
+              <a:t>  </a:t>
+            </a:r>
+            <a:r>
+              <a:rPr lang="en-US" altLang="ko-KR" sz="2400" dirty="0" smtClean="0">
+                <a:latin typeface="나눔스퀘어라운드 Bold" panose="020B0600000101010101" pitchFamily="50" charset="-127"/>
+                <a:ea typeface="나눔스퀘어라운드 Bold" panose="020B0600000101010101" pitchFamily="50" charset="-127"/>
+              </a:rPr>
+              <a:t>Matrix</a:t>
+            </a:r>
+          </a:p>
+          <a:p>
+            <a:pPr marL="800100" lvl="1" indent="-342900">
               <a:lnSpc>
                 <a:spcPct val="150000"/>
               </a:lnSpc>
@@ -9238,18 +10178,32 @@
               <a:buChar char="•"/>
             </a:pPr>
             <a:r>
-              <a:rPr lang="ko-KR" altLang="en-US" sz="2400" dirty="0" err="1" smtClean="0">
-                <a:latin typeface="나눔스퀘어라운드 Bold" panose="020B0600000101010101" pitchFamily="50" charset="-127"/>
-                <a:ea typeface="나눔스퀘어라운드 Bold" panose="020B0600000101010101" pitchFamily="50" charset="-127"/>
-              </a:rPr>
-              <a:t>메모리량이</a:t>
+              <a:rPr lang="en-US" altLang="ko-KR" sz="2400" dirty="0" smtClean="0">
+                <a:latin typeface="나눔스퀘어라운드 Bold" panose="020B0600000101010101" pitchFamily="50" charset="-127"/>
+                <a:ea typeface="나눔스퀘어라운드 Bold" panose="020B0600000101010101" pitchFamily="50" charset="-127"/>
+              </a:rPr>
+              <a:t>Scalar (</a:t>
             </a:r>
             <a:r>
               <a:rPr lang="ko-KR" altLang="en-US" sz="2400" dirty="0" smtClean="0">
                 <a:latin typeface="나눔스퀘어라운드 Bold" panose="020B0600000101010101" pitchFamily="50" charset="-127"/>
                 <a:ea typeface="나눔스퀘어라운드 Bold" panose="020B0600000101010101" pitchFamily="50" charset="-127"/>
               </a:rPr>
-              <a:t> 상대적으로 작다</a:t>
+              <a:t>스칼라</a:t>
+            </a:r>
+            <a:r>
+              <a:rPr lang="en-US" altLang="ko-KR" sz="2400" dirty="0" smtClean="0">
+                <a:latin typeface="나눔스퀘어라운드 Bold" panose="020B0600000101010101" pitchFamily="50" charset="-127"/>
+                <a:ea typeface="나눔스퀘어라운드 Bold" panose="020B0600000101010101" pitchFamily="50" charset="-127"/>
+              </a:rPr>
+              <a:t>)</a:t>
+            </a:r>
+            <a:r>
+              <a:rPr lang="ko-KR" altLang="en-US" sz="2400" dirty="0" smtClean="0">
+                <a:latin typeface="나눔스퀘어라운드 Bold" panose="020B0600000101010101" pitchFamily="50" charset="-127"/>
+                <a:ea typeface="나눔스퀘어라운드 Bold" panose="020B0600000101010101" pitchFamily="50" charset="-127"/>
+              </a:rPr>
+              <a:t>는 숫자</a:t>
             </a:r>
             <a:endParaRPr lang="en-US" altLang="ko-KR" sz="2400" dirty="0" smtClean="0">
               <a:latin typeface="나눔스퀘어라운드 Bold" panose="020B0600000101010101" pitchFamily="50" charset="-127"/>
@@ -9257,7 +10211,7 @@
             </a:endParaRPr>
           </a:p>
           <a:p>
-            <a:pPr marL="1257300" lvl="2" indent="-342900">
+            <a:pPr marL="800100" lvl="1" indent="-342900">
               <a:lnSpc>
                 <a:spcPct val="150000"/>
               </a:lnSpc>
@@ -9265,19 +10219,43 @@
               <a:buChar char="•"/>
             </a:pPr>
             <a:r>
+              <a:rPr lang="en-US" altLang="ko-KR" sz="2400" dirty="0" smtClean="0">
+                <a:latin typeface="나눔스퀘어라운드 Bold" panose="020B0600000101010101" pitchFamily="50" charset="-127"/>
+                <a:ea typeface="나눔스퀘어라운드 Bold" panose="020B0600000101010101" pitchFamily="50" charset="-127"/>
+              </a:rPr>
+              <a:t>Vector (</a:t>
+            </a:r>
+            <a:r>
               <a:rPr lang="ko-KR" altLang="en-US" sz="2400" dirty="0" smtClean="0">
                 <a:latin typeface="나눔스퀘어라운드 Bold" panose="020B0600000101010101" pitchFamily="50" charset="-127"/>
                 <a:ea typeface="나눔스퀘어라운드 Bold" panose="020B0600000101010101" pitchFamily="50" charset="-127"/>
               </a:rPr>
-              <a:t>서로 다른 타입의 데이터를 담을 수 없다</a:t>
-            </a:r>
-            <a:endParaRPr lang="en-US" altLang="ko-KR" sz="2400" dirty="0" smtClean="0">
-              <a:latin typeface="나눔스퀘어라운드 Bold" panose="020B0600000101010101" pitchFamily="50" charset="-127"/>
-              <a:ea typeface="나눔스퀘어라운드 Bold" panose="020B0600000101010101" pitchFamily="50" charset="-127"/>
-            </a:endParaRPr>
-          </a:p>
-          <a:p>
-            <a:pPr marL="1257300" lvl="2" indent="-342900">
+              <a:t>벡터</a:t>
+            </a:r>
+            <a:r>
+              <a:rPr lang="en-US" altLang="ko-KR" sz="2400" dirty="0" smtClean="0">
+                <a:latin typeface="나눔스퀘어라운드 Bold" panose="020B0600000101010101" pitchFamily="50" charset="-127"/>
+                <a:ea typeface="나눔스퀘어라운드 Bold" panose="020B0600000101010101" pitchFamily="50" charset="-127"/>
+              </a:rPr>
+              <a:t>)</a:t>
+            </a:r>
+            <a:r>
+              <a:rPr lang="ko-KR" altLang="en-US" sz="2400" dirty="0" smtClean="0">
+                <a:latin typeface="나눔스퀘어라운드 Bold" panose="020B0600000101010101" pitchFamily="50" charset="-127"/>
+                <a:ea typeface="나눔스퀘어라운드 Bold" panose="020B0600000101010101" pitchFamily="50" charset="-127"/>
+              </a:rPr>
+              <a:t>는 숫자들의 </a:t>
+            </a:r>
+            <a:r>
+              <a:rPr lang="en-US" altLang="ko-KR" sz="2400" dirty="0" smtClean="0">
+                <a:latin typeface="나눔스퀘어라운드 Bold" panose="020B0600000101010101" pitchFamily="50" charset="-127"/>
+                <a:ea typeface="나눔스퀘어라운드 Bold" panose="020B0600000101010101" pitchFamily="50" charset="-127"/>
+              </a:rPr>
+              <a:t>list (1D array)</a:t>
+            </a:r>
+          </a:p>
+          <a:p>
+            <a:pPr marL="800100" lvl="1" indent="-342900">
               <a:lnSpc>
                 <a:spcPct val="150000"/>
               </a:lnSpc>
@@ -9285,138 +10263,41 @@
               <a:buChar char="•"/>
             </a:pPr>
             <a:r>
+              <a:rPr lang="en-US" altLang="ko-KR" sz="2400" dirty="0" smtClean="0">
+                <a:latin typeface="나눔스퀘어라운드 Bold" panose="020B0600000101010101" pitchFamily="50" charset="-127"/>
+                <a:ea typeface="나눔스퀘어라운드 Bold" panose="020B0600000101010101" pitchFamily="50" charset="-127"/>
+              </a:rPr>
+              <a:t>Matrix (</a:t>
+            </a:r>
+            <a:r>
               <a:rPr lang="ko-KR" altLang="en-US" sz="2400" dirty="0" smtClean="0">
                 <a:latin typeface="나눔스퀘어라운드 Bold" panose="020B0600000101010101" pitchFamily="50" charset="-127"/>
                 <a:ea typeface="나눔스퀘어라운드 Bold" panose="020B0600000101010101" pitchFamily="50" charset="-127"/>
               </a:rPr>
-              <a:t>내부 </a:t>
-            </a:r>
-            <a:r>
-              <a:rPr lang="ko-KR" altLang="en-US" sz="2400" dirty="0" err="1" smtClean="0">
-                <a:latin typeface="나눔스퀘어라운드 Bold" panose="020B0600000101010101" pitchFamily="50" charset="-127"/>
-                <a:ea typeface="나눔스퀘어라운드 Bold" panose="020B0600000101010101" pitchFamily="50" charset="-127"/>
-              </a:rPr>
-              <a:t>반복문을</a:t>
+              <a:t>행렬</a:t>
+            </a:r>
+            <a:r>
+              <a:rPr lang="en-US" altLang="ko-KR" sz="2400" dirty="0" smtClean="0">
+                <a:latin typeface="나눔스퀘어라운드 Bold" panose="020B0600000101010101" pitchFamily="50" charset="-127"/>
+                <a:ea typeface="나눔스퀘어라운드 Bold" panose="020B0600000101010101" pitchFamily="50" charset="-127"/>
+              </a:rPr>
+              <a:t>)</a:t>
             </a:r>
             <a:r>
               <a:rPr lang="ko-KR" altLang="en-US" sz="2400" dirty="0" smtClean="0">
                 <a:latin typeface="나눔스퀘어라운드 Bold" panose="020B0600000101010101" pitchFamily="50" charset="-127"/>
                 <a:ea typeface="나눔스퀘어라운드 Bold" panose="020B0600000101010101" pitchFamily="50" charset="-127"/>
               </a:rPr>
-              <a:t> 사용해서 속도가 빠르다</a:t>
-            </a:r>
-            <a:endParaRPr lang="en-US" altLang="ko-KR" sz="2400" dirty="0" smtClean="0">
-              <a:latin typeface="나눔스퀘어라운드 Bold" panose="020B0600000101010101" pitchFamily="50" charset="-127"/>
-              <a:ea typeface="나눔스퀘어라운드 Bold" panose="020B0600000101010101" pitchFamily="50" charset="-127"/>
-            </a:endParaRPr>
-          </a:p>
-          <a:p>
-            <a:pPr marL="1257300" lvl="2" indent="-342900">
-              <a:lnSpc>
-                <a:spcPct val="150000"/>
-              </a:lnSpc>
-              <a:buFont typeface="Arial" panose="020B0604020202020204" pitchFamily="34" charset="0"/>
-              <a:buChar char="•"/>
-            </a:pPr>
-            <a:r>
-              <a:rPr lang="ko-KR" altLang="en-US" sz="2400" dirty="0" smtClean="0">
-                <a:latin typeface="나눔스퀘어라운드 Bold" panose="020B0600000101010101" pitchFamily="50" charset="-127"/>
-                <a:ea typeface="나눔스퀘어라운드 Bold" panose="020B0600000101010101" pitchFamily="50" charset="-127"/>
-              </a:rPr>
-              <a:t>배열 간에 산술 연산이 가능하다</a:t>
-            </a:r>
-            <a:endParaRPr lang="en-US" altLang="ko-KR" sz="2400" dirty="0" smtClean="0">
-              <a:latin typeface="나눔스퀘어라운드 Bold" panose="020B0600000101010101" pitchFamily="50" charset="-127"/>
-              <a:ea typeface="나눔스퀘어라운드 Bold" panose="020B0600000101010101" pitchFamily="50" charset="-127"/>
-            </a:endParaRPr>
-          </a:p>
-          <a:p>
-            <a:pPr lvl="1"/>
+              <a:t>은 숫자들의  </a:t>
+            </a:r>
+            <a:r>
+              <a:rPr lang="en-US" altLang="ko-KR" sz="2400" dirty="0" smtClean="0">
+                <a:latin typeface="나눔스퀘어라운드 Bold" panose="020B0600000101010101" pitchFamily="50" charset="-127"/>
+                <a:ea typeface="나눔스퀘어라운드 Bold" panose="020B0600000101010101" pitchFamily="50" charset="-127"/>
+              </a:rPr>
+              <a:t>2D array (rows, columns)</a:t>
+            </a:r>
             <a:endParaRPr lang="en-US" altLang="ko-KR" sz="2400" dirty="0">
-              <a:latin typeface="나눔스퀘어라운드 Bold" panose="020B0600000101010101" pitchFamily="50" charset="-127"/>
-              <a:ea typeface="나눔스퀘어라운드 Bold" panose="020B0600000101010101" pitchFamily="50" charset="-127"/>
-            </a:endParaRPr>
-          </a:p>
-          <a:p>
-            <a:pPr marL="800100" lvl="1" indent="-342900">
-              <a:lnSpc>
-                <a:spcPct val="150000"/>
-              </a:lnSpc>
-              <a:buFont typeface="Wingdings" panose="05000000000000000000" pitchFamily="2" charset="2"/>
-              <a:buChar char="§"/>
-            </a:pPr>
-            <a:r>
-              <a:rPr lang="en-US" altLang="ko-KR" sz="2400" dirty="0" smtClean="0">
-                <a:latin typeface="나눔스퀘어라운드 Bold" panose="020B0600000101010101" pitchFamily="50" charset="-127"/>
-                <a:ea typeface="나눔스퀘어라운드 Bold" panose="020B0600000101010101" pitchFamily="50" charset="-127"/>
-              </a:rPr>
-              <a:t>l</a:t>
-            </a:r>
-            <a:r>
-              <a:rPr lang="en-US" altLang="ko-KR" sz="2400" dirty="0" smtClean="0">
-                <a:latin typeface="나눔스퀘어라운드 Bold" panose="020B0600000101010101" pitchFamily="50" charset="-127"/>
-                <a:ea typeface="나눔스퀘어라운드 Bold" panose="020B0600000101010101" pitchFamily="50" charset="-127"/>
-              </a:rPr>
-              <a:t>ist</a:t>
-            </a:r>
-          </a:p>
-          <a:p>
-            <a:pPr marL="1257300" lvl="2" indent="-342900">
-              <a:lnSpc>
-                <a:spcPct val="150000"/>
-              </a:lnSpc>
-              <a:buFont typeface="Arial" panose="020B0604020202020204" pitchFamily="34" charset="0"/>
-              <a:buChar char="•"/>
-            </a:pPr>
-            <a:r>
-              <a:rPr lang="ko-KR" altLang="en-US" sz="2400" dirty="0" smtClean="0">
-                <a:latin typeface="나눔스퀘어라운드 Bold" panose="020B0600000101010101" pitchFamily="50" charset="-127"/>
-                <a:ea typeface="나눔스퀘어라운드 Bold" panose="020B0600000101010101" pitchFamily="50" charset="-127"/>
-              </a:rPr>
-              <a:t>사용되는 </a:t>
-            </a:r>
-            <a:r>
-              <a:rPr lang="ko-KR" altLang="en-US" sz="2400" dirty="0" err="1" smtClean="0">
-                <a:latin typeface="나눔스퀘어라운드 Bold" panose="020B0600000101010101" pitchFamily="50" charset="-127"/>
-                <a:ea typeface="나눔스퀘어라운드 Bold" panose="020B0600000101010101" pitchFamily="50" charset="-127"/>
-              </a:rPr>
-              <a:t>메모리량이</a:t>
-            </a:r>
-            <a:r>
-              <a:rPr lang="ko-KR" altLang="en-US" sz="2400" dirty="0" smtClean="0">
-                <a:latin typeface="나눔스퀘어라운드 Bold" panose="020B0600000101010101" pitchFamily="50" charset="-127"/>
-                <a:ea typeface="나눔스퀘어라운드 Bold" panose="020B0600000101010101" pitchFamily="50" charset="-127"/>
-              </a:rPr>
-              <a:t> 많다</a:t>
-            </a:r>
-            <a:endParaRPr lang="en-US" altLang="ko-KR" sz="2400" dirty="0" smtClean="0">
-              <a:latin typeface="나눔스퀘어라운드 Bold" panose="020B0600000101010101" pitchFamily="50" charset="-127"/>
-              <a:ea typeface="나눔스퀘어라운드 Bold" panose="020B0600000101010101" pitchFamily="50" charset="-127"/>
-            </a:endParaRPr>
-          </a:p>
-          <a:p>
-            <a:pPr marL="1257300" lvl="2" indent="-342900">
-              <a:lnSpc>
-                <a:spcPct val="150000"/>
-              </a:lnSpc>
-              <a:buFont typeface="Arial" panose="020B0604020202020204" pitchFamily="34" charset="0"/>
-              <a:buChar char="•"/>
-            </a:pPr>
-            <a:r>
-              <a:rPr lang="ko-KR" altLang="en-US" sz="2400" dirty="0" smtClean="0">
-                <a:latin typeface="나눔스퀘어라운드 Bold" panose="020B0600000101010101" pitchFamily="50" charset="-127"/>
-                <a:ea typeface="나눔스퀘어라운드 Bold" panose="020B0600000101010101" pitchFamily="50" charset="-127"/>
-              </a:rPr>
-              <a:t>서로 다른 타입의 </a:t>
-            </a:r>
-            <a:r>
-              <a:rPr lang="ko-KR" altLang="en-US" sz="2400" dirty="0" smtClean="0">
-                <a:latin typeface="나눔스퀘어라운드 Bold" panose="020B0600000101010101" pitchFamily="50" charset="-127"/>
-                <a:ea typeface="나눔스퀘어라운드 Bold" panose="020B0600000101010101" pitchFamily="50" charset="-127"/>
-              </a:rPr>
-              <a:t>데이터를 담을 수 있다</a:t>
-            </a:r>
-            <a:endParaRPr lang="en-US" altLang="ko-KR" sz="2400" dirty="0" smtClean="0">
               <a:latin typeface="나눔스퀘어라운드 Bold" panose="020B0600000101010101" pitchFamily="50" charset="-127"/>
               <a:ea typeface="나눔스퀘어라운드 Bold" panose="020B0600000101010101" pitchFamily="50" charset="-127"/>
             </a:endParaRPr>
@@ -9447,6 +10328,36 @@
           <a:xfrm>
             <a:off x="10537902" y="189570"/>
             <a:ext cx="1411093" cy="821996"/>
+          </a:xfrm>
+          <a:prstGeom prst="rect">
+            <a:avLst/>
+          </a:prstGeom>
+        </p:spPr>
+      </p:pic>
+      <p:pic>
+        <p:nvPicPr>
+          <p:cNvPr id="3" name="그림 2"/>
+          <p:cNvPicPr>
+            <a:picLocks noChangeAspect="1"/>
+          </p:cNvPicPr>
+          <p:nvPr/>
+        </p:nvPicPr>
+        <p:blipFill>
+          <a:blip r:embed="rId4">
+            <a:extLst>
+              <a:ext uri="{28A0092B-C50C-407E-A947-70E740481C1C}">
+                <a14:useLocalDpi xmlns:a14="http://schemas.microsoft.com/office/drawing/2010/main" val="0"/>
+              </a:ext>
+            </a:extLst>
+          </a:blip>
+          <a:stretch>
+            <a:fillRect/>
+          </a:stretch>
+        </p:blipFill>
+        <p:spPr>
+          <a:xfrm>
+            <a:off x="1169133" y="3747575"/>
+            <a:ext cx="6948985" cy="2689461"/>
           </a:xfrm>
           <a:prstGeom prst="rect">
             <a:avLst/>
@@ -9493,9 +10404,588 @@
           <a:chExt cx="0" cy="0"/>
         </a:xfrm>
       </p:grpSpPr>
+      <p:cxnSp>
+        <p:nvCxnSpPr>
+          <p:cNvPr id="15" name="Google Shape;134;p16"/>
+          <p:cNvCxnSpPr/>
+          <p:nvPr/>
+        </p:nvCxnSpPr>
+        <p:spPr>
+          <a:xfrm>
+            <a:off x="431371" y="344696"/>
+            <a:ext cx="9660647" cy="0"/>
+          </a:xfrm>
+          <a:prstGeom prst="straightConnector1">
+            <a:avLst/>
+          </a:prstGeom>
+          <a:noFill/>
+          <a:ln w="12700" cap="flat" cmpd="sng">
+            <a:solidFill>
+              <a:srgbClr val="BFBFBF"/>
+            </a:solidFill>
+            <a:prstDash val="solid"/>
+            <a:round/>
+            <a:headEnd type="none" w="sm" len="sm"/>
+            <a:tailEnd type="none" w="sm" len="sm"/>
+          </a:ln>
+        </p:spPr>
+      </p:cxnSp>
+      <p:sp>
+        <p:nvSpPr>
+          <p:cNvPr id="18" name="Google Shape;136;p16"/>
+          <p:cNvSpPr/>
+          <p:nvPr/>
+        </p:nvSpPr>
+        <p:spPr>
+          <a:xfrm>
+            <a:off x="10086439" y="187755"/>
+            <a:ext cx="60959" cy="360904"/>
+          </a:xfrm>
+          <a:prstGeom prst="rect">
+            <a:avLst/>
+          </a:prstGeom>
+          <a:solidFill>
+            <a:srgbClr val="7F7F7F"/>
+          </a:solidFill>
+          <a:ln>
+            <a:noFill/>
+          </a:ln>
+          <a:effectLst>
+            <a:outerShdw blurRad="50800" dist="38100" dir="2700000" algn="tl" rotWithShape="0">
+              <a:srgbClr val="000000">
+                <a:alpha val="40000"/>
+              </a:srgbClr>
+            </a:outerShdw>
+          </a:effectLst>
+        </p:spPr>
+        <p:txBody>
+          <a:bodyPr spcFirstLastPara="1" wrap="square" lIns="121900" tIns="60933" rIns="121900" bIns="60933" anchor="ctr" anchorCtr="0">
+            <a:noAutofit/>
+          </a:bodyPr>
+          <a:lstStyle/>
+          <a:p>
+            <a:pPr algn="ctr"/>
+            <a:endParaRPr sz="2400">
+              <a:solidFill>
+                <a:schemeClr val="lt1"/>
+              </a:solidFill>
+              <a:latin typeface="Arial"/>
+              <a:ea typeface="Arial"/>
+              <a:cs typeface="Arial"/>
+              <a:sym typeface="Arial"/>
+            </a:endParaRPr>
+          </a:p>
+        </p:txBody>
+      </p:sp>
+      <p:sp>
+        <p:nvSpPr>
+          <p:cNvPr id="135" name="Google Shape;135;p16"/>
+          <p:cNvSpPr/>
+          <p:nvPr/>
+        </p:nvSpPr>
+        <p:spPr>
+          <a:xfrm>
+            <a:off x="-14515" y="149948"/>
+            <a:ext cx="1088572" cy="384043"/>
+          </a:xfrm>
+          <a:prstGeom prst="rect">
+            <a:avLst/>
+          </a:prstGeom>
+          <a:solidFill>
+            <a:srgbClr val="E00868"/>
+          </a:solidFill>
+          <a:ln>
+            <a:noFill/>
+          </a:ln>
+        </p:spPr>
+        <p:txBody>
+          <a:bodyPr spcFirstLastPara="1" wrap="square" lIns="121900" tIns="60933" rIns="121900" bIns="60933" anchor="ctr" anchorCtr="0">
+            <a:noAutofit/>
+          </a:bodyPr>
+          <a:lstStyle/>
+          <a:p>
+            <a:pPr algn="ctr"/>
+            <a:endParaRPr sz="2400">
+              <a:solidFill>
+                <a:schemeClr val="lt1"/>
+              </a:solidFill>
+              <a:latin typeface="Tmon몬소리OTF Black" panose="02000A03000000000000" pitchFamily="50" charset="-127"/>
+              <a:ea typeface="Tmon몬소리OTF Black" panose="02000A03000000000000" pitchFamily="50" charset="-127"/>
+              <a:cs typeface="Arial"/>
+              <a:sym typeface="Arial"/>
+            </a:endParaRPr>
+          </a:p>
+        </p:txBody>
+      </p:sp>
+      <p:cxnSp>
+        <p:nvCxnSpPr>
+          <p:cNvPr id="137" name="Google Shape;137;p16"/>
+          <p:cNvCxnSpPr/>
+          <p:nvPr/>
+        </p:nvCxnSpPr>
+        <p:spPr>
+          <a:xfrm>
+            <a:off x="1126708" y="345453"/>
+            <a:ext cx="1233624" cy="0"/>
+          </a:xfrm>
+          <a:prstGeom prst="straightConnector1">
+            <a:avLst/>
+          </a:prstGeom>
+          <a:noFill/>
+          <a:ln w="12700" cap="flat" cmpd="sng">
+            <a:solidFill>
+              <a:srgbClr val="E00868"/>
+            </a:solidFill>
+            <a:prstDash val="solid"/>
+            <a:round/>
+            <a:headEnd type="none" w="sm" len="sm"/>
+            <a:tailEnd type="none" w="sm" len="sm"/>
+          </a:ln>
+        </p:spPr>
+      </p:cxnSp>
+      <p:sp>
+        <p:nvSpPr>
+          <p:cNvPr id="138" name="Google Shape;138;p16"/>
+          <p:cNvSpPr/>
+          <p:nvPr/>
+        </p:nvSpPr>
+        <p:spPr>
+          <a:xfrm rot="5400000">
+            <a:off x="928275" y="295722"/>
+            <a:ext cx="386628" cy="95087"/>
+          </a:xfrm>
+          <a:prstGeom prst="triangle">
+            <a:avLst>
+              <a:gd name="adj" fmla="val 50000"/>
+            </a:avLst>
+          </a:prstGeom>
+          <a:solidFill>
+            <a:srgbClr val="E00868"/>
+          </a:solidFill>
+          <a:ln>
+            <a:noFill/>
+          </a:ln>
+        </p:spPr>
+        <p:txBody>
+          <a:bodyPr spcFirstLastPara="1" wrap="square" lIns="121900" tIns="60933" rIns="121900" bIns="60933" anchor="ctr" anchorCtr="0">
+            <a:noAutofit/>
+          </a:bodyPr>
+          <a:lstStyle/>
+          <a:p>
+            <a:pPr algn="ctr"/>
+            <a:endParaRPr sz="2400">
+              <a:solidFill>
+                <a:schemeClr val="lt1"/>
+              </a:solidFill>
+              <a:latin typeface="Tmon몬소리OTF Black" panose="02000A03000000000000" pitchFamily="50" charset="-127"/>
+              <a:ea typeface="Tmon몬소리OTF Black" panose="02000A03000000000000" pitchFamily="50" charset="-127"/>
+              <a:cs typeface="Arial"/>
+              <a:sym typeface="Arial"/>
+            </a:endParaRPr>
+          </a:p>
+        </p:txBody>
+      </p:sp>
+      <p:sp>
+        <p:nvSpPr>
+          <p:cNvPr id="139" name="Google Shape;139;p16"/>
+          <p:cNvSpPr txBox="1"/>
+          <p:nvPr/>
+        </p:nvSpPr>
+        <p:spPr>
+          <a:xfrm>
+            <a:off x="1047715" y="380980"/>
+            <a:ext cx="1931968" cy="529495"/>
+          </a:xfrm>
+          <a:prstGeom prst="rect">
+            <a:avLst/>
+          </a:prstGeom>
+          <a:noFill/>
+          <a:ln>
+            <a:noFill/>
+          </a:ln>
+        </p:spPr>
+        <p:txBody>
+          <a:bodyPr spcFirstLastPara="1" wrap="square" lIns="121900" tIns="60933" rIns="121900" bIns="60933" anchor="t" anchorCtr="0">
+            <a:noAutofit/>
+          </a:bodyPr>
+          <a:lstStyle/>
+          <a:p>
+            <a:r>
+              <a:rPr lang="en-US" altLang="ko-KR" sz="2800" b="1" dirty="0" err="1">
+                <a:solidFill>
+                  <a:schemeClr val="dk1"/>
+                </a:solidFill>
+                <a:latin typeface="Tmon몬소리OTF Black" panose="02000A03000000000000" pitchFamily="50" charset="-127"/>
+                <a:ea typeface="Tmon몬소리OTF Black" panose="02000A03000000000000" pitchFamily="50" charset="-127"/>
+                <a:cs typeface="Arial"/>
+                <a:sym typeface="Arial"/>
+              </a:rPr>
+              <a:t>Numpy</a:t>
+            </a:r>
+            <a:r>
+              <a:rPr lang="en-US" altLang="ko-KR" sz="2800" b="1" dirty="0">
+                <a:solidFill>
+                  <a:schemeClr val="dk1"/>
+                </a:solidFill>
+                <a:latin typeface="Tmon몬소리OTF Black" panose="02000A03000000000000" pitchFamily="50" charset="-127"/>
+                <a:ea typeface="Tmon몬소리OTF Black" panose="02000A03000000000000" pitchFamily="50" charset="-127"/>
+                <a:cs typeface="Arial"/>
+                <a:sym typeface="Arial"/>
+              </a:rPr>
+              <a:t> </a:t>
+            </a:r>
+            <a:endParaRPr lang="ko-KR" altLang="en-US" sz="2800" b="1" dirty="0">
+              <a:solidFill>
+                <a:schemeClr val="dk1"/>
+              </a:solidFill>
+              <a:latin typeface="Tmon몬소리OTF Black" panose="02000A03000000000000" pitchFamily="50" charset="-127"/>
+              <a:ea typeface="Tmon몬소리OTF Black" panose="02000A03000000000000" pitchFamily="50" charset="-127"/>
+              <a:cs typeface="Arial"/>
+              <a:sym typeface="Arial"/>
+            </a:endParaRPr>
+          </a:p>
+          <a:p>
+            <a:r>
+              <a:rPr lang="en-US" altLang="ko-KR" sz="2800" b="1" dirty="0" smtClean="0">
+                <a:solidFill>
+                  <a:schemeClr val="dk1"/>
+                </a:solidFill>
+                <a:latin typeface="Tmon몬소리OTF Black" panose="02000A03000000000000" pitchFamily="50" charset="-127"/>
+                <a:ea typeface="Tmon몬소리OTF Black" panose="02000A03000000000000" pitchFamily="50" charset="-127"/>
+                <a:cs typeface="Arial"/>
+                <a:sym typeface="Arial"/>
+              </a:rPr>
+              <a:t>   </a:t>
+            </a:r>
+            <a:endParaRPr lang="ko-KR" altLang="en-US" sz="2800" b="1" dirty="0">
+              <a:solidFill>
+                <a:schemeClr val="dk1"/>
+              </a:solidFill>
+              <a:latin typeface="Tmon몬소리OTF Black" panose="02000A03000000000000" pitchFamily="50" charset="-127"/>
+              <a:ea typeface="Tmon몬소리OTF Black" panose="02000A03000000000000" pitchFamily="50" charset="-127"/>
+              <a:cs typeface="Arial"/>
+              <a:sym typeface="Arial"/>
+            </a:endParaRPr>
+          </a:p>
+        </p:txBody>
+      </p:sp>
+      <p:sp>
+        <p:nvSpPr>
+          <p:cNvPr id="143" name="Google Shape;143;p16"/>
+          <p:cNvSpPr/>
+          <p:nvPr/>
+        </p:nvSpPr>
+        <p:spPr>
+          <a:xfrm>
+            <a:off x="203690" y="95227"/>
+            <a:ext cx="791373" cy="492443"/>
+          </a:xfrm>
+          <a:prstGeom prst="rect">
+            <a:avLst/>
+          </a:prstGeom>
+          <a:noFill/>
+          <a:ln>
+            <a:noFill/>
+          </a:ln>
+        </p:spPr>
+        <p:txBody>
+          <a:bodyPr spcFirstLastPara="1" wrap="square" lIns="121900" tIns="60933" rIns="121900" bIns="60933" anchor="t" anchorCtr="0">
+            <a:noAutofit/>
+          </a:bodyPr>
+          <a:lstStyle/>
+          <a:p>
+            <a:r>
+              <a:rPr lang="en-US" sz="2400" b="1" dirty="0">
+                <a:solidFill>
+                  <a:schemeClr val="lt1"/>
+                </a:solidFill>
+                <a:latin typeface="Tmon몬소리OTF Black" panose="02000A03000000000000" pitchFamily="50" charset="-127"/>
+                <a:ea typeface="Tmon몬소리OTF Black" panose="02000A03000000000000" pitchFamily="50" charset="-127"/>
+                <a:cs typeface="Arial"/>
+                <a:sym typeface="Arial"/>
+              </a:rPr>
+              <a:t>01</a:t>
+            </a:r>
+            <a:endParaRPr sz="2400" b="1" dirty="0">
+              <a:solidFill>
+                <a:schemeClr val="lt1"/>
+              </a:solidFill>
+              <a:latin typeface="Tmon몬소리OTF Black" panose="02000A03000000000000" pitchFamily="50" charset="-127"/>
+              <a:ea typeface="Tmon몬소리OTF Black" panose="02000A03000000000000" pitchFamily="50" charset="-127"/>
+              <a:cs typeface="Arial"/>
+              <a:sym typeface="Arial"/>
+            </a:endParaRPr>
+          </a:p>
+        </p:txBody>
+      </p:sp>
+      <p:sp>
+        <p:nvSpPr>
+          <p:cNvPr id="2" name="TextBox 1"/>
+          <p:cNvSpPr txBox="1"/>
+          <p:nvPr/>
+        </p:nvSpPr>
+        <p:spPr>
+          <a:xfrm>
+            <a:off x="599376" y="1122666"/>
+            <a:ext cx="7577215" cy="5262979"/>
+          </a:xfrm>
+          <a:prstGeom prst="rect">
+            <a:avLst/>
+          </a:prstGeom>
+          <a:noFill/>
+        </p:spPr>
+        <p:txBody>
+          <a:bodyPr wrap="square" rtlCol="0">
+            <a:spAutoFit/>
+          </a:bodyPr>
+          <a:lstStyle/>
+          <a:p>
+            <a:r>
+              <a:rPr lang="en-US" altLang="ko-KR" sz="2400" dirty="0">
+                <a:latin typeface="나눔스퀘어라운드 Bold" panose="020B0600000101010101" pitchFamily="50" charset="-127"/>
+                <a:ea typeface="나눔스퀘어라운드 Bold" panose="020B0600000101010101" pitchFamily="50" charset="-127"/>
+              </a:rPr>
+              <a:t>4</a:t>
+            </a:r>
+            <a:r>
+              <a:rPr lang="en-US" altLang="ko-KR" sz="2400" dirty="0" smtClean="0">
+                <a:latin typeface="나눔스퀘어라운드 Bold" panose="020B0600000101010101" pitchFamily="50" charset="-127"/>
+                <a:ea typeface="나눔스퀘어라운드 Bold" panose="020B0600000101010101" pitchFamily="50" charset="-127"/>
+              </a:rPr>
+              <a:t>. </a:t>
+            </a:r>
+            <a:r>
+              <a:rPr lang="en-US" altLang="ko-KR" sz="2400" dirty="0" err="1" smtClean="0">
+                <a:latin typeface="나눔스퀘어라운드 Bold" panose="020B0600000101010101" pitchFamily="50" charset="-127"/>
+                <a:ea typeface="나눔스퀘어라운드 Bold" panose="020B0600000101010101" pitchFamily="50" charset="-127"/>
+              </a:rPr>
+              <a:t>ndarray</a:t>
+            </a:r>
+            <a:r>
+              <a:rPr lang="en-US" altLang="ko-KR" sz="2400" dirty="0" smtClean="0">
+                <a:latin typeface="나눔스퀘어라운드 Bold" panose="020B0600000101010101" pitchFamily="50" charset="-127"/>
+                <a:ea typeface="나눔스퀘어라운드 Bold" panose="020B0600000101010101" pitchFamily="50" charset="-127"/>
+              </a:rPr>
+              <a:t>  </a:t>
+            </a:r>
+            <a:r>
+              <a:rPr lang="en-US" altLang="ko-KR" dirty="0" smtClean="0">
+                <a:latin typeface="나눔스퀘어라운드 Bold" panose="020B0600000101010101" pitchFamily="50" charset="-127"/>
+                <a:ea typeface="나눔스퀘어라운드 Bold" panose="020B0600000101010101" pitchFamily="50" charset="-127"/>
+              </a:rPr>
+              <a:t>vs</a:t>
+            </a:r>
+            <a:r>
+              <a:rPr lang="en-US" altLang="ko-KR" sz="2400" dirty="0" smtClean="0">
+                <a:latin typeface="나눔스퀘어라운드 Bold" panose="020B0600000101010101" pitchFamily="50" charset="-127"/>
+                <a:ea typeface="나눔스퀘어라운드 Bold" panose="020B0600000101010101" pitchFamily="50" charset="-127"/>
+              </a:rPr>
+              <a:t>  list</a:t>
+            </a:r>
+          </a:p>
+          <a:p>
+            <a:pPr marL="800100" lvl="1" indent="-342900">
+              <a:lnSpc>
+                <a:spcPct val="150000"/>
+              </a:lnSpc>
+              <a:buFont typeface="Wingdings" panose="05000000000000000000" pitchFamily="2" charset="2"/>
+              <a:buChar char="§"/>
+            </a:pPr>
+            <a:r>
+              <a:rPr lang="en-US" altLang="ko-KR" sz="2400" dirty="0" err="1" smtClean="0">
+                <a:latin typeface="나눔스퀘어라운드 Bold" panose="020B0600000101010101" pitchFamily="50" charset="-127"/>
+                <a:ea typeface="나눔스퀘어라운드 Bold" panose="020B0600000101010101" pitchFamily="50" charset="-127"/>
+              </a:rPr>
+              <a:t>ndarray</a:t>
+            </a:r>
+            <a:endParaRPr lang="en-US" altLang="ko-KR" sz="2400" dirty="0" smtClean="0">
+              <a:latin typeface="나눔스퀘어라운드 Bold" panose="020B0600000101010101" pitchFamily="50" charset="-127"/>
+              <a:ea typeface="나눔스퀘어라운드 Bold" panose="020B0600000101010101" pitchFamily="50" charset="-127"/>
+            </a:endParaRPr>
+          </a:p>
+          <a:p>
+            <a:pPr marL="1257300" lvl="2" indent="-342900">
+              <a:lnSpc>
+                <a:spcPct val="150000"/>
+              </a:lnSpc>
+              <a:buFont typeface="Arial" panose="020B0604020202020204" pitchFamily="34" charset="0"/>
+              <a:buChar char="•"/>
+            </a:pPr>
+            <a:r>
+              <a:rPr lang="ko-KR" altLang="en-US" sz="2400" dirty="0" err="1" smtClean="0">
+                <a:latin typeface="나눔스퀘어라운드 Bold" panose="020B0600000101010101" pitchFamily="50" charset="-127"/>
+                <a:ea typeface="나눔스퀘어라운드 Bold" panose="020B0600000101010101" pitchFamily="50" charset="-127"/>
+              </a:rPr>
+              <a:t>메모리량이</a:t>
+            </a:r>
+            <a:r>
+              <a:rPr lang="ko-KR" altLang="en-US" sz="2400" dirty="0" smtClean="0">
+                <a:latin typeface="나눔스퀘어라운드 Bold" panose="020B0600000101010101" pitchFamily="50" charset="-127"/>
+                <a:ea typeface="나눔스퀘어라운드 Bold" panose="020B0600000101010101" pitchFamily="50" charset="-127"/>
+              </a:rPr>
+              <a:t> 상대적으로 작다</a:t>
+            </a:r>
+            <a:endParaRPr lang="en-US" altLang="ko-KR" sz="2400" dirty="0" smtClean="0">
+              <a:latin typeface="나눔스퀘어라운드 Bold" panose="020B0600000101010101" pitchFamily="50" charset="-127"/>
+              <a:ea typeface="나눔스퀘어라운드 Bold" panose="020B0600000101010101" pitchFamily="50" charset="-127"/>
+            </a:endParaRPr>
+          </a:p>
+          <a:p>
+            <a:pPr marL="1257300" lvl="2" indent="-342900">
+              <a:lnSpc>
+                <a:spcPct val="150000"/>
+              </a:lnSpc>
+              <a:buFont typeface="Arial" panose="020B0604020202020204" pitchFamily="34" charset="0"/>
+              <a:buChar char="•"/>
+            </a:pPr>
+            <a:r>
+              <a:rPr lang="ko-KR" altLang="en-US" sz="2400" dirty="0" smtClean="0">
+                <a:latin typeface="나눔스퀘어라운드 Bold" panose="020B0600000101010101" pitchFamily="50" charset="-127"/>
+                <a:ea typeface="나눔스퀘어라운드 Bold" panose="020B0600000101010101" pitchFamily="50" charset="-127"/>
+              </a:rPr>
+              <a:t>서로 다른 타입의 데이터를 담을 수 없다</a:t>
+            </a:r>
+            <a:endParaRPr lang="en-US" altLang="ko-KR" sz="2400" dirty="0" smtClean="0">
+              <a:latin typeface="나눔스퀘어라운드 Bold" panose="020B0600000101010101" pitchFamily="50" charset="-127"/>
+              <a:ea typeface="나눔스퀘어라운드 Bold" panose="020B0600000101010101" pitchFamily="50" charset="-127"/>
+            </a:endParaRPr>
+          </a:p>
+          <a:p>
+            <a:pPr marL="1257300" lvl="2" indent="-342900">
+              <a:lnSpc>
+                <a:spcPct val="150000"/>
+              </a:lnSpc>
+              <a:buFont typeface="Arial" panose="020B0604020202020204" pitchFamily="34" charset="0"/>
+              <a:buChar char="•"/>
+            </a:pPr>
+            <a:r>
+              <a:rPr lang="ko-KR" altLang="en-US" sz="2400" dirty="0" smtClean="0">
+                <a:latin typeface="나눔스퀘어라운드 Bold" panose="020B0600000101010101" pitchFamily="50" charset="-127"/>
+                <a:ea typeface="나눔스퀘어라운드 Bold" panose="020B0600000101010101" pitchFamily="50" charset="-127"/>
+              </a:rPr>
+              <a:t>내부 </a:t>
+            </a:r>
+            <a:r>
+              <a:rPr lang="ko-KR" altLang="en-US" sz="2400" dirty="0" err="1" smtClean="0">
+                <a:latin typeface="나눔스퀘어라운드 Bold" panose="020B0600000101010101" pitchFamily="50" charset="-127"/>
+                <a:ea typeface="나눔스퀘어라운드 Bold" panose="020B0600000101010101" pitchFamily="50" charset="-127"/>
+              </a:rPr>
+              <a:t>반복문을</a:t>
+            </a:r>
+            <a:r>
+              <a:rPr lang="ko-KR" altLang="en-US" sz="2400" dirty="0" smtClean="0">
+                <a:latin typeface="나눔스퀘어라운드 Bold" panose="020B0600000101010101" pitchFamily="50" charset="-127"/>
+                <a:ea typeface="나눔스퀘어라운드 Bold" panose="020B0600000101010101" pitchFamily="50" charset="-127"/>
+              </a:rPr>
+              <a:t> 사용해서 속도가 빠르다</a:t>
+            </a:r>
+            <a:endParaRPr lang="en-US" altLang="ko-KR" sz="2400" dirty="0" smtClean="0">
+              <a:latin typeface="나눔스퀘어라운드 Bold" panose="020B0600000101010101" pitchFamily="50" charset="-127"/>
+              <a:ea typeface="나눔스퀘어라운드 Bold" panose="020B0600000101010101" pitchFamily="50" charset="-127"/>
+            </a:endParaRPr>
+          </a:p>
+          <a:p>
+            <a:pPr marL="1257300" lvl="2" indent="-342900">
+              <a:lnSpc>
+                <a:spcPct val="150000"/>
+              </a:lnSpc>
+              <a:buFont typeface="Arial" panose="020B0604020202020204" pitchFamily="34" charset="0"/>
+              <a:buChar char="•"/>
+            </a:pPr>
+            <a:r>
+              <a:rPr lang="ko-KR" altLang="en-US" sz="2400" dirty="0" smtClean="0">
+                <a:latin typeface="나눔스퀘어라운드 Bold" panose="020B0600000101010101" pitchFamily="50" charset="-127"/>
+                <a:ea typeface="나눔스퀘어라운드 Bold" panose="020B0600000101010101" pitchFamily="50" charset="-127"/>
+              </a:rPr>
+              <a:t>배열 간에 산술 연산이 가능하다</a:t>
+            </a:r>
+            <a:endParaRPr lang="en-US" altLang="ko-KR" sz="2400" dirty="0" smtClean="0">
+              <a:latin typeface="나눔스퀘어라운드 Bold" panose="020B0600000101010101" pitchFamily="50" charset="-127"/>
+              <a:ea typeface="나눔스퀘어라운드 Bold" panose="020B0600000101010101" pitchFamily="50" charset="-127"/>
+            </a:endParaRPr>
+          </a:p>
+          <a:p>
+            <a:pPr lvl="1"/>
+            <a:endParaRPr lang="en-US" altLang="ko-KR" sz="2400" dirty="0">
+              <a:latin typeface="나눔스퀘어라운드 Bold" panose="020B0600000101010101" pitchFamily="50" charset="-127"/>
+              <a:ea typeface="나눔스퀘어라운드 Bold" panose="020B0600000101010101" pitchFamily="50" charset="-127"/>
+            </a:endParaRPr>
+          </a:p>
+          <a:p>
+            <a:pPr marL="800100" lvl="1" indent="-342900">
+              <a:lnSpc>
+                <a:spcPct val="150000"/>
+              </a:lnSpc>
+              <a:buFont typeface="Wingdings" panose="05000000000000000000" pitchFamily="2" charset="2"/>
+              <a:buChar char="§"/>
+            </a:pPr>
+            <a:r>
+              <a:rPr lang="en-US" altLang="ko-KR" sz="2400" dirty="0" smtClean="0">
+                <a:latin typeface="나눔스퀘어라운드 Bold" panose="020B0600000101010101" pitchFamily="50" charset="-127"/>
+                <a:ea typeface="나눔스퀘어라운드 Bold" panose="020B0600000101010101" pitchFamily="50" charset="-127"/>
+              </a:rPr>
+              <a:t>list</a:t>
+            </a:r>
+          </a:p>
+          <a:p>
+            <a:pPr marL="1257300" lvl="2" indent="-342900">
+              <a:lnSpc>
+                <a:spcPct val="150000"/>
+              </a:lnSpc>
+              <a:buFont typeface="Arial" panose="020B0604020202020204" pitchFamily="34" charset="0"/>
+              <a:buChar char="•"/>
+            </a:pPr>
+            <a:r>
+              <a:rPr lang="ko-KR" altLang="en-US" sz="2400" dirty="0" smtClean="0">
+                <a:latin typeface="나눔스퀘어라운드 Bold" panose="020B0600000101010101" pitchFamily="50" charset="-127"/>
+                <a:ea typeface="나눔스퀘어라운드 Bold" panose="020B0600000101010101" pitchFamily="50" charset="-127"/>
+              </a:rPr>
+              <a:t>사용되는 </a:t>
+            </a:r>
+            <a:r>
+              <a:rPr lang="ko-KR" altLang="en-US" sz="2400" dirty="0" err="1" smtClean="0">
+                <a:latin typeface="나눔스퀘어라운드 Bold" panose="020B0600000101010101" pitchFamily="50" charset="-127"/>
+                <a:ea typeface="나눔스퀘어라운드 Bold" panose="020B0600000101010101" pitchFamily="50" charset="-127"/>
+              </a:rPr>
+              <a:t>메모리량이</a:t>
+            </a:r>
+            <a:r>
+              <a:rPr lang="ko-KR" altLang="en-US" sz="2400" dirty="0" smtClean="0">
+                <a:latin typeface="나눔스퀘어라운드 Bold" panose="020B0600000101010101" pitchFamily="50" charset="-127"/>
+                <a:ea typeface="나눔스퀘어라운드 Bold" panose="020B0600000101010101" pitchFamily="50" charset="-127"/>
+              </a:rPr>
+              <a:t> 많다</a:t>
+            </a:r>
+            <a:endParaRPr lang="en-US" altLang="ko-KR" sz="2400" dirty="0" smtClean="0">
+              <a:latin typeface="나눔스퀘어라운드 Bold" panose="020B0600000101010101" pitchFamily="50" charset="-127"/>
+              <a:ea typeface="나눔스퀘어라운드 Bold" panose="020B0600000101010101" pitchFamily="50" charset="-127"/>
+            </a:endParaRPr>
+          </a:p>
+          <a:p>
+            <a:pPr marL="1257300" lvl="2" indent="-342900">
+              <a:lnSpc>
+                <a:spcPct val="150000"/>
+              </a:lnSpc>
+              <a:buFont typeface="Arial" panose="020B0604020202020204" pitchFamily="34" charset="0"/>
+              <a:buChar char="•"/>
+            </a:pPr>
+            <a:r>
+              <a:rPr lang="ko-KR" altLang="en-US" sz="2400" dirty="0" smtClean="0">
+                <a:latin typeface="나눔스퀘어라운드 Bold" panose="020B0600000101010101" pitchFamily="50" charset="-127"/>
+                <a:ea typeface="나눔스퀘어라운드 Bold" panose="020B0600000101010101" pitchFamily="50" charset="-127"/>
+              </a:rPr>
+              <a:t>서로 다른 타입의 데이터를 담을 수 있다</a:t>
+            </a:r>
+            <a:endParaRPr lang="en-US" altLang="ko-KR" sz="2400" dirty="0" smtClean="0">
+              <a:latin typeface="나눔스퀘어라운드 Bold" panose="020B0600000101010101" pitchFamily="50" charset="-127"/>
+              <a:ea typeface="나눔스퀘어라운드 Bold" panose="020B0600000101010101" pitchFamily="50" charset="-127"/>
+            </a:endParaRPr>
+          </a:p>
+        </p:txBody>
+      </p:sp>
       <p:pic>
         <p:nvPicPr>
-          <p:cNvPr id="3" name="그림 2"/>
+          <p:cNvPr id="20" name="그림 19"/>
           <p:cNvPicPr>
             <a:picLocks noChangeAspect="1"/>
           </p:cNvPicPr>
@@ -9515,654 +11005,18 @@
         </p:blipFill>
         <p:spPr>
           <a:xfrm>
-            <a:off x="6163120" y="2710069"/>
-            <a:ext cx="5673382" cy="3171578"/>
+            <a:off x="10537902" y="189570"/>
+            <a:ext cx="1411093" cy="821996"/>
           </a:xfrm>
           <a:prstGeom prst="rect">
             <a:avLst/>
           </a:prstGeom>
         </p:spPr>
       </p:pic>
-      <p:cxnSp>
-        <p:nvCxnSpPr>
-          <p:cNvPr id="15" name="Google Shape;134;p16"/>
-          <p:cNvCxnSpPr/>
-          <p:nvPr/>
-        </p:nvCxnSpPr>
-        <p:spPr>
-          <a:xfrm>
-            <a:off x="431371" y="344696"/>
-            <a:ext cx="9660647" cy="0"/>
-          </a:xfrm>
-          <a:prstGeom prst="straightConnector1">
-            <a:avLst/>
-          </a:prstGeom>
-          <a:noFill/>
-          <a:ln w="12700" cap="flat" cmpd="sng">
-            <a:solidFill>
-              <a:srgbClr val="BFBFBF"/>
-            </a:solidFill>
-            <a:prstDash val="solid"/>
-            <a:round/>
-            <a:headEnd type="none" w="sm" len="sm"/>
-            <a:tailEnd type="none" w="sm" len="sm"/>
-          </a:ln>
-        </p:spPr>
-      </p:cxnSp>
-      <p:sp>
-        <p:nvSpPr>
-          <p:cNvPr id="18" name="Google Shape;136;p16"/>
-          <p:cNvSpPr/>
-          <p:nvPr/>
-        </p:nvSpPr>
-        <p:spPr>
-          <a:xfrm>
-            <a:off x="10086439" y="187755"/>
-            <a:ext cx="60959" cy="360904"/>
-          </a:xfrm>
-          <a:prstGeom prst="rect">
-            <a:avLst/>
-          </a:prstGeom>
-          <a:solidFill>
-            <a:srgbClr val="7F7F7F"/>
-          </a:solidFill>
-          <a:ln>
-            <a:noFill/>
-          </a:ln>
-          <a:effectLst>
-            <a:outerShdw blurRad="50800" dist="38100" dir="2700000" algn="tl" rotWithShape="0">
-              <a:srgbClr val="000000">
-                <a:alpha val="40000"/>
-              </a:srgbClr>
-            </a:outerShdw>
-          </a:effectLst>
-        </p:spPr>
-        <p:txBody>
-          <a:bodyPr spcFirstLastPara="1" wrap="square" lIns="121900" tIns="60933" rIns="121900" bIns="60933" anchor="ctr" anchorCtr="0">
-            <a:noAutofit/>
-          </a:bodyPr>
-          <a:lstStyle/>
-          <a:p>
-            <a:pPr algn="ctr"/>
-            <a:endParaRPr sz="2400">
-              <a:solidFill>
-                <a:schemeClr val="lt1"/>
-              </a:solidFill>
-              <a:latin typeface="Arial"/>
-              <a:ea typeface="Arial"/>
-              <a:cs typeface="Arial"/>
-              <a:sym typeface="Arial"/>
-            </a:endParaRPr>
-          </a:p>
-        </p:txBody>
-      </p:sp>
-      <p:sp>
-        <p:nvSpPr>
-          <p:cNvPr id="135" name="Google Shape;135;p16"/>
-          <p:cNvSpPr/>
-          <p:nvPr/>
-        </p:nvSpPr>
-        <p:spPr>
-          <a:xfrm>
-            <a:off x="-14515" y="149948"/>
-            <a:ext cx="1088572" cy="384043"/>
-          </a:xfrm>
-          <a:prstGeom prst="rect">
-            <a:avLst/>
-          </a:prstGeom>
-          <a:solidFill>
-            <a:srgbClr val="E00868"/>
-          </a:solidFill>
-          <a:ln>
-            <a:noFill/>
-          </a:ln>
-        </p:spPr>
-        <p:txBody>
-          <a:bodyPr spcFirstLastPara="1" wrap="square" lIns="121900" tIns="60933" rIns="121900" bIns="60933" anchor="ctr" anchorCtr="0">
-            <a:noAutofit/>
-          </a:bodyPr>
-          <a:lstStyle/>
-          <a:p>
-            <a:pPr algn="ctr"/>
-            <a:endParaRPr sz="2400">
-              <a:solidFill>
-                <a:schemeClr val="lt1"/>
-              </a:solidFill>
-              <a:latin typeface="Tmon몬소리OTF Black" panose="02000A03000000000000" pitchFamily="50" charset="-127"/>
-              <a:ea typeface="Tmon몬소리OTF Black" panose="02000A03000000000000" pitchFamily="50" charset="-127"/>
-              <a:cs typeface="Arial"/>
-              <a:sym typeface="Arial"/>
-            </a:endParaRPr>
-          </a:p>
-        </p:txBody>
-      </p:sp>
-      <p:cxnSp>
-        <p:nvCxnSpPr>
-          <p:cNvPr id="137" name="Google Shape;137;p16"/>
-          <p:cNvCxnSpPr/>
-          <p:nvPr/>
-        </p:nvCxnSpPr>
-        <p:spPr>
-          <a:xfrm>
-            <a:off x="1126708" y="345453"/>
-            <a:ext cx="1233624" cy="0"/>
-          </a:xfrm>
-          <a:prstGeom prst="straightConnector1">
-            <a:avLst/>
-          </a:prstGeom>
-          <a:noFill/>
-          <a:ln w="12700" cap="flat" cmpd="sng">
-            <a:solidFill>
-              <a:srgbClr val="E00868"/>
-            </a:solidFill>
-            <a:prstDash val="solid"/>
-            <a:round/>
-            <a:headEnd type="none" w="sm" len="sm"/>
-            <a:tailEnd type="none" w="sm" len="sm"/>
-          </a:ln>
-        </p:spPr>
-      </p:cxnSp>
-      <p:sp>
-        <p:nvSpPr>
-          <p:cNvPr id="138" name="Google Shape;138;p16"/>
-          <p:cNvSpPr/>
-          <p:nvPr/>
-        </p:nvSpPr>
-        <p:spPr>
-          <a:xfrm rot="5400000">
-            <a:off x="928275" y="295722"/>
-            <a:ext cx="386628" cy="95087"/>
-          </a:xfrm>
-          <a:prstGeom prst="triangle">
-            <a:avLst>
-              <a:gd name="adj" fmla="val 50000"/>
-            </a:avLst>
-          </a:prstGeom>
-          <a:solidFill>
-            <a:srgbClr val="E00868"/>
-          </a:solidFill>
-          <a:ln>
-            <a:noFill/>
-          </a:ln>
-        </p:spPr>
-        <p:txBody>
-          <a:bodyPr spcFirstLastPara="1" wrap="square" lIns="121900" tIns="60933" rIns="121900" bIns="60933" anchor="ctr" anchorCtr="0">
-            <a:noAutofit/>
-          </a:bodyPr>
-          <a:lstStyle/>
-          <a:p>
-            <a:pPr algn="ctr"/>
-            <a:endParaRPr sz="2400">
-              <a:solidFill>
-                <a:schemeClr val="lt1"/>
-              </a:solidFill>
-              <a:latin typeface="Tmon몬소리OTF Black" panose="02000A03000000000000" pitchFamily="50" charset="-127"/>
-              <a:ea typeface="Tmon몬소리OTF Black" panose="02000A03000000000000" pitchFamily="50" charset="-127"/>
-              <a:cs typeface="Arial"/>
-              <a:sym typeface="Arial"/>
-            </a:endParaRPr>
-          </a:p>
-        </p:txBody>
-      </p:sp>
-      <p:sp>
-        <p:nvSpPr>
-          <p:cNvPr id="139" name="Google Shape;139;p16"/>
-          <p:cNvSpPr txBox="1"/>
-          <p:nvPr/>
-        </p:nvSpPr>
-        <p:spPr>
-          <a:xfrm>
-            <a:off x="1047715" y="380980"/>
-            <a:ext cx="1931968" cy="529495"/>
-          </a:xfrm>
-          <a:prstGeom prst="rect">
-            <a:avLst/>
-          </a:prstGeom>
-          <a:noFill/>
-          <a:ln>
-            <a:noFill/>
-          </a:ln>
-        </p:spPr>
-        <p:txBody>
-          <a:bodyPr spcFirstLastPara="1" wrap="square" lIns="121900" tIns="60933" rIns="121900" bIns="60933" anchor="t" anchorCtr="0">
-            <a:noAutofit/>
-          </a:bodyPr>
-          <a:lstStyle/>
-          <a:p>
-            <a:r>
-              <a:rPr lang="en-US" altLang="ko-KR" sz="2800" b="1" dirty="0" err="1">
-                <a:solidFill>
-                  <a:schemeClr val="dk1"/>
-                </a:solidFill>
-                <a:latin typeface="Tmon몬소리OTF Black" panose="02000A03000000000000" pitchFamily="50" charset="-127"/>
-                <a:ea typeface="Tmon몬소리OTF Black" panose="02000A03000000000000" pitchFamily="50" charset="-127"/>
-                <a:cs typeface="Arial"/>
-                <a:sym typeface="Arial"/>
-              </a:rPr>
-              <a:t>Numpy</a:t>
-            </a:r>
-            <a:r>
-              <a:rPr lang="en-US" altLang="ko-KR" sz="2800" b="1" dirty="0">
-                <a:solidFill>
-                  <a:schemeClr val="dk1"/>
-                </a:solidFill>
-                <a:latin typeface="Tmon몬소리OTF Black" panose="02000A03000000000000" pitchFamily="50" charset="-127"/>
-                <a:ea typeface="Tmon몬소리OTF Black" panose="02000A03000000000000" pitchFamily="50" charset="-127"/>
-                <a:cs typeface="Arial"/>
-                <a:sym typeface="Arial"/>
-              </a:rPr>
-              <a:t> </a:t>
-            </a:r>
-            <a:endParaRPr lang="ko-KR" altLang="en-US" sz="2800" b="1" dirty="0">
-              <a:solidFill>
-                <a:schemeClr val="dk1"/>
-              </a:solidFill>
-              <a:latin typeface="Tmon몬소리OTF Black" panose="02000A03000000000000" pitchFamily="50" charset="-127"/>
-              <a:ea typeface="Tmon몬소리OTF Black" panose="02000A03000000000000" pitchFamily="50" charset="-127"/>
-              <a:cs typeface="Arial"/>
-              <a:sym typeface="Arial"/>
-            </a:endParaRPr>
-          </a:p>
-          <a:p>
-            <a:r>
-              <a:rPr lang="en-US" altLang="ko-KR" sz="2800" b="1" dirty="0" smtClean="0">
-                <a:solidFill>
-                  <a:schemeClr val="dk1"/>
-                </a:solidFill>
-                <a:latin typeface="Tmon몬소리OTF Black" panose="02000A03000000000000" pitchFamily="50" charset="-127"/>
-                <a:ea typeface="Tmon몬소리OTF Black" panose="02000A03000000000000" pitchFamily="50" charset="-127"/>
-                <a:cs typeface="Arial"/>
-                <a:sym typeface="Arial"/>
-              </a:rPr>
-              <a:t>   </a:t>
-            </a:r>
-            <a:endParaRPr lang="ko-KR" altLang="en-US" sz="2800" b="1" dirty="0">
-              <a:solidFill>
-                <a:schemeClr val="dk1"/>
-              </a:solidFill>
-              <a:latin typeface="Tmon몬소리OTF Black" panose="02000A03000000000000" pitchFamily="50" charset="-127"/>
-              <a:ea typeface="Tmon몬소리OTF Black" panose="02000A03000000000000" pitchFamily="50" charset="-127"/>
-              <a:cs typeface="Arial"/>
-              <a:sym typeface="Arial"/>
-            </a:endParaRPr>
-          </a:p>
-        </p:txBody>
-      </p:sp>
-      <p:sp>
-        <p:nvSpPr>
-          <p:cNvPr id="143" name="Google Shape;143;p16"/>
-          <p:cNvSpPr/>
-          <p:nvPr/>
-        </p:nvSpPr>
-        <p:spPr>
-          <a:xfrm>
-            <a:off x="203690" y="95227"/>
-            <a:ext cx="791373" cy="492443"/>
-          </a:xfrm>
-          <a:prstGeom prst="rect">
-            <a:avLst/>
-          </a:prstGeom>
-          <a:noFill/>
-          <a:ln>
-            <a:noFill/>
-          </a:ln>
-        </p:spPr>
-        <p:txBody>
-          <a:bodyPr spcFirstLastPara="1" wrap="square" lIns="121900" tIns="60933" rIns="121900" bIns="60933" anchor="t" anchorCtr="0">
-            <a:noAutofit/>
-          </a:bodyPr>
-          <a:lstStyle/>
-          <a:p>
-            <a:r>
-              <a:rPr lang="en-US" sz="2400" b="1" dirty="0">
-                <a:solidFill>
-                  <a:schemeClr val="lt1"/>
-                </a:solidFill>
-                <a:latin typeface="Tmon몬소리OTF Black" panose="02000A03000000000000" pitchFamily="50" charset="-127"/>
-                <a:ea typeface="Tmon몬소리OTF Black" panose="02000A03000000000000" pitchFamily="50" charset="-127"/>
-                <a:cs typeface="Arial"/>
-                <a:sym typeface="Arial"/>
-              </a:rPr>
-              <a:t>01</a:t>
-            </a:r>
-            <a:endParaRPr sz="2400" b="1" dirty="0">
-              <a:solidFill>
-                <a:schemeClr val="lt1"/>
-              </a:solidFill>
-              <a:latin typeface="Tmon몬소리OTF Black" panose="02000A03000000000000" pitchFamily="50" charset="-127"/>
-              <a:ea typeface="Tmon몬소리OTF Black" panose="02000A03000000000000" pitchFamily="50" charset="-127"/>
-              <a:cs typeface="Arial"/>
-              <a:sym typeface="Arial"/>
-            </a:endParaRPr>
-          </a:p>
-        </p:txBody>
-      </p:sp>
-      <p:sp>
-        <p:nvSpPr>
-          <p:cNvPr id="2" name="TextBox 1"/>
-          <p:cNvSpPr txBox="1"/>
-          <p:nvPr/>
-        </p:nvSpPr>
-        <p:spPr>
-          <a:xfrm>
-            <a:off x="599376" y="1122666"/>
-            <a:ext cx="7577215" cy="4339650"/>
-          </a:xfrm>
-          <a:prstGeom prst="rect">
-            <a:avLst/>
-          </a:prstGeom>
-          <a:noFill/>
-        </p:spPr>
-        <p:txBody>
-          <a:bodyPr wrap="square" rtlCol="0">
-            <a:spAutoFit/>
-          </a:bodyPr>
-          <a:lstStyle/>
-          <a:p>
-            <a:r>
-              <a:rPr lang="en-US" altLang="ko-KR" sz="2400" dirty="0" smtClean="0">
-                <a:latin typeface="나눔스퀘어라운드 Bold" panose="020B0600000101010101" pitchFamily="50" charset="-127"/>
-                <a:ea typeface="나눔스퀘어라운드 Bold" panose="020B0600000101010101" pitchFamily="50" charset="-127"/>
-              </a:rPr>
-              <a:t>3. </a:t>
-            </a:r>
-            <a:r>
-              <a:rPr lang="en-US" altLang="ko-KR" sz="2400" dirty="0" err="1" smtClean="0">
-                <a:latin typeface="나눔스퀘어라운드 Bold" panose="020B0600000101010101" pitchFamily="50" charset="-127"/>
-                <a:ea typeface="나눔스퀘어라운드 Bold" panose="020B0600000101010101" pitchFamily="50" charset="-127"/>
-              </a:rPr>
-              <a:t>Ndarray</a:t>
-            </a:r>
-            <a:r>
-              <a:rPr lang="en-US" altLang="ko-KR" sz="2400" dirty="0" smtClean="0">
-                <a:latin typeface="나눔스퀘어라운드 Bold" panose="020B0600000101010101" pitchFamily="50" charset="-127"/>
-                <a:ea typeface="나눔스퀘어라운드 Bold" panose="020B0600000101010101" pitchFamily="50" charset="-127"/>
-              </a:rPr>
-              <a:t> (</a:t>
-            </a:r>
-            <a:r>
-              <a:rPr lang="ko-KR" altLang="en-US" sz="2400" dirty="0" smtClean="0">
-                <a:latin typeface="나눔스퀘어라운드 Bold" panose="020B0600000101010101" pitchFamily="50" charset="-127"/>
-                <a:ea typeface="나눔스퀘어라운드 Bold" panose="020B0600000101010101" pitchFamily="50" charset="-127"/>
-              </a:rPr>
-              <a:t>다차원 </a:t>
-            </a:r>
-            <a:r>
-              <a:rPr lang="en-US" altLang="ko-KR" sz="2400" dirty="0" smtClean="0">
-                <a:latin typeface="나눔스퀘어라운드 Bold" panose="020B0600000101010101" pitchFamily="50" charset="-127"/>
-                <a:ea typeface="나눔스퀘어라운드 Bold" panose="020B0600000101010101" pitchFamily="50" charset="-127"/>
-              </a:rPr>
-              <a:t>array)</a:t>
-            </a:r>
-          </a:p>
-          <a:p>
-            <a:pPr marL="800100" lvl="1" indent="-342900">
-              <a:lnSpc>
-                <a:spcPct val="150000"/>
-              </a:lnSpc>
-              <a:buFont typeface="Wingdings" panose="05000000000000000000" pitchFamily="2" charset="2"/>
-              <a:buChar char="§"/>
-            </a:pPr>
-            <a:r>
-              <a:rPr lang="en-US" altLang="ko-KR" sz="2400" dirty="0" err="1" smtClean="0">
-                <a:latin typeface="나눔스퀘어라운드 Bold" panose="020B0600000101010101" pitchFamily="50" charset="-127"/>
-                <a:ea typeface="나눔스퀘어라운드 Bold" panose="020B0600000101010101" pitchFamily="50" charset="-127"/>
-              </a:rPr>
-              <a:t>Numpy</a:t>
-            </a:r>
-            <a:r>
-              <a:rPr lang="ko-KR" altLang="en-US" sz="2400" dirty="0">
-                <a:latin typeface="나눔스퀘어라운드 Bold" panose="020B0600000101010101" pitchFamily="50" charset="-127"/>
-                <a:ea typeface="나눔스퀘어라운드 Bold" panose="020B0600000101010101" pitchFamily="50" charset="-127"/>
-              </a:rPr>
-              <a:t>는</a:t>
-            </a:r>
-            <a:r>
-              <a:rPr lang="ko-KR" altLang="en-US" sz="2400" dirty="0" smtClean="0">
-                <a:latin typeface="나눔스퀘어라운드 Bold" panose="020B0600000101010101" pitchFamily="50" charset="-127"/>
-                <a:ea typeface="나눔스퀘어라운드 Bold" panose="020B0600000101010101" pitchFamily="50" charset="-127"/>
-              </a:rPr>
-              <a:t> 다차원 배열을 지원하고 배열의 구조는 </a:t>
-            </a:r>
-            <a:r>
-              <a:rPr lang="en-US" altLang="ko-KR" sz="2400" dirty="0" smtClean="0">
-                <a:latin typeface="나눔스퀘어라운드 Bold" panose="020B0600000101010101" pitchFamily="50" charset="-127"/>
-                <a:ea typeface="나눔스퀘어라운드 Bold" panose="020B0600000101010101" pitchFamily="50" charset="-127"/>
-              </a:rPr>
-              <a:t>‘shape’</a:t>
-            </a:r>
-            <a:r>
-              <a:rPr lang="ko-KR" altLang="en-US" sz="2400" dirty="0" smtClean="0">
-                <a:latin typeface="나눔스퀘어라운드 Bold" panose="020B0600000101010101" pitchFamily="50" charset="-127"/>
-                <a:ea typeface="나눔스퀘어라운드 Bold" panose="020B0600000101010101" pitchFamily="50" charset="-127"/>
-              </a:rPr>
-              <a:t>으로 표현된다</a:t>
-            </a:r>
-            <a:endParaRPr lang="en-US" altLang="ko-KR" sz="2400" dirty="0" smtClean="0">
-              <a:latin typeface="나눔스퀘어라운드 Bold" panose="020B0600000101010101" pitchFamily="50" charset="-127"/>
-              <a:ea typeface="나눔스퀘어라운드 Bold" panose="020B0600000101010101" pitchFamily="50" charset="-127"/>
-            </a:endParaRPr>
-          </a:p>
-          <a:p>
-            <a:pPr marL="800100" lvl="1" indent="-342900">
-              <a:lnSpc>
-                <a:spcPct val="150000"/>
-              </a:lnSpc>
-              <a:buFont typeface="Wingdings" panose="05000000000000000000" pitchFamily="2" charset="2"/>
-              <a:buChar char="§"/>
-            </a:pPr>
-            <a:r>
-              <a:rPr lang="ko-KR" altLang="en-US" sz="2400" dirty="0" smtClean="0">
-                <a:latin typeface="나눔스퀘어라운드 Bold" panose="020B0600000101010101" pitchFamily="50" charset="-127"/>
-                <a:ea typeface="나눔스퀘어라운드 Bold" panose="020B0600000101010101" pitchFamily="50" charset="-127"/>
-              </a:rPr>
-              <a:t>다차원 배열은 입체적인 데이터 구조를 가진다</a:t>
-            </a:r>
-            <a:endParaRPr lang="en-US" altLang="ko-KR" sz="2400" dirty="0" smtClean="0">
-              <a:latin typeface="나눔스퀘어라운드 Bold" panose="020B0600000101010101" pitchFamily="50" charset="-127"/>
-              <a:ea typeface="나눔스퀘어라운드 Bold" panose="020B0600000101010101" pitchFamily="50" charset="-127"/>
-            </a:endParaRPr>
-          </a:p>
-          <a:p>
-            <a:pPr marL="800100" lvl="1" indent="-342900">
-              <a:lnSpc>
-                <a:spcPct val="150000"/>
-              </a:lnSpc>
-              <a:buFont typeface="Wingdings" panose="05000000000000000000" pitchFamily="2" charset="2"/>
-              <a:buChar char="§"/>
-            </a:pPr>
-            <a:r>
-              <a:rPr lang="ko-KR" altLang="en-US" sz="2400" dirty="0" smtClean="0">
-                <a:latin typeface="나눔스퀘어라운드 Bold" panose="020B0600000101010101" pitchFamily="50" charset="-127"/>
-                <a:ea typeface="나눔스퀘어라운드 Bold" panose="020B0600000101010101" pitchFamily="50" charset="-127"/>
-              </a:rPr>
-              <a:t>데이터 방향은 </a:t>
-            </a:r>
-            <a:r>
-              <a:rPr lang="en-US" altLang="ko-KR" sz="2400" dirty="0" smtClean="0">
-                <a:latin typeface="나눔스퀘어라운드 Bold" panose="020B0600000101010101" pitchFamily="50" charset="-127"/>
-                <a:ea typeface="나눔스퀘어라운드 Bold" panose="020B0600000101010101" pitchFamily="50" charset="-127"/>
-              </a:rPr>
-              <a:t>axis</a:t>
-            </a:r>
-            <a:r>
-              <a:rPr lang="ko-KR" altLang="en-US" sz="2400" dirty="0" smtClean="0">
-                <a:latin typeface="나눔스퀘어라운드 Bold" panose="020B0600000101010101" pitchFamily="50" charset="-127"/>
-                <a:ea typeface="나눔스퀘어라운드 Bold" panose="020B0600000101010101" pitchFamily="50" charset="-127"/>
-              </a:rPr>
-              <a:t>로 표현한다</a:t>
-            </a:r>
-            <a:endParaRPr lang="en-US" altLang="ko-KR" sz="2400" dirty="0" smtClean="0">
-              <a:latin typeface="나눔스퀘어라운드 Bold" panose="020B0600000101010101" pitchFamily="50" charset="-127"/>
-              <a:ea typeface="나눔스퀘어라운드 Bold" panose="020B0600000101010101" pitchFamily="50" charset="-127"/>
-            </a:endParaRPr>
-          </a:p>
-          <a:p>
-            <a:pPr marL="1257300" lvl="2" indent="-342900">
-              <a:lnSpc>
-                <a:spcPct val="150000"/>
-              </a:lnSpc>
-              <a:buFont typeface="Arial" panose="020B0604020202020204" pitchFamily="34" charset="0"/>
-              <a:buChar char="•"/>
-            </a:pPr>
-            <a:r>
-              <a:rPr lang="ko-KR" altLang="en-US" sz="2400" dirty="0" smtClean="0">
-                <a:latin typeface="나눔스퀘어라운드 Bold" panose="020B0600000101010101" pitchFamily="50" charset="-127"/>
-                <a:ea typeface="나눔스퀘어라운드 Bold" panose="020B0600000101010101" pitchFamily="50" charset="-127"/>
-              </a:rPr>
-              <a:t>행 방향 </a:t>
-            </a:r>
-            <a:r>
-              <a:rPr lang="en-US" altLang="ko-KR" sz="2400" dirty="0" smtClean="0">
-                <a:latin typeface="나눔스퀘어라운드 Bold" panose="020B0600000101010101" pitchFamily="50" charset="-127"/>
-                <a:ea typeface="나눔스퀘어라운드 Bold" panose="020B0600000101010101" pitchFamily="50" charset="-127"/>
-              </a:rPr>
-              <a:t>: axis = 0</a:t>
-            </a:r>
-          </a:p>
-          <a:p>
-            <a:pPr marL="1257300" lvl="2" indent="-342900">
-              <a:lnSpc>
-                <a:spcPct val="150000"/>
-              </a:lnSpc>
-              <a:buFont typeface="Arial" panose="020B0604020202020204" pitchFamily="34" charset="0"/>
-              <a:buChar char="•"/>
-            </a:pPr>
-            <a:r>
-              <a:rPr lang="ko-KR" altLang="en-US" sz="2400" dirty="0" smtClean="0">
-                <a:latin typeface="나눔스퀘어라운드 Bold" panose="020B0600000101010101" pitchFamily="50" charset="-127"/>
-                <a:ea typeface="나눔스퀘어라운드 Bold" panose="020B0600000101010101" pitchFamily="50" charset="-127"/>
-              </a:rPr>
-              <a:t>열 방향 </a:t>
-            </a:r>
-            <a:r>
-              <a:rPr lang="en-US" altLang="ko-KR" sz="2400" dirty="0" smtClean="0">
-                <a:latin typeface="나눔스퀘어라운드 Bold" panose="020B0600000101010101" pitchFamily="50" charset="-127"/>
-                <a:ea typeface="나눔스퀘어라운드 Bold" panose="020B0600000101010101" pitchFamily="50" charset="-127"/>
-              </a:rPr>
-              <a:t>: axis = 1</a:t>
-            </a:r>
-          </a:p>
-          <a:p>
-            <a:pPr marL="1257300" lvl="2" indent="-342900">
-              <a:lnSpc>
-                <a:spcPct val="150000"/>
-              </a:lnSpc>
-              <a:buFont typeface="Arial" panose="020B0604020202020204" pitchFamily="34" charset="0"/>
-              <a:buChar char="•"/>
-            </a:pPr>
-            <a:r>
-              <a:rPr lang="ko-KR" altLang="en-US" sz="2400" dirty="0" smtClean="0">
-                <a:latin typeface="나눔스퀘어라운드 Bold" panose="020B0600000101010101" pitchFamily="50" charset="-127"/>
-                <a:ea typeface="나눔스퀘어라운드 Bold" panose="020B0600000101010101" pitchFamily="50" charset="-127"/>
-              </a:rPr>
-              <a:t>채널 방향 </a:t>
-            </a:r>
-            <a:r>
-              <a:rPr lang="en-US" altLang="ko-KR" sz="2400" dirty="0" smtClean="0">
-                <a:latin typeface="나눔스퀘어라운드 Bold" panose="020B0600000101010101" pitchFamily="50" charset="-127"/>
-                <a:ea typeface="나눔스퀘어라운드 Bold" panose="020B0600000101010101" pitchFamily="50" charset="-127"/>
-              </a:rPr>
-              <a:t>: axis = 2</a:t>
-            </a:r>
-            <a:endParaRPr lang="en-US" altLang="ko-KR" sz="2400" dirty="0" smtClean="0">
-              <a:latin typeface="나눔스퀘어라운드 Bold" panose="020B0600000101010101" pitchFamily="50" charset="-127"/>
-              <a:ea typeface="나눔스퀘어라운드 Bold" panose="020B0600000101010101" pitchFamily="50" charset="-127"/>
-            </a:endParaRPr>
-          </a:p>
-        </p:txBody>
-      </p:sp>
-      <p:pic>
-        <p:nvPicPr>
-          <p:cNvPr id="20" name="그림 19"/>
-          <p:cNvPicPr>
-            <a:picLocks noChangeAspect="1"/>
-          </p:cNvPicPr>
-          <p:nvPr/>
-        </p:nvPicPr>
-        <p:blipFill>
-          <a:blip r:embed="rId4" cstate="print">
-            <a:extLst>
-              <a:ext uri="{28A0092B-C50C-407E-A947-70E740481C1C}">
-                <a14:useLocalDpi xmlns:a14="http://schemas.microsoft.com/office/drawing/2010/main" val="0"/>
-              </a:ext>
-            </a:extLst>
-          </a:blip>
-          <a:stretch>
-            <a:fillRect/>
-          </a:stretch>
-        </p:blipFill>
-        <p:spPr>
-          <a:xfrm>
-            <a:off x="10537902" y="189570"/>
-            <a:ext cx="1411093" cy="821996"/>
-          </a:xfrm>
-          <a:prstGeom prst="rect">
-            <a:avLst/>
-          </a:prstGeom>
-        </p:spPr>
-      </p:pic>
-      <p:sp>
-        <p:nvSpPr>
-          <p:cNvPr id="14" name="TextBox 13"/>
-          <p:cNvSpPr txBox="1"/>
-          <p:nvPr/>
-        </p:nvSpPr>
-        <p:spPr>
-          <a:xfrm>
-            <a:off x="11243448" y="6462603"/>
-            <a:ext cx="832029" cy="215444"/>
-          </a:xfrm>
-          <a:prstGeom prst="rect">
-            <a:avLst/>
-          </a:prstGeom>
-          <a:noFill/>
-        </p:spPr>
-        <p:txBody>
-          <a:bodyPr wrap="square" rtlCol="0">
-            <a:spAutoFit/>
-          </a:bodyPr>
-          <a:lstStyle/>
-          <a:p>
-            <a:r>
-              <a:rPr lang="ko-KR" altLang="en-US" sz="800" dirty="0">
-                <a:latin typeface="나눔스퀘어 Bold" panose="020B0600000101010101" pitchFamily="50" charset="-127"/>
-                <a:ea typeface="나눔스퀘어 Bold" panose="020B0600000101010101" pitchFamily="50" charset="-127"/>
-              </a:rPr>
-              <a:t>출처</a:t>
-            </a:r>
-            <a:r>
-              <a:rPr lang="en-US" altLang="ko-KR" sz="800" dirty="0">
-                <a:latin typeface="나눔스퀘어 Bold" panose="020B0600000101010101" pitchFamily="50" charset="-127"/>
-                <a:ea typeface="나눔스퀘어 Bold" panose="020B0600000101010101" pitchFamily="50" charset="-127"/>
-              </a:rPr>
-              <a:t>:</a:t>
-            </a:r>
-            <a:r>
-              <a:rPr lang="ko-KR" altLang="en-US" sz="800" i="1" dirty="0">
-                <a:latin typeface="나눔스퀘어 Bold" panose="020B0600000101010101" pitchFamily="50" charset="-127"/>
-                <a:ea typeface="나눔스퀘어 Bold" panose="020B0600000101010101" pitchFamily="50" charset="-127"/>
-              </a:rPr>
-              <a:t> </a:t>
-            </a:r>
-            <a:r>
-              <a:rPr lang="en-US" altLang="ko-KR" sz="800" i="1" dirty="0" err="1" smtClean="0">
-                <a:latin typeface="나눔스퀘어 Bold" panose="020B0600000101010101" pitchFamily="50" charset="-127"/>
-                <a:ea typeface="나눔스퀘어 Bold" panose="020B0600000101010101" pitchFamily="50" charset="-127"/>
-              </a:rPr>
-              <a:t>oreilly</a:t>
-            </a:r>
-            <a:endParaRPr lang="ko-KR" altLang="en-US" sz="800" dirty="0">
-              <a:latin typeface="나눔스퀘어 Bold" panose="020B0600000101010101" pitchFamily="50" charset="-127"/>
-              <a:ea typeface="나눔스퀘어 Bold" panose="020B0600000101010101" pitchFamily="50" charset="-127"/>
-            </a:endParaRPr>
-          </a:p>
-        </p:txBody>
-      </p:sp>
     </p:spTree>
     <p:extLst>
       <p:ext uri="{BB962C8B-B14F-4D97-AF65-F5344CB8AC3E}">
-        <p14:creationId xmlns:p14="http://schemas.microsoft.com/office/powerpoint/2010/main" val="796579669"/>
+        <p14:creationId xmlns:p14="http://schemas.microsoft.com/office/powerpoint/2010/main" val="2922827163"/>
       </p:ext>
     </p:extLst>
   </p:cSld>
@@ -10199,543 +11053,9 @@
           <a:chExt cx="0" cy="0"/>
         </a:xfrm>
       </p:grpSpPr>
-      <p:cxnSp>
-        <p:nvCxnSpPr>
-          <p:cNvPr id="15" name="Google Shape;134;p16"/>
-          <p:cNvCxnSpPr/>
-          <p:nvPr/>
-        </p:nvCxnSpPr>
-        <p:spPr>
-          <a:xfrm>
-            <a:off x="431371" y="344696"/>
-            <a:ext cx="9660647" cy="0"/>
-          </a:xfrm>
-          <a:prstGeom prst="straightConnector1">
-            <a:avLst/>
-          </a:prstGeom>
-          <a:noFill/>
-          <a:ln w="12700" cap="flat" cmpd="sng">
-            <a:solidFill>
-              <a:srgbClr val="BFBFBF"/>
-            </a:solidFill>
-            <a:prstDash val="solid"/>
-            <a:round/>
-            <a:headEnd type="none" w="sm" len="sm"/>
-            <a:tailEnd type="none" w="sm" len="sm"/>
-          </a:ln>
-        </p:spPr>
-      </p:cxnSp>
-      <p:sp>
-        <p:nvSpPr>
-          <p:cNvPr id="18" name="Google Shape;136;p16"/>
-          <p:cNvSpPr/>
-          <p:nvPr/>
-        </p:nvSpPr>
-        <p:spPr>
-          <a:xfrm>
-            <a:off x="10086439" y="187755"/>
-            <a:ext cx="60959" cy="360904"/>
-          </a:xfrm>
-          <a:prstGeom prst="rect">
-            <a:avLst/>
-          </a:prstGeom>
-          <a:solidFill>
-            <a:srgbClr val="7F7F7F"/>
-          </a:solidFill>
-          <a:ln>
-            <a:noFill/>
-          </a:ln>
-          <a:effectLst>
-            <a:outerShdw blurRad="50800" dist="38100" dir="2700000" algn="tl" rotWithShape="0">
-              <a:srgbClr val="000000">
-                <a:alpha val="40000"/>
-              </a:srgbClr>
-            </a:outerShdw>
-          </a:effectLst>
-        </p:spPr>
-        <p:txBody>
-          <a:bodyPr spcFirstLastPara="1" wrap="square" lIns="121900" tIns="60933" rIns="121900" bIns="60933" anchor="ctr" anchorCtr="0">
-            <a:noAutofit/>
-          </a:bodyPr>
-          <a:lstStyle/>
-          <a:p>
-            <a:pPr algn="ctr"/>
-            <a:endParaRPr sz="2400">
-              <a:solidFill>
-                <a:schemeClr val="lt1"/>
-              </a:solidFill>
-              <a:latin typeface="Arial"/>
-              <a:ea typeface="Arial"/>
-              <a:cs typeface="Arial"/>
-              <a:sym typeface="Arial"/>
-            </a:endParaRPr>
-          </a:p>
-        </p:txBody>
-      </p:sp>
-      <p:sp>
-        <p:nvSpPr>
-          <p:cNvPr id="135" name="Google Shape;135;p16"/>
-          <p:cNvSpPr/>
-          <p:nvPr/>
-        </p:nvSpPr>
-        <p:spPr>
-          <a:xfrm>
-            <a:off x="-14515" y="149948"/>
-            <a:ext cx="1088572" cy="384043"/>
-          </a:xfrm>
-          <a:prstGeom prst="rect">
-            <a:avLst/>
-          </a:prstGeom>
-          <a:solidFill>
-            <a:srgbClr val="E00868"/>
-          </a:solidFill>
-          <a:ln>
-            <a:noFill/>
-          </a:ln>
-        </p:spPr>
-        <p:txBody>
-          <a:bodyPr spcFirstLastPara="1" wrap="square" lIns="121900" tIns="60933" rIns="121900" bIns="60933" anchor="ctr" anchorCtr="0">
-            <a:noAutofit/>
-          </a:bodyPr>
-          <a:lstStyle/>
-          <a:p>
-            <a:pPr algn="ctr"/>
-            <a:endParaRPr sz="2400">
-              <a:solidFill>
-                <a:schemeClr val="lt1"/>
-              </a:solidFill>
-              <a:latin typeface="Tmon몬소리OTF Black" panose="02000A03000000000000" pitchFamily="50" charset="-127"/>
-              <a:ea typeface="Tmon몬소리OTF Black" panose="02000A03000000000000" pitchFamily="50" charset="-127"/>
-              <a:cs typeface="Arial"/>
-              <a:sym typeface="Arial"/>
-            </a:endParaRPr>
-          </a:p>
-        </p:txBody>
-      </p:sp>
-      <p:cxnSp>
-        <p:nvCxnSpPr>
-          <p:cNvPr id="137" name="Google Shape;137;p16"/>
-          <p:cNvCxnSpPr/>
-          <p:nvPr/>
-        </p:nvCxnSpPr>
-        <p:spPr>
-          <a:xfrm>
-            <a:off x="1126708" y="345453"/>
-            <a:ext cx="1233624" cy="0"/>
-          </a:xfrm>
-          <a:prstGeom prst="straightConnector1">
-            <a:avLst/>
-          </a:prstGeom>
-          <a:noFill/>
-          <a:ln w="12700" cap="flat" cmpd="sng">
-            <a:solidFill>
-              <a:srgbClr val="E00868"/>
-            </a:solidFill>
-            <a:prstDash val="solid"/>
-            <a:round/>
-            <a:headEnd type="none" w="sm" len="sm"/>
-            <a:tailEnd type="none" w="sm" len="sm"/>
-          </a:ln>
-        </p:spPr>
-      </p:cxnSp>
-      <p:sp>
-        <p:nvSpPr>
-          <p:cNvPr id="138" name="Google Shape;138;p16"/>
-          <p:cNvSpPr/>
-          <p:nvPr/>
-        </p:nvSpPr>
-        <p:spPr>
-          <a:xfrm rot="5400000">
-            <a:off x="928275" y="295722"/>
-            <a:ext cx="386628" cy="95087"/>
-          </a:xfrm>
-          <a:prstGeom prst="triangle">
-            <a:avLst>
-              <a:gd name="adj" fmla="val 50000"/>
-            </a:avLst>
-          </a:prstGeom>
-          <a:solidFill>
-            <a:srgbClr val="E00868"/>
-          </a:solidFill>
-          <a:ln>
-            <a:noFill/>
-          </a:ln>
-        </p:spPr>
-        <p:txBody>
-          <a:bodyPr spcFirstLastPara="1" wrap="square" lIns="121900" tIns="60933" rIns="121900" bIns="60933" anchor="ctr" anchorCtr="0">
-            <a:noAutofit/>
-          </a:bodyPr>
-          <a:lstStyle/>
-          <a:p>
-            <a:pPr algn="ctr"/>
-            <a:endParaRPr sz="2400">
-              <a:solidFill>
-                <a:schemeClr val="lt1"/>
-              </a:solidFill>
-              <a:latin typeface="Tmon몬소리OTF Black" panose="02000A03000000000000" pitchFamily="50" charset="-127"/>
-              <a:ea typeface="Tmon몬소리OTF Black" panose="02000A03000000000000" pitchFamily="50" charset="-127"/>
-              <a:cs typeface="Arial"/>
-              <a:sym typeface="Arial"/>
-            </a:endParaRPr>
-          </a:p>
-        </p:txBody>
-      </p:sp>
-      <p:sp>
-        <p:nvSpPr>
-          <p:cNvPr id="139" name="Google Shape;139;p16"/>
-          <p:cNvSpPr txBox="1"/>
-          <p:nvPr/>
-        </p:nvSpPr>
-        <p:spPr>
-          <a:xfrm>
-            <a:off x="1047715" y="380980"/>
-            <a:ext cx="1931968" cy="529495"/>
-          </a:xfrm>
-          <a:prstGeom prst="rect">
-            <a:avLst/>
-          </a:prstGeom>
-          <a:noFill/>
-          <a:ln>
-            <a:noFill/>
-          </a:ln>
-        </p:spPr>
-        <p:txBody>
-          <a:bodyPr spcFirstLastPara="1" wrap="square" lIns="121900" tIns="60933" rIns="121900" bIns="60933" anchor="t" anchorCtr="0">
-            <a:noAutofit/>
-          </a:bodyPr>
-          <a:lstStyle/>
-          <a:p>
-            <a:r>
-              <a:rPr lang="en-US" altLang="ko-KR" sz="2800" b="1" dirty="0" err="1">
-                <a:solidFill>
-                  <a:schemeClr val="dk1"/>
-                </a:solidFill>
-                <a:latin typeface="Tmon몬소리OTF Black" panose="02000A03000000000000" pitchFamily="50" charset="-127"/>
-                <a:ea typeface="Tmon몬소리OTF Black" panose="02000A03000000000000" pitchFamily="50" charset="-127"/>
-                <a:cs typeface="Arial"/>
-                <a:sym typeface="Arial"/>
-              </a:rPr>
-              <a:t>Numpy</a:t>
-            </a:r>
-            <a:r>
-              <a:rPr lang="en-US" altLang="ko-KR" sz="2800" b="1" dirty="0">
-                <a:solidFill>
-                  <a:schemeClr val="dk1"/>
-                </a:solidFill>
-                <a:latin typeface="Tmon몬소리OTF Black" panose="02000A03000000000000" pitchFamily="50" charset="-127"/>
-                <a:ea typeface="Tmon몬소리OTF Black" panose="02000A03000000000000" pitchFamily="50" charset="-127"/>
-                <a:cs typeface="Arial"/>
-                <a:sym typeface="Arial"/>
-              </a:rPr>
-              <a:t> </a:t>
-            </a:r>
-            <a:endParaRPr lang="ko-KR" altLang="en-US" sz="2800" b="1" dirty="0">
-              <a:solidFill>
-                <a:schemeClr val="dk1"/>
-              </a:solidFill>
-              <a:latin typeface="Tmon몬소리OTF Black" panose="02000A03000000000000" pitchFamily="50" charset="-127"/>
-              <a:ea typeface="Tmon몬소리OTF Black" panose="02000A03000000000000" pitchFamily="50" charset="-127"/>
-              <a:cs typeface="Arial"/>
-              <a:sym typeface="Arial"/>
-            </a:endParaRPr>
-          </a:p>
-          <a:p>
-            <a:r>
-              <a:rPr lang="en-US" altLang="ko-KR" sz="2800" b="1" dirty="0" smtClean="0">
-                <a:solidFill>
-                  <a:schemeClr val="dk1"/>
-                </a:solidFill>
-                <a:latin typeface="Tmon몬소리OTF Black" panose="02000A03000000000000" pitchFamily="50" charset="-127"/>
-                <a:ea typeface="Tmon몬소리OTF Black" panose="02000A03000000000000" pitchFamily="50" charset="-127"/>
-                <a:cs typeface="Arial"/>
-                <a:sym typeface="Arial"/>
-              </a:rPr>
-              <a:t>   </a:t>
-            </a:r>
-            <a:endParaRPr lang="ko-KR" altLang="en-US" sz="2800" b="1" dirty="0">
-              <a:solidFill>
-                <a:schemeClr val="dk1"/>
-              </a:solidFill>
-              <a:latin typeface="Tmon몬소리OTF Black" panose="02000A03000000000000" pitchFamily="50" charset="-127"/>
-              <a:ea typeface="Tmon몬소리OTF Black" panose="02000A03000000000000" pitchFamily="50" charset="-127"/>
-              <a:cs typeface="Arial"/>
-              <a:sym typeface="Arial"/>
-            </a:endParaRPr>
-          </a:p>
-        </p:txBody>
-      </p:sp>
-      <p:sp>
-        <p:nvSpPr>
-          <p:cNvPr id="143" name="Google Shape;143;p16"/>
-          <p:cNvSpPr/>
-          <p:nvPr/>
-        </p:nvSpPr>
-        <p:spPr>
-          <a:xfrm>
-            <a:off x="203690" y="95227"/>
-            <a:ext cx="791373" cy="492443"/>
-          </a:xfrm>
-          <a:prstGeom prst="rect">
-            <a:avLst/>
-          </a:prstGeom>
-          <a:noFill/>
-          <a:ln>
-            <a:noFill/>
-          </a:ln>
-        </p:spPr>
-        <p:txBody>
-          <a:bodyPr spcFirstLastPara="1" wrap="square" lIns="121900" tIns="60933" rIns="121900" bIns="60933" anchor="t" anchorCtr="0">
-            <a:noAutofit/>
-          </a:bodyPr>
-          <a:lstStyle/>
-          <a:p>
-            <a:r>
-              <a:rPr lang="en-US" sz="2400" b="1" dirty="0">
-                <a:solidFill>
-                  <a:schemeClr val="lt1"/>
-                </a:solidFill>
-                <a:latin typeface="Tmon몬소리OTF Black" panose="02000A03000000000000" pitchFamily="50" charset="-127"/>
-                <a:ea typeface="Tmon몬소리OTF Black" panose="02000A03000000000000" pitchFamily="50" charset="-127"/>
-                <a:cs typeface="Arial"/>
-                <a:sym typeface="Arial"/>
-              </a:rPr>
-              <a:t>01</a:t>
-            </a:r>
-            <a:endParaRPr sz="2400" b="1" dirty="0">
-              <a:solidFill>
-                <a:schemeClr val="lt1"/>
-              </a:solidFill>
-              <a:latin typeface="Tmon몬소리OTF Black" panose="02000A03000000000000" pitchFamily="50" charset="-127"/>
-              <a:ea typeface="Tmon몬소리OTF Black" panose="02000A03000000000000" pitchFamily="50" charset="-127"/>
-              <a:cs typeface="Arial"/>
-              <a:sym typeface="Arial"/>
-            </a:endParaRPr>
-          </a:p>
-        </p:txBody>
-      </p:sp>
-      <p:sp>
-        <p:nvSpPr>
-          <p:cNvPr id="2" name="TextBox 1"/>
-          <p:cNvSpPr txBox="1"/>
-          <p:nvPr/>
-        </p:nvSpPr>
-        <p:spPr>
-          <a:xfrm>
-            <a:off x="586126" y="1422250"/>
-            <a:ext cx="5655649" cy="4016484"/>
-          </a:xfrm>
-          <a:prstGeom prst="rect">
-            <a:avLst/>
-          </a:prstGeom>
-          <a:noFill/>
-        </p:spPr>
-        <p:txBody>
-          <a:bodyPr wrap="square" rtlCol="0">
-            <a:spAutoFit/>
-          </a:bodyPr>
-          <a:lstStyle/>
-          <a:p>
-            <a:r>
-              <a:rPr lang="en-US" altLang="ko-KR" sz="2400" dirty="0" smtClean="0">
-                <a:latin typeface="나눔스퀘어라운드 Bold" panose="020B0600000101010101" pitchFamily="50" charset="-127"/>
-                <a:ea typeface="나눔스퀘어라운드 Bold" panose="020B0600000101010101" pitchFamily="50" charset="-127"/>
-              </a:rPr>
-              <a:t>3. </a:t>
-            </a:r>
-            <a:r>
-              <a:rPr lang="ko-KR" altLang="en-US" sz="2400" dirty="0" err="1" smtClean="0">
-                <a:latin typeface="나눔스퀘어라운드 Bold" panose="020B0600000101010101" pitchFamily="50" charset="-127"/>
-                <a:ea typeface="나눔스퀘어라운드 Bold" panose="020B0600000101010101" pitchFamily="50" charset="-127"/>
-              </a:rPr>
-              <a:t>브로드캐스팅</a:t>
-            </a:r>
-            <a:endParaRPr lang="en-US" altLang="ko-KR" sz="2400" dirty="0" smtClean="0">
-              <a:latin typeface="나눔스퀘어라운드 Bold" panose="020B0600000101010101" pitchFamily="50" charset="-127"/>
-              <a:ea typeface="나눔스퀘어라운드 Bold" panose="020B0600000101010101" pitchFamily="50" charset="-127"/>
-            </a:endParaRPr>
-          </a:p>
-          <a:p>
-            <a:endParaRPr lang="en-US" altLang="ko-KR" sz="2400" dirty="0" smtClean="0">
-              <a:latin typeface="나눔스퀘어라운드 Bold" panose="020B0600000101010101" pitchFamily="50" charset="-127"/>
-              <a:ea typeface="나눔스퀘어라운드 Bold" panose="020B0600000101010101" pitchFamily="50" charset="-127"/>
-            </a:endParaRPr>
-          </a:p>
-          <a:p>
-            <a:pPr marL="800100" lvl="1" indent="-342900">
-              <a:lnSpc>
-                <a:spcPct val="150000"/>
-              </a:lnSpc>
-              <a:buFont typeface="Wingdings" panose="05000000000000000000" pitchFamily="2" charset="2"/>
-              <a:buChar char="§"/>
-            </a:pPr>
-            <a:r>
-              <a:rPr lang="ko-KR" altLang="en-US" sz="2400" dirty="0" smtClean="0">
-                <a:latin typeface="나눔스퀘어라운드 Bold" panose="020B0600000101010101" pitchFamily="50" charset="-127"/>
-                <a:ea typeface="나눔스퀘어라운드 Bold" panose="020B0600000101010101" pitchFamily="50" charset="-127"/>
-              </a:rPr>
-              <a:t>크기가 다른 배열 간의 연산 함수를 </a:t>
-            </a:r>
-            <a:endParaRPr lang="en-US" altLang="ko-KR" sz="2400" dirty="0" smtClean="0">
-              <a:latin typeface="나눔스퀘어라운드 Bold" panose="020B0600000101010101" pitchFamily="50" charset="-127"/>
-              <a:ea typeface="나눔스퀘어라운드 Bold" panose="020B0600000101010101" pitchFamily="50" charset="-127"/>
-            </a:endParaRPr>
-          </a:p>
-          <a:p>
-            <a:pPr lvl="1">
-              <a:lnSpc>
-                <a:spcPct val="150000"/>
-              </a:lnSpc>
-            </a:pPr>
-            <a:r>
-              <a:rPr lang="en-US" altLang="ko-KR" sz="2400" dirty="0" smtClean="0">
-                <a:latin typeface="나눔스퀘어라운드 Bold" panose="020B0600000101010101" pitchFamily="50" charset="-127"/>
-                <a:ea typeface="나눔스퀘어라운드 Bold" panose="020B0600000101010101" pitchFamily="50" charset="-127"/>
-              </a:rPr>
-              <a:t>     </a:t>
-            </a:r>
-            <a:r>
-              <a:rPr lang="ko-KR" altLang="en-US" sz="2400" dirty="0" smtClean="0">
-                <a:latin typeface="나눔스퀘어라운드 Bold" panose="020B0600000101010101" pitchFamily="50" charset="-127"/>
-                <a:ea typeface="나눔스퀘어라운드 Bold" panose="020B0600000101010101" pitchFamily="50" charset="-127"/>
-              </a:rPr>
-              <a:t>적용하는 규칙 집합</a:t>
-            </a:r>
-            <a:endParaRPr lang="en-US" altLang="ko-KR" sz="2400" dirty="0" smtClean="0">
-              <a:latin typeface="나눔스퀘어라운드 Bold" panose="020B0600000101010101" pitchFamily="50" charset="-127"/>
-              <a:ea typeface="나눔스퀘어라운드 Bold" panose="020B0600000101010101" pitchFamily="50" charset="-127"/>
-            </a:endParaRPr>
-          </a:p>
-          <a:p>
-            <a:pPr lvl="1">
-              <a:lnSpc>
-                <a:spcPct val="150000"/>
-              </a:lnSpc>
-            </a:pPr>
-            <a:endParaRPr lang="en-US" altLang="ko-KR" sz="2400" dirty="0" smtClean="0">
-              <a:latin typeface="나눔스퀘어라운드 Bold" panose="020B0600000101010101" pitchFamily="50" charset="-127"/>
-              <a:ea typeface="나눔스퀘어라운드 Bold" panose="020B0600000101010101" pitchFamily="50" charset="-127"/>
-            </a:endParaRPr>
-          </a:p>
-          <a:p>
-            <a:pPr marL="1257300" lvl="2" indent="-342900">
-              <a:lnSpc>
-                <a:spcPct val="150000"/>
-              </a:lnSpc>
-              <a:buFont typeface="Arial" panose="020B0604020202020204" pitchFamily="34" charset="0"/>
-              <a:buChar char="•"/>
-            </a:pPr>
-            <a:r>
-              <a:rPr lang="en-US" altLang="ko-KR" sz="2200" dirty="0" err="1" smtClean="0">
-                <a:latin typeface="나눔스퀘어라운드 Bold" panose="020B0600000101010101" pitchFamily="50" charset="-127"/>
-                <a:ea typeface="나눔스퀘어라운드 Bold" panose="020B0600000101010101" pitchFamily="50" charset="-127"/>
-              </a:rPr>
-              <a:t>mxn</a:t>
-            </a:r>
-            <a:r>
-              <a:rPr lang="en-US" altLang="ko-KR" sz="2200" dirty="0" smtClean="0">
-                <a:latin typeface="나눔스퀘어라운드 Bold" panose="020B0600000101010101" pitchFamily="50" charset="-127"/>
-                <a:ea typeface="나눔스퀘어라운드 Bold" panose="020B0600000101010101" pitchFamily="50" charset="-127"/>
-              </a:rPr>
-              <a:t> </a:t>
-            </a:r>
-            <a:r>
-              <a:rPr lang="ko-KR" altLang="en-US" sz="2200" dirty="0">
-                <a:latin typeface="나눔스퀘어라운드 Bold" panose="020B0600000101010101" pitchFamily="50" charset="-127"/>
-                <a:ea typeface="나눔스퀘어라운드 Bold" panose="020B0600000101010101" pitchFamily="50" charset="-127"/>
-              </a:rPr>
-              <a:t>행렬과 </a:t>
-            </a:r>
-            <a:r>
-              <a:rPr lang="en-US" altLang="ko-KR" sz="2200" dirty="0">
-                <a:latin typeface="나눔스퀘어라운드 Bold" panose="020B0600000101010101" pitchFamily="50" charset="-127"/>
-                <a:ea typeface="나눔스퀘어라운드 Bold" panose="020B0600000101010101" pitchFamily="50" charset="-127"/>
-              </a:rPr>
-              <a:t>mx1 </a:t>
-            </a:r>
-            <a:r>
-              <a:rPr lang="ko-KR" altLang="en-US" sz="2200" dirty="0">
-                <a:latin typeface="나눔스퀘어라운드 Bold" panose="020B0600000101010101" pitchFamily="50" charset="-127"/>
-                <a:ea typeface="나눔스퀘어라운드 Bold" panose="020B0600000101010101" pitchFamily="50" charset="-127"/>
-              </a:rPr>
-              <a:t>벡터 간의 연산</a:t>
-            </a:r>
-          </a:p>
-          <a:p>
-            <a:pPr marL="1257300" lvl="2" indent="-342900">
-              <a:lnSpc>
-                <a:spcPct val="150000"/>
-              </a:lnSpc>
-              <a:buFont typeface="Arial" panose="020B0604020202020204" pitchFamily="34" charset="0"/>
-              <a:buChar char="•"/>
-            </a:pPr>
-            <a:r>
-              <a:rPr lang="en-US" altLang="ko-KR" sz="2200" dirty="0">
-                <a:latin typeface="나눔스퀘어라운드 Bold" panose="020B0600000101010101" pitchFamily="50" charset="-127"/>
-                <a:ea typeface="나눔스퀘어라운드 Bold" panose="020B0600000101010101" pitchFamily="50" charset="-127"/>
-              </a:rPr>
-              <a:t>m x n </a:t>
-            </a:r>
-            <a:r>
-              <a:rPr lang="ko-KR" altLang="en-US" sz="2200" dirty="0">
-                <a:latin typeface="나눔스퀘어라운드 Bold" panose="020B0600000101010101" pitchFamily="50" charset="-127"/>
-                <a:ea typeface="나눔스퀘어라운드 Bold" panose="020B0600000101010101" pitchFamily="50" charset="-127"/>
-              </a:rPr>
-              <a:t>행렬과 </a:t>
-            </a:r>
-            <a:r>
-              <a:rPr lang="en-US" altLang="ko-KR" sz="2200" dirty="0">
-                <a:latin typeface="나눔스퀘어라운드 Bold" panose="020B0600000101010101" pitchFamily="50" charset="-127"/>
-                <a:ea typeface="나눔스퀘어라운드 Bold" panose="020B0600000101010101" pitchFamily="50" charset="-127"/>
-              </a:rPr>
-              <a:t>1xn </a:t>
-            </a:r>
-            <a:r>
-              <a:rPr lang="ko-KR" altLang="en-US" sz="2200" dirty="0">
-                <a:latin typeface="나눔스퀘어라운드 Bold" panose="020B0600000101010101" pitchFamily="50" charset="-127"/>
-                <a:ea typeface="나눔스퀘어라운드 Bold" panose="020B0600000101010101" pitchFamily="50" charset="-127"/>
-              </a:rPr>
-              <a:t>벡터 간의 연산</a:t>
-            </a:r>
-          </a:p>
-          <a:p>
-            <a:pPr marL="1257300" lvl="2" indent="-342900">
-              <a:lnSpc>
-                <a:spcPct val="150000"/>
-              </a:lnSpc>
-              <a:buFont typeface="Arial" panose="020B0604020202020204" pitchFamily="34" charset="0"/>
-              <a:buChar char="•"/>
-            </a:pPr>
-            <a:r>
-              <a:rPr lang="en-US" altLang="ko-KR" sz="2200" dirty="0" smtClean="0">
-                <a:latin typeface="나눔스퀘어라운드 Bold" panose="020B0600000101010101" pitchFamily="50" charset="-127"/>
-                <a:ea typeface="나눔스퀘어라운드 Bold" panose="020B0600000101010101" pitchFamily="50" charset="-127"/>
-              </a:rPr>
-              <a:t>mx1 </a:t>
-            </a:r>
-            <a:r>
-              <a:rPr lang="ko-KR" altLang="en-US" sz="2200" dirty="0">
-                <a:latin typeface="나눔스퀘어라운드 Bold" panose="020B0600000101010101" pitchFamily="50" charset="-127"/>
-                <a:ea typeface="나눔스퀘어라운드 Bold" panose="020B0600000101010101" pitchFamily="50" charset="-127"/>
-              </a:rPr>
-              <a:t>벡터와 </a:t>
-            </a:r>
-            <a:r>
-              <a:rPr lang="en-US" altLang="ko-KR" sz="2200" dirty="0" smtClean="0">
-                <a:latin typeface="나눔스퀘어라운드 Bold" panose="020B0600000101010101" pitchFamily="50" charset="-127"/>
-                <a:ea typeface="나눔스퀘어라운드 Bold" panose="020B0600000101010101" pitchFamily="50" charset="-127"/>
-              </a:rPr>
-              <a:t>1xn</a:t>
-            </a:r>
-            <a:endParaRPr lang="en-US" altLang="ko-KR" sz="2200" dirty="0" smtClean="0">
-              <a:latin typeface="나눔스퀘어라운드 Bold" panose="020B0600000101010101" pitchFamily="50" charset="-127"/>
-              <a:ea typeface="나눔스퀘어라운드 Bold" panose="020B0600000101010101" pitchFamily="50" charset="-127"/>
-            </a:endParaRPr>
-          </a:p>
-        </p:txBody>
-      </p:sp>
       <p:pic>
         <p:nvPicPr>
-          <p:cNvPr id="20" name="그림 19"/>
+          <p:cNvPr id="3" name="그림 2"/>
           <p:cNvPicPr>
             <a:picLocks noChangeAspect="1"/>
           </p:cNvPicPr>
@@ -10755,24 +11075,576 @@
         </p:blipFill>
         <p:spPr>
           <a:xfrm>
-            <a:off x="10537902" y="189570"/>
-            <a:ext cx="1411093" cy="821996"/>
+            <a:off x="6163120" y="2710069"/>
+            <a:ext cx="5673382" cy="3171578"/>
           </a:xfrm>
           <a:prstGeom prst="rect">
             <a:avLst/>
           </a:prstGeom>
         </p:spPr>
       </p:pic>
+      <p:cxnSp>
+        <p:nvCxnSpPr>
+          <p:cNvPr id="15" name="Google Shape;134;p16"/>
+          <p:cNvCxnSpPr/>
+          <p:nvPr/>
+        </p:nvCxnSpPr>
+        <p:spPr>
+          <a:xfrm>
+            <a:off x="431371" y="344696"/>
+            <a:ext cx="9660647" cy="0"/>
+          </a:xfrm>
+          <a:prstGeom prst="straightConnector1">
+            <a:avLst/>
+          </a:prstGeom>
+          <a:noFill/>
+          <a:ln w="12700" cap="flat" cmpd="sng">
+            <a:solidFill>
+              <a:srgbClr val="BFBFBF"/>
+            </a:solidFill>
+            <a:prstDash val="solid"/>
+            <a:round/>
+            <a:headEnd type="none" w="sm" len="sm"/>
+            <a:tailEnd type="none" w="sm" len="sm"/>
+          </a:ln>
+        </p:spPr>
+      </p:cxnSp>
+      <p:sp>
+        <p:nvSpPr>
+          <p:cNvPr id="18" name="Google Shape;136;p16"/>
+          <p:cNvSpPr/>
+          <p:nvPr/>
+        </p:nvSpPr>
+        <p:spPr>
+          <a:xfrm>
+            <a:off x="10086439" y="187755"/>
+            <a:ext cx="60959" cy="360904"/>
+          </a:xfrm>
+          <a:prstGeom prst="rect">
+            <a:avLst/>
+          </a:prstGeom>
+          <a:solidFill>
+            <a:srgbClr val="7F7F7F"/>
+          </a:solidFill>
+          <a:ln>
+            <a:noFill/>
+          </a:ln>
+          <a:effectLst>
+            <a:outerShdw blurRad="50800" dist="38100" dir="2700000" algn="tl" rotWithShape="0">
+              <a:srgbClr val="000000">
+                <a:alpha val="40000"/>
+              </a:srgbClr>
+            </a:outerShdw>
+          </a:effectLst>
+        </p:spPr>
+        <p:txBody>
+          <a:bodyPr spcFirstLastPara="1" wrap="square" lIns="121900" tIns="60933" rIns="121900" bIns="60933" anchor="ctr" anchorCtr="0">
+            <a:noAutofit/>
+          </a:bodyPr>
+          <a:lstStyle/>
+          <a:p>
+            <a:pPr algn="ctr"/>
+            <a:endParaRPr sz="2400">
+              <a:solidFill>
+                <a:schemeClr val="lt1"/>
+              </a:solidFill>
+              <a:latin typeface="Arial"/>
+              <a:ea typeface="Arial"/>
+              <a:cs typeface="Arial"/>
+              <a:sym typeface="Arial"/>
+            </a:endParaRPr>
+          </a:p>
+        </p:txBody>
+      </p:sp>
+      <p:sp>
+        <p:nvSpPr>
+          <p:cNvPr id="135" name="Google Shape;135;p16"/>
+          <p:cNvSpPr/>
+          <p:nvPr/>
+        </p:nvSpPr>
+        <p:spPr>
+          <a:xfrm>
+            <a:off x="-14515" y="149948"/>
+            <a:ext cx="1088572" cy="384043"/>
+          </a:xfrm>
+          <a:prstGeom prst="rect">
+            <a:avLst/>
+          </a:prstGeom>
+          <a:solidFill>
+            <a:srgbClr val="E00868"/>
+          </a:solidFill>
+          <a:ln>
+            <a:noFill/>
+          </a:ln>
+        </p:spPr>
+        <p:txBody>
+          <a:bodyPr spcFirstLastPara="1" wrap="square" lIns="121900" tIns="60933" rIns="121900" bIns="60933" anchor="ctr" anchorCtr="0">
+            <a:noAutofit/>
+          </a:bodyPr>
+          <a:lstStyle/>
+          <a:p>
+            <a:pPr algn="ctr"/>
+            <a:endParaRPr sz="2400">
+              <a:solidFill>
+                <a:schemeClr val="lt1"/>
+              </a:solidFill>
+              <a:latin typeface="Tmon몬소리OTF Black" panose="02000A03000000000000" pitchFamily="50" charset="-127"/>
+              <a:ea typeface="Tmon몬소리OTF Black" panose="02000A03000000000000" pitchFamily="50" charset="-127"/>
+              <a:cs typeface="Arial"/>
+              <a:sym typeface="Arial"/>
+            </a:endParaRPr>
+          </a:p>
+        </p:txBody>
+      </p:sp>
+      <p:cxnSp>
+        <p:nvCxnSpPr>
+          <p:cNvPr id="137" name="Google Shape;137;p16"/>
+          <p:cNvCxnSpPr/>
+          <p:nvPr/>
+        </p:nvCxnSpPr>
+        <p:spPr>
+          <a:xfrm>
+            <a:off x="1126708" y="345453"/>
+            <a:ext cx="1233624" cy="0"/>
+          </a:xfrm>
+          <a:prstGeom prst="straightConnector1">
+            <a:avLst/>
+          </a:prstGeom>
+          <a:noFill/>
+          <a:ln w="12700" cap="flat" cmpd="sng">
+            <a:solidFill>
+              <a:srgbClr val="E00868"/>
+            </a:solidFill>
+            <a:prstDash val="solid"/>
+            <a:round/>
+            <a:headEnd type="none" w="sm" len="sm"/>
+            <a:tailEnd type="none" w="sm" len="sm"/>
+          </a:ln>
+        </p:spPr>
+      </p:cxnSp>
+      <p:sp>
+        <p:nvSpPr>
+          <p:cNvPr id="138" name="Google Shape;138;p16"/>
+          <p:cNvSpPr/>
+          <p:nvPr/>
+        </p:nvSpPr>
+        <p:spPr>
+          <a:xfrm rot="5400000">
+            <a:off x="928275" y="295722"/>
+            <a:ext cx="386628" cy="95087"/>
+          </a:xfrm>
+          <a:prstGeom prst="triangle">
+            <a:avLst>
+              <a:gd name="adj" fmla="val 50000"/>
+            </a:avLst>
+          </a:prstGeom>
+          <a:solidFill>
+            <a:srgbClr val="E00868"/>
+          </a:solidFill>
+          <a:ln>
+            <a:noFill/>
+          </a:ln>
+        </p:spPr>
+        <p:txBody>
+          <a:bodyPr spcFirstLastPara="1" wrap="square" lIns="121900" tIns="60933" rIns="121900" bIns="60933" anchor="ctr" anchorCtr="0">
+            <a:noAutofit/>
+          </a:bodyPr>
+          <a:lstStyle/>
+          <a:p>
+            <a:pPr algn="ctr"/>
+            <a:endParaRPr sz="2400">
+              <a:solidFill>
+                <a:schemeClr val="lt1"/>
+              </a:solidFill>
+              <a:latin typeface="Tmon몬소리OTF Black" panose="02000A03000000000000" pitchFamily="50" charset="-127"/>
+              <a:ea typeface="Tmon몬소리OTF Black" panose="02000A03000000000000" pitchFamily="50" charset="-127"/>
+              <a:cs typeface="Arial"/>
+              <a:sym typeface="Arial"/>
+            </a:endParaRPr>
+          </a:p>
+        </p:txBody>
+      </p:sp>
+      <p:sp>
+        <p:nvSpPr>
+          <p:cNvPr id="139" name="Google Shape;139;p16"/>
+          <p:cNvSpPr txBox="1"/>
+          <p:nvPr/>
+        </p:nvSpPr>
+        <p:spPr>
+          <a:xfrm>
+            <a:off x="1047715" y="380980"/>
+            <a:ext cx="1931968" cy="529495"/>
+          </a:xfrm>
+          <a:prstGeom prst="rect">
+            <a:avLst/>
+          </a:prstGeom>
+          <a:noFill/>
+          <a:ln>
+            <a:noFill/>
+          </a:ln>
+        </p:spPr>
+        <p:txBody>
+          <a:bodyPr spcFirstLastPara="1" wrap="square" lIns="121900" tIns="60933" rIns="121900" bIns="60933" anchor="t" anchorCtr="0">
+            <a:noAutofit/>
+          </a:bodyPr>
+          <a:lstStyle/>
+          <a:p>
+            <a:r>
+              <a:rPr lang="en-US" altLang="ko-KR" sz="2800" b="1" dirty="0" err="1">
+                <a:solidFill>
+                  <a:schemeClr val="dk1"/>
+                </a:solidFill>
+                <a:latin typeface="Tmon몬소리OTF Black" panose="02000A03000000000000" pitchFamily="50" charset="-127"/>
+                <a:ea typeface="Tmon몬소리OTF Black" panose="02000A03000000000000" pitchFamily="50" charset="-127"/>
+                <a:cs typeface="Arial"/>
+                <a:sym typeface="Arial"/>
+              </a:rPr>
+              <a:t>Numpy</a:t>
+            </a:r>
+            <a:r>
+              <a:rPr lang="en-US" altLang="ko-KR" sz="2800" b="1" dirty="0">
+                <a:solidFill>
+                  <a:schemeClr val="dk1"/>
+                </a:solidFill>
+                <a:latin typeface="Tmon몬소리OTF Black" panose="02000A03000000000000" pitchFamily="50" charset="-127"/>
+                <a:ea typeface="Tmon몬소리OTF Black" panose="02000A03000000000000" pitchFamily="50" charset="-127"/>
+                <a:cs typeface="Arial"/>
+                <a:sym typeface="Arial"/>
+              </a:rPr>
+              <a:t> </a:t>
+            </a:r>
+            <a:endParaRPr lang="ko-KR" altLang="en-US" sz="2800" b="1" dirty="0">
+              <a:solidFill>
+                <a:schemeClr val="dk1"/>
+              </a:solidFill>
+              <a:latin typeface="Tmon몬소리OTF Black" panose="02000A03000000000000" pitchFamily="50" charset="-127"/>
+              <a:ea typeface="Tmon몬소리OTF Black" panose="02000A03000000000000" pitchFamily="50" charset="-127"/>
+              <a:cs typeface="Arial"/>
+              <a:sym typeface="Arial"/>
+            </a:endParaRPr>
+          </a:p>
+          <a:p>
+            <a:r>
+              <a:rPr lang="en-US" altLang="ko-KR" sz="2800" b="1" dirty="0" smtClean="0">
+                <a:solidFill>
+                  <a:schemeClr val="dk1"/>
+                </a:solidFill>
+                <a:latin typeface="Tmon몬소리OTF Black" panose="02000A03000000000000" pitchFamily="50" charset="-127"/>
+                <a:ea typeface="Tmon몬소리OTF Black" panose="02000A03000000000000" pitchFamily="50" charset="-127"/>
+                <a:cs typeface="Arial"/>
+                <a:sym typeface="Arial"/>
+              </a:rPr>
+              <a:t>   </a:t>
+            </a:r>
+            <a:endParaRPr lang="ko-KR" altLang="en-US" sz="2800" b="1" dirty="0">
+              <a:solidFill>
+                <a:schemeClr val="dk1"/>
+              </a:solidFill>
+              <a:latin typeface="Tmon몬소리OTF Black" panose="02000A03000000000000" pitchFamily="50" charset="-127"/>
+              <a:ea typeface="Tmon몬소리OTF Black" panose="02000A03000000000000" pitchFamily="50" charset="-127"/>
+              <a:cs typeface="Arial"/>
+              <a:sym typeface="Arial"/>
+            </a:endParaRPr>
+          </a:p>
+        </p:txBody>
+      </p:sp>
+      <p:sp>
+        <p:nvSpPr>
+          <p:cNvPr id="143" name="Google Shape;143;p16"/>
+          <p:cNvSpPr/>
+          <p:nvPr/>
+        </p:nvSpPr>
+        <p:spPr>
+          <a:xfrm>
+            <a:off x="203690" y="95227"/>
+            <a:ext cx="791373" cy="492443"/>
+          </a:xfrm>
+          <a:prstGeom prst="rect">
+            <a:avLst/>
+          </a:prstGeom>
+          <a:noFill/>
+          <a:ln>
+            <a:noFill/>
+          </a:ln>
+        </p:spPr>
+        <p:txBody>
+          <a:bodyPr spcFirstLastPara="1" wrap="square" lIns="121900" tIns="60933" rIns="121900" bIns="60933" anchor="t" anchorCtr="0">
+            <a:noAutofit/>
+          </a:bodyPr>
+          <a:lstStyle/>
+          <a:p>
+            <a:r>
+              <a:rPr lang="en-US" sz="2400" b="1" dirty="0">
+                <a:solidFill>
+                  <a:schemeClr val="lt1"/>
+                </a:solidFill>
+                <a:latin typeface="Tmon몬소리OTF Black" panose="02000A03000000000000" pitchFamily="50" charset="-127"/>
+                <a:ea typeface="Tmon몬소리OTF Black" panose="02000A03000000000000" pitchFamily="50" charset="-127"/>
+                <a:cs typeface="Arial"/>
+                <a:sym typeface="Arial"/>
+              </a:rPr>
+              <a:t>01</a:t>
+            </a:r>
+            <a:endParaRPr sz="2400" b="1" dirty="0">
+              <a:solidFill>
+                <a:schemeClr val="lt1"/>
+              </a:solidFill>
+              <a:latin typeface="Tmon몬소리OTF Black" panose="02000A03000000000000" pitchFamily="50" charset="-127"/>
+              <a:ea typeface="Tmon몬소리OTF Black" panose="02000A03000000000000" pitchFamily="50" charset="-127"/>
+              <a:cs typeface="Arial"/>
+              <a:sym typeface="Arial"/>
+            </a:endParaRPr>
+          </a:p>
+        </p:txBody>
+      </p:sp>
+      <p:sp>
+        <p:nvSpPr>
+          <p:cNvPr id="2" name="TextBox 1"/>
+          <p:cNvSpPr txBox="1"/>
+          <p:nvPr/>
+        </p:nvSpPr>
+        <p:spPr>
+          <a:xfrm>
+            <a:off x="599376" y="1122666"/>
+            <a:ext cx="7577215" cy="4339650"/>
+          </a:xfrm>
+          <a:prstGeom prst="rect">
+            <a:avLst/>
+          </a:prstGeom>
+          <a:noFill/>
+        </p:spPr>
+        <p:txBody>
+          <a:bodyPr wrap="square" rtlCol="0">
+            <a:spAutoFit/>
+          </a:bodyPr>
+          <a:lstStyle/>
+          <a:p>
+            <a:r>
+              <a:rPr lang="en-US" altLang="ko-KR" sz="2400" dirty="0">
+                <a:latin typeface="나눔스퀘어라운드 Bold" panose="020B0600000101010101" pitchFamily="50" charset="-127"/>
+                <a:ea typeface="나눔스퀘어라운드 Bold" panose="020B0600000101010101" pitchFamily="50" charset="-127"/>
+              </a:rPr>
+              <a:t>5</a:t>
+            </a:r>
+            <a:r>
+              <a:rPr lang="en-US" altLang="ko-KR" sz="2400" dirty="0" smtClean="0">
+                <a:latin typeface="나눔스퀘어라운드 Bold" panose="020B0600000101010101" pitchFamily="50" charset="-127"/>
+                <a:ea typeface="나눔스퀘어라운드 Bold" panose="020B0600000101010101" pitchFamily="50" charset="-127"/>
+              </a:rPr>
+              <a:t>. </a:t>
+            </a:r>
+            <a:r>
+              <a:rPr lang="en-US" altLang="ko-KR" sz="2400" dirty="0" err="1" smtClean="0">
+                <a:latin typeface="나눔스퀘어라운드 Bold" panose="020B0600000101010101" pitchFamily="50" charset="-127"/>
+                <a:ea typeface="나눔스퀘어라운드 Bold" panose="020B0600000101010101" pitchFamily="50" charset="-127"/>
+              </a:rPr>
+              <a:t>Ndarray</a:t>
+            </a:r>
+            <a:r>
+              <a:rPr lang="en-US" altLang="ko-KR" sz="2400" dirty="0" smtClean="0">
+                <a:latin typeface="나눔스퀘어라운드 Bold" panose="020B0600000101010101" pitchFamily="50" charset="-127"/>
+                <a:ea typeface="나눔스퀘어라운드 Bold" panose="020B0600000101010101" pitchFamily="50" charset="-127"/>
+              </a:rPr>
+              <a:t> (</a:t>
+            </a:r>
+            <a:r>
+              <a:rPr lang="ko-KR" altLang="en-US" sz="2400" dirty="0" smtClean="0">
+                <a:latin typeface="나눔스퀘어라운드 Bold" panose="020B0600000101010101" pitchFamily="50" charset="-127"/>
+                <a:ea typeface="나눔스퀘어라운드 Bold" panose="020B0600000101010101" pitchFamily="50" charset="-127"/>
+              </a:rPr>
+              <a:t>다차원 </a:t>
+            </a:r>
+            <a:r>
+              <a:rPr lang="en-US" altLang="ko-KR" sz="2400" dirty="0" smtClean="0">
+                <a:latin typeface="나눔스퀘어라운드 Bold" panose="020B0600000101010101" pitchFamily="50" charset="-127"/>
+                <a:ea typeface="나눔스퀘어라운드 Bold" panose="020B0600000101010101" pitchFamily="50" charset="-127"/>
+              </a:rPr>
+              <a:t>array)</a:t>
+            </a:r>
+          </a:p>
+          <a:p>
+            <a:pPr marL="800100" lvl="1" indent="-342900">
+              <a:lnSpc>
+                <a:spcPct val="150000"/>
+              </a:lnSpc>
+              <a:buFont typeface="Wingdings" panose="05000000000000000000" pitchFamily="2" charset="2"/>
+              <a:buChar char="§"/>
+            </a:pPr>
+            <a:r>
+              <a:rPr lang="en-US" altLang="ko-KR" sz="2400" dirty="0" err="1" smtClean="0">
+                <a:latin typeface="나눔스퀘어라운드 Bold" panose="020B0600000101010101" pitchFamily="50" charset="-127"/>
+                <a:ea typeface="나눔스퀘어라운드 Bold" panose="020B0600000101010101" pitchFamily="50" charset="-127"/>
+              </a:rPr>
+              <a:t>Numpy</a:t>
+            </a:r>
+            <a:r>
+              <a:rPr lang="ko-KR" altLang="en-US" sz="2400" dirty="0">
+                <a:latin typeface="나눔스퀘어라운드 Bold" panose="020B0600000101010101" pitchFamily="50" charset="-127"/>
+                <a:ea typeface="나눔스퀘어라운드 Bold" panose="020B0600000101010101" pitchFamily="50" charset="-127"/>
+              </a:rPr>
+              <a:t>는</a:t>
+            </a:r>
+            <a:r>
+              <a:rPr lang="ko-KR" altLang="en-US" sz="2400" dirty="0" smtClean="0">
+                <a:latin typeface="나눔스퀘어라운드 Bold" panose="020B0600000101010101" pitchFamily="50" charset="-127"/>
+                <a:ea typeface="나눔스퀘어라운드 Bold" panose="020B0600000101010101" pitchFamily="50" charset="-127"/>
+              </a:rPr>
+              <a:t> 다차원 배열을 지원하고 배열의 구조는 </a:t>
+            </a:r>
+            <a:r>
+              <a:rPr lang="en-US" altLang="ko-KR" sz="2400" dirty="0" smtClean="0">
+                <a:latin typeface="나눔스퀘어라운드 Bold" panose="020B0600000101010101" pitchFamily="50" charset="-127"/>
+                <a:ea typeface="나눔스퀘어라운드 Bold" panose="020B0600000101010101" pitchFamily="50" charset="-127"/>
+              </a:rPr>
+              <a:t>‘shape’</a:t>
+            </a:r>
+            <a:r>
+              <a:rPr lang="ko-KR" altLang="en-US" sz="2400" dirty="0" smtClean="0">
+                <a:latin typeface="나눔스퀘어라운드 Bold" panose="020B0600000101010101" pitchFamily="50" charset="-127"/>
+                <a:ea typeface="나눔스퀘어라운드 Bold" panose="020B0600000101010101" pitchFamily="50" charset="-127"/>
+              </a:rPr>
+              <a:t>으로 표현된다</a:t>
+            </a:r>
+            <a:endParaRPr lang="en-US" altLang="ko-KR" sz="2400" dirty="0" smtClean="0">
+              <a:latin typeface="나눔스퀘어라운드 Bold" panose="020B0600000101010101" pitchFamily="50" charset="-127"/>
+              <a:ea typeface="나눔스퀘어라운드 Bold" panose="020B0600000101010101" pitchFamily="50" charset="-127"/>
+            </a:endParaRPr>
+          </a:p>
+          <a:p>
+            <a:pPr marL="800100" lvl="1" indent="-342900">
+              <a:lnSpc>
+                <a:spcPct val="150000"/>
+              </a:lnSpc>
+              <a:buFont typeface="Wingdings" panose="05000000000000000000" pitchFamily="2" charset="2"/>
+              <a:buChar char="§"/>
+            </a:pPr>
+            <a:r>
+              <a:rPr lang="ko-KR" altLang="en-US" sz="2400" dirty="0" smtClean="0">
+                <a:latin typeface="나눔스퀘어라운드 Bold" panose="020B0600000101010101" pitchFamily="50" charset="-127"/>
+                <a:ea typeface="나눔스퀘어라운드 Bold" panose="020B0600000101010101" pitchFamily="50" charset="-127"/>
+              </a:rPr>
+              <a:t>다차원 배열은 입체적인 데이터 구조를 가진다</a:t>
+            </a:r>
+            <a:endParaRPr lang="en-US" altLang="ko-KR" sz="2400" dirty="0" smtClean="0">
+              <a:latin typeface="나눔스퀘어라운드 Bold" panose="020B0600000101010101" pitchFamily="50" charset="-127"/>
+              <a:ea typeface="나눔스퀘어라운드 Bold" panose="020B0600000101010101" pitchFamily="50" charset="-127"/>
+            </a:endParaRPr>
+          </a:p>
+          <a:p>
+            <a:pPr marL="800100" lvl="1" indent="-342900">
+              <a:lnSpc>
+                <a:spcPct val="150000"/>
+              </a:lnSpc>
+              <a:buFont typeface="Wingdings" panose="05000000000000000000" pitchFamily="2" charset="2"/>
+              <a:buChar char="§"/>
+            </a:pPr>
+            <a:r>
+              <a:rPr lang="ko-KR" altLang="en-US" sz="2400" dirty="0" smtClean="0">
+                <a:latin typeface="나눔스퀘어라운드 Bold" panose="020B0600000101010101" pitchFamily="50" charset="-127"/>
+                <a:ea typeface="나눔스퀘어라운드 Bold" panose="020B0600000101010101" pitchFamily="50" charset="-127"/>
+              </a:rPr>
+              <a:t>데이터 방향은 </a:t>
+            </a:r>
+            <a:r>
+              <a:rPr lang="en-US" altLang="ko-KR" sz="2400" dirty="0" smtClean="0">
+                <a:latin typeface="나눔스퀘어라운드 Bold" panose="020B0600000101010101" pitchFamily="50" charset="-127"/>
+                <a:ea typeface="나눔스퀘어라운드 Bold" panose="020B0600000101010101" pitchFamily="50" charset="-127"/>
+              </a:rPr>
+              <a:t>axis</a:t>
+            </a:r>
+            <a:r>
+              <a:rPr lang="ko-KR" altLang="en-US" sz="2400" dirty="0" smtClean="0">
+                <a:latin typeface="나눔스퀘어라운드 Bold" panose="020B0600000101010101" pitchFamily="50" charset="-127"/>
+                <a:ea typeface="나눔스퀘어라운드 Bold" panose="020B0600000101010101" pitchFamily="50" charset="-127"/>
+              </a:rPr>
+              <a:t>로 표현한다</a:t>
+            </a:r>
+            <a:endParaRPr lang="en-US" altLang="ko-KR" sz="2400" dirty="0" smtClean="0">
+              <a:latin typeface="나눔스퀘어라운드 Bold" panose="020B0600000101010101" pitchFamily="50" charset="-127"/>
+              <a:ea typeface="나눔스퀘어라운드 Bold" panose="020B0600000101010101" pitchFamily="50" charset="-127"/>
+            </a:endParaRPr>
+          </a:p>
+          <a:p>
+            <a:pPr marL="1257300" lvl="2" indent="-342900">
+              <a:lnSpc>
+                <a:spcPct val="150000"/>
+              </a:lnSpc>
+              <a:buFont typeface="Arial" panose="020B0604020202020204" pitchFamily="34" charset="0"/>
+              <a:buChar char="•"/>
+            </a:pPr>
+            <a:r>
+              <a:rPr lang="ko-KR" altLang="en-US" sz="2400" dirty="0" smtClean="0">
+                <a:latin typeface="나눔스퀘어라운드 Bold" panose="020B0600000101010101" pitchFamily="50" charset="-127"/>
+                <a:ea typeface="나눔스퀘어라운드 Bold" panose="020B0600000101010101" pitchFamily="50" charset="-127"/>
+              </a:rPr>
+              <a:t>행 방향 </a:t>
+            </a:r>
+            <a:r>
+              <a:rPr lang="en-US" altLang="ko-KR" sz="2400" dirty="0" smtClean="0">
+                <a:latin typeface="나눔스퀘어라운드 Bold" panose="020B0600000101010101" pitchFamily="50" charset="-127"/>
+                <a:ea typeface="나눔스퀘어라운드 Bold" panose="020B0600000101010101" pitchFamily="50" charset="-127"/>
+              </a:rPr>
+              <a:t>: axis = 0</a:t>
+            </a:r>
+          </a:p>
+          <a:p>
+            <a:pPr marL="1257300" lvl="2" indent="-342900">
+              <a:lnSpc>
+                <a:spcPct val="150000"/>
+              </a:lnSpc>
+              <a:buFont typeface="Arial" panose="020B0604020202020204" pitchFamily="34" charset="0"/>
+              <a:buChar char="•"/>
+            </a:pPr>
+            <a:r>
+              <a:rPr lang="ko-KR" altLang="en-US" sz="2400" dirty="0" smtClean="0">
+                <a:latin typeface="나눔스퀘어라운드 Bold" panose="020B0600000101010101" pitchFamily="50" charset="-127"/>
+                <a:ea typeface="나눔스퀘어라운드 Bold" panose="020B0600000101010101" pitchFamily="50" charset="-127"/>
+              </a:rPr>
+              <a:t>열 방향 </a:t>
+            </a:r>
+            <a:r>
+              <a:rPr lang="en-US" altLang="ko-KR" sz="2400" dirty="0" smtClean="0">
+                <a:latin typeface="나눔스퀘어라운드 Bold" panose="020B0600000101010101" pitchFamily="50" charset="-127"/>
+                <a:ea typeface="나눔스퀘어라운드 Bold" panose="020B0600000101010101" pitchFamily="50" charset="-127"/>
+              </a:rPr>
+              <a:t>: axis = 1</a:t>
+            </a:r>
+          </a:p>
+          <a:p>
+            <a:pPr marL="1257300" lvl="2" indent="-342900">
+              <a:lnSpc>
+                <a:spcPct val="150000"/>
+              </a:lnSpc>
+              <a:buFont typeface="Arial" panose="020B0604020202020204" pitchFamily="34" charset="0"/>
+              <a:buChar char="•"/>
+            </a:pPr>
+            <a:r>
+              <a:rPr lang="ko-KR" altLang="en-US" sz="2400" dirty="0" smtClean="0">
+                <a:latin typeface="나눔스퀘어라운드 Bold" panose="020B0600000101010101" pitchFamily="50" charset="-127"/>
+                <a:ea typeface="나눔스퀘어라운드 Bold" panose="020B0600000101010101" pitchFamily="50" charset="-127"/>
+              </a:rPr>
+              <a:t>채널 방향 </a:t>
+            </a:r>
+            <a:r>
+              <a:rPr lang="en-US" altLang="ko-KR" sz="2400" dirty="0" smtClean="0">
+                <a:latin typeface="나눔스퀘어라운드 Bold" panose="020B0600000101010101" pitchFamily="50" charset="-127"/>
+                <a:ea typeface="나눔스퀘어라운드 Bold" panose="020B0600000101010101" pitchFamily="50" charset="-127"/>
+              </a:rPr>
+              <a:t>: axis = 2</a:t>
+            </a:r>
+          </a:p>
+        </p:txBody>
+      </p:sp>
       <p:pic>
         <p:nvPicPr>
-          <p:cNvPr id="3" name="그림 2"/>
+          <p:cNvPr id="20" name="그림 19"/>
           <p:cNvPicPr>
             <a:picLocks noChangeAspect="1"/>
           </p:cNvPicPr>
           <p:nvPr/>
         </p:nvPicPr>
         <p:blipFill>
-          <a:blip r:embed="rId4">
+          <a:blip r:embed="rId4" cstate="print">
             <a:extLst>
               <a:ext uri="{28A0092B-C50C-407E-A947-70E740481C1C}">
                 <a14:useLocalDpi xmlns:a14="http://schemas.microsoft.com/office/drawing/2010/main" val="0"/>
@@ -10785,8 +11657,8 @@
         </p:blipFill>
         <p:spPr>
           <a:xfrm>
-            <a:off x="6325927" y="1781475"/>
-            <a:ext cx="5623068" cy="4217301"/>
+            <a:off x="10537902" y="189570"/>
+            <a:ext cx="1411093" cy="821996"/>
           </a:xfrm>
           <a:prstGeom prst="rect">
             <a:avLst/>
@@ -10795,13 +11667,13 @@
       </p:pic>
       <p:sp>
         <p:nvSpPr>
-          <p:cNvPr id="4" name="TextBox 3"/>
+          <p:cNvPr id="14" name="TextBox 13"/>
           <p:cNvSpPr txBox="1"/>
           <p:nvPr/>
         </p:nvSpPr>
         <p:spPr>
           <a:xfrm>
-            <a:off x="11116966" y="5998776"/>
+            <a:off x="11243448" y="6462603"/>
             <a:ext cx="832029" cy="215444"/>
           </a:xfrm>
           <a:prstGeom prst="rect">
@@ -10841,7 +11713,7 @@
                 <a:latin typeface="나눔스퀘어 Bold" panose="020B0600000101010101" pitchFamily="50" charset="-127"/>
                 <a:ea typeface="나눔스퀘어 Bold" panose="020B0600000101010101" pitchFamily="50" charset="-127"/>
               </a:rPr>
-              <a:t>astroml</a:t>
+              <a:t>oreilly</a:t>
             </a:r>
             <a:endParaRPr lang="ko-KR" altLang="en-US" sz="800" dirty="0">
               <a:latin typeface="나눔스퀘어 Bold" panose="020B0600000101010101" pitchFamily="50" charset="-127"/>
@@ -10853,7 +11725,7 @@
     </p:spTree>
     <p:extLst>
       <p:ext uri="{BB962C8B-B14F-4D97-AF65-F5344CB8AC3E}">
-        <p14:creationId xmlns:p14="http://schemas.microsoft.com/office/powerpoint/2010/main" val="1383615584"/>
+        <p14:creationId xmlns:p14="http://schemas.microsoft.com/office/powerpoint/2010/main" val="796579669"/>
       </p:ext>
     </p:extLst>
   </p:cSld>
@@ -10878,7 +11750,7 @@
   <p:cSld>
     <p:spTree>
       <p:nvGrpSpPr>
-        <p:cNvPr id="1" name="Shape 124"/>
+        <p:cNvPr id="1" name="Shape 133"/>
         <p:cNvGrpSpPr/>
         <p:nvPr/>
       </p:nvGrpSpPr>
@@ -10892,20 +11764,20 @@
       </p:grpSpPr>
       <p:cxnSp>
         <p:nvCxnSpPr>
-          <p:cNvPr id="125" name="Google Shape;125;p15"/>
+          <p:cNvPr id="15" name="Google Shape;134;p16"/>
           <p:cNvCxnSpPr/>
           <p:nvPr/>
         </p:nvCxnSpPr>
         <p:spPr>
           <a:xfrm>
-            <a:off x="5129063" y="3064838"/>
-            <a:ext cx="2655694" cy="0"/>
+            <a:off x="431371" y="344696"/>
+            <a:ext cx="9660647" cy="0"/>
           </a:xfrm>
           <a:prstGeom prst="straightConnector1">
             <a:avLst/>
           </a:prstGeom>
           <a:noFill/>
-          <a:ln w="57150" cap="flat" cmpd="sng">
+          <a:ln w="12700" cap="flat" cmpd="sng">
             <a:solidFill>
               <a:srgbClr val="BFBFBF"/>
             </a:solidFill>
@@ -10918,47 +11790,45 @@
       </p:cxnSp>
       <p:sp>
         <p:nvSpPr>
-          <p:cNvPr id="126" name="Google Shape;126;p15"/>
-          <p:cNvSpPr txBox="1"/>
+          <p:cNvPr id="18" name="Google Shape;136;p16"/>
+          <p:cNvSpPr/>
           <p:nvPr/>
         </p:nvSpPr>
         <p:spPr>
           <a:xfrm>
-            <a:off x="5466825" y="3316293"/>
-            <a:ext cx="1619775" cy="574236"/>
+            <a:off x="10086439" y="187755"/>
+            <a:ext cx="60959" cy="360904"/>
           </a:xfrm>
           <a:prstGeom prst="rect">
             <a:avLst/>
           </a:prstGeom>
-          <a:noFill/>
+          <a:solidFill>
+            <a:srgbClr val="7F7F7F"/>
+          </a:solidFill>
           <a:ln>
             <a:noFill/>
           </a:ln>
-        </p:spPr>
-        <p:txBody>
-          <a:bodyPr spcFirstLastPara="1" wrap="square" lIns="121900" tIns="60933" rIns="121900" bIns="60933" anchor="t" anchorCtr="0">
+          <a:effectLst>
+            <a:outerShdw blurRad="50800" dist="38100" dir="2700000" algn="tl" rotWithShape="0">
+              <a:srgbClr val="000000">
+                <a:alpha val="40000"/>
+              </a:srgbClr>
+            </a:outerShdw>
+          </a:effectLst>
+        </p:spPr>
+        <p:txBody>
+          <a:bodyPr spcFirstLastPara="1" wrap="square" lIns="121900" tIns="60933" rIns="121900" bIns="60933" anchor="ctr" anchorCtr="0">
             <a:noAutofit/>
           </a:bodyPr>
           <a:lstStyle/>
           <a:p>
-            <a:r>
-              <a:rPr lang="en-US" sz="2800" dirty="0" smtClean="0">
-                <a:solidFill>
-                  <a:schemeClr val="dk1"/>
-                </a:solidFill>
-                <a:latin typeface="Tmon몬소리OTF Black" panose="02000A03000000000000" pitchFamily="50" charset="-127"/>
-                <a:ea typeface="Tmon몬소리OTF Black" panose="02000A03000000000000" pitchFamily="50" charset="-127"/>
-                <a:cs typeface="Arial"/>
-                <a:sym typeface="Arial"/>
-              </a:rPr>
-              <a:t>Pandas</a:t>
-            </a:r>
-            <a:endParaRPr sz="2800" dirty="0">
+            <a:pPr algn="ctr"/>
+            <a:endParaRPr sz="2400">
               <a:solidFill>
-                <a:schemeClr val="dk1"/>
+                <a:schemeClr val="lt1"/>
               </a:solidFill>
-              <a:latin typeface="Tmon몬소리OTF Black" panose="02000A03000000000000" pitchFamily="50" charset="-127"/>
-              <a:ea typeface="Tmon몬소리OTF Black" panose="02000A03000000000000" pitchFamily="50" charset="-127"/>
+              <a:latin typeface="Arial"/>
+              <a:ea typeface="Arial"/>
               <a:cs typeface="Arial"/>
               <a:sym typeface="Arial"/>
             </a:endParaRPr>
@@ -10967,14 +11837,14 @@
       </p:sp>
       <p:sp>
         <p:nvSpPr>
-          <p:cNvPr id="127" name="Google Shape;127;p15"/>
+          <p:cNvPr id="135" name="Google Shape;135;p16"/>
           <p:cNvSpPr/>
           <p:nvPr/>
         </p:nvSpPr>
         <p:spPr>
           <a:xfrm>
-            <a:off x="4456988" y="2779518"/>
-            <a:ext cx="808255" cy="718963"/>
+            <a:off x="-14515" y="149948"/>
+            <a:ext cx="1088572" cy="384043"/>
           </a:xfrm>
           <a:prstGeom prst="rect">
             <a:avLst/>
@@ -11005,16 +11875,84 @@
           </a:p>
         </p:txBody>
       </p:sp>
-      <p:sp>
-        <p:nvSpPr>
-          <p:cNvPr id="128" name="Google Shape;128;p15"/>
+      <p:cxnSp>
+        <p:nvCxnSpPr>
+          <p:cNvPr id="137" name="Google Shape;137;p16"/>
+          <p:cNvCxnSpPr/>
+          <p:nvPr/>
+        </p:nvCxnSpPr>
+        <p:spPr>
+          <a:xfrm>
+            <a:off x="1126708" y="345453"/>
+            <a:ext cx="1233624" cy="0"/>
+          </a:xfrm>
+          <a:prstGeom prst="straightConnector1">
+            <a:avLst/>
+          </a:prstGeom>
+          <a:noFill/>
+          <a:ln w="12700" cap="flat" cmpd="sng">
+            <a:solidFill>
+              <a:srgbClr val="E00868"/>
+            </a:solidFill>
+            <a:prstDash val="solid"/>
+            <a:round/>
+            <a:headEnd type="none" w="sm" len="sm"/>
+            <a:tailEnd type="none" w="sm" len="sm"/>
+          </a:ln>
+        </p:spPr>
+      </p:cxnSp>
+      <p:sp>
+        <p:nvSpPr>
+          <p:cNvPr id="138" name="Google Shape;138;p16"/>
+          <p:cNvSpPr/>
+          <p:nvPr/>
+        </p:nvSpPr>
+        <p:spPr>
+          <a:xfrm rot="5400000">
+            <a:off x="928275" y="295722"/>
+            <a:ext cx="386628" cy="95087"/>
+          </a:xfrm>
+          <a:prstGeom prst="triangle">
+            <a:avLst>
+              <a:gd name="adj" fmla="val 50000"/>
+            </a:avLst>
+          </a:prstGeom>
+          <a:solidFill>
+            <a:srgbClr val="E00868"/>
+          </a:solidFill>
+          <a:ln>
+            <a:noFill/>
+          </a:ln>
+        </p:spPr>
+        <p:txBody>
+          <a:bodyPr spcFirstLastPara="1" wrap="square" lIns="121900" tIns="60933" rIns="121900" bIns="60933" anchor="ctr" anchorCtr="0">
+            <a:noAutofit/>
+          </a:bodyPr>
+          <a:lstStyle/>
+          <a:p>
+            <a:pPr algn="ctr"/>
+            <a:endParaRPr sz="2400">
+              <a:solidFill>
+                <a:schemeClr val="lt1"/>
+              </a:solidFill>
+              <a:latin typeface="Tmon몬소리OTF Black" panose="02000A03000000000000" pitchFamily="50" charset="-127"/>
+              <a:ea typeface="Tmon몬소리OTF Black" panose="02000A03000000000000" pitchFamily="50" charset="-127"/>
+              <a:cs typeface="Arial"/>
+              <a:sym typeface="Arial"/>
+            </a:endParaRPr>
+          </a:p>
+        </p:txBody>
+      </p:sp>
+      <p:sp>
+        <p:nvSpPr>
+          <p:cNvPr id="139" name="Google Shape;139;p16"/>
           <p:cNvSpPr txBox="1"/>
           <p:nvPr/>
         </p:nvSpPr>
         <p:spPr>
           <a:xfrm>
-            <a:off x="4496935" y="2813384"/>
-            <a:ext cx="760060" cy="656213"/>
+            <a:off x="1047715" y="380980"/>
+            <a:ext cx="1931968" cy="529495"/>
           </a:xfrm>
           <a:prstGeom prst="rect">
             <a:avLst/>
@@ -11030,13 +11968,92 @@
           </a:bodyPr>
           <a:lstStyle/>
           <a:p>
-            <a:pPr algn="ctr">
-              <a:lnSpc>
-                <a:spcPct val="150000"/>
-              </a:lnSpc>
-            </a:pPr>
-            <a:r>
-              <a:rPr lang="en-US" sz="2400" b="1" dirty="0" smtClean="0">
+            <a:r>
+              <a:rPr lang="en-US" altLang="ko-KR" sz="2800" b="1" dirty="0" err="1">
+                <a:solidFill>
+                  <a:schemeClr val="dk1"/>
+                </a:solidFill>
+                <a:latin typeface="Tmon몬소리OTF Black" panose="02000A03000000000000" pitchFamily="50" charset="-127"/>
+                <a:ea typeface="Tmon몬소리OTF Black" panose="02000A03000000000000" pitchFamily="50" charset="-127"/>
+                <a:cs typeface="Arial"/>
+                <a:sym typeface="Arial"/>
+              </a:rPr>
+              <a:t>Numpy</a:t>
+            </a:r>
+            <a:r>
+              <a:rPr lang="en-US" altLang="ko-KR" sz="2800" b="1" dirty="0">
+                <a:solidFill>
+                  <a:schemeClr val="dk1"/>
+                </a:solidFill>
+                <a:latin typeface="Tmon몬소리OTF Black" panose="02000A03000000000000" pitchFamily="50" charset="-127"/>
+                <a:ea typeface="Tmon몬소리OTF Black" panose="02000A03000000000000" pitchFamily="50" charset="-127"/>
+                <a:cs typeface="Arial"/>
+                <a:sym typeface="Arial"/>
+              </a:rPr>
+              <a:t> </a:t>
+            </a:r>
+            <a:endParaRPr lang="ko-KR" altLang="en-US" sz="2800" b="1" dirty="0">
+              <a:solidFill>
+                <a:schemeClr val="dk1"/>
+              </a:solidFill>
+              <a:latin typeface="Tmon몬소리OTF Black" panose="02000A03000000000000" pitchFamily="50" charset="-127"/>
+              <a:ea typeface="Tmon몬소리OTF Black" panose="02000A03000000000000" pitchFamily="50" charset="-127"/>
+              <a:cs typeface="Arial"/>
+              <a:sym typeface="Arial"/>
+            </a:endParaRPr>
+          </a:p>
+          <a:p>
+            <a:r>
+              <a:rPr lang="en-US" altLang="ko-KR" sz="2800" b="1" dirty="0" smtClean="0">
+                <a:solidFill>
+                  <a:schemeClr val="dk1"/>
+                </a:solidFill>
+                <a:latin typeface="Tmon몬소리OTF Black" panose="02000A03000000000000" pitchFamily="50" charset="-127"/>
+                <a:ea typeface="Tmon몬소리OTF Black" panose="02000A03000000000000" pitchFamily="50" charset="-127"/>
+                <a:cs typeface="Arial"/>
+                <a:sym typeface="Arial"/>
+              </a:rPr>
+              <a:t>   </a:t>
+            </a:r>
+            <a:endParaRPr lang="ko-KR" altLang="en-US" sz="2800" b="1" dirty="0">
+              <a:solidFill>
+                <a:schemeClr val="dk1"/>
+              </a:solidFill>
+              <a:latin typeface="Tmon몬소리OTF Black" panose="02000A03000000000000" pitchFamily="50" charset="-127"/>
+              <a:ea typeface="Tmon몬소리OTF Black" panose="02000A03000000000000" pitchFamily="50" charset="-127"/>
+              <a:cs typeface="Arial"/>
+              <a:sym typeface="Arial"/>
+            </a:endParaRPr>
+          </a:p>
+        </p:txBody>
+      </p:sp>
+      <p:sp>
+        <p:nvSpPr>
+          <p:cNvPr id="143" name="Google Shape;143;p16"/>
+          <p:cNvSpPr/>
+          <p:nvPr/>
+        </p:nvSpPr>
+        <p:spPr>
+          <a:xfrm>
+            <a:off x="203690" y="95227"/>
+            <a:ext cx="791373" cy="492443"/>
+          </a:xfrm>
+          <a:prstGeom prst="rect">
+            <a:avLst/>
+          </a:prstGeom>
+          <a:noFill/>
+          <a:ln>
+            <a:noFill/>
+          </a:ln>
+        </p:spPr>
+        <p:txBody>
+          <a:bodyPr spcFirstLastPara="1" wrap="square" lIns="121900" tIns="60933" rIns="121900" bIns="60933" anchor="t" anchorCtr="0">
+            <a:noAutofit/>
+          </a:bodyPr>
+          <a:lstStyle/>
+          <a:p>
+            <a:r>
+              <a:rPr lang="en-US" sz="2400" b="1" dirty="0">
                 <a:solidFill>
                   <a:schemeClr val="lt1"/>
                 </a:solidFill>
@@ -11045,7 +12062,7 @@
                 <a:cs typeface="Arial"/>
                 <a:sym typeface="Arial"/>
               </a:rPr>
-              <a:t>02</a:t>
+              <a:t>01</a:t>
             </a:r>
             <a:endParaRPr sz="2400" b="1" dirty="0">
               <a:solidFill>
@@ -11059,9 +12076,232 @@
           </a:p>
         </p:txBody>
       </p:sp>
+      <p:sp>
+        <p:nvSpPr>
+          <p:cNvPr id="2" name="TextBox 1"/>
+          <p:cNvSpPr txBox="1"/>
+          <p:nvPr/>
+        </p:nvSpPr>
+        <p:spPr>
+          <a:xfrm>
+            <a:off x="586126" y="1422250"/>
+            <a:ext cx="5655649" cy="4016484"/>
+          </a:xfrm>
+          <a:prstGeom prst="rect">
+            <a:avLst/>
+          </a:prstGeom>
+          <a:noFill/>
+        </p:spPr>
+        <p:txBody>
+          <a:bodyPr wrap="square" rtlCol="0">
+            <a:spAutoFit/>
+          </a:bodyPr>
+          <a:lstStyle/>
+          <a:p>
+            <a:r>
+              <a:rPr lang="en-US" altLang="ko-KR" sz="2400" dirty="0">
+                <a:latin typeface="나눔스퀘어라운드 Bold" panose="020B0600000101010101" pitchFamily="50" charset="-127"/>
+                <a:ea typeface="나눔스퀘어라운드 Bold" panose="020B0600000101010101" pitchFamily="50" charset="-127"/>
+              </a:rPr>
+              <a:t>6</a:t>
+            </a:r>
+            <a:r>
+              <a:rPr lang="en-US" altLang="ko-KR" sz="2400" dirty="0" smtClean="0">
+                <a:latin typeface="나눔스퀘어라운드 Bold" panose="020B0600000101010101" pitchFamily="50" charset="-127"/>
+                <a:ea typeface="나눔스퀘어라운드 Bold" panose="020B0600000101010101" pitchFamily="50" charset="-127"/>
+              </a:rPr>
+              <a:t>. </a:t>
+            </a:r>
+            <a:r>
+              <a:rPr lang="ko-KR" altLang="en-US" sz="2400" dirty="0" err="1" smtClean="0">
+                <a:latin typeface="나눔스퀘어라운드 Bold" panose="020B0600000101010101" pitchFamily="50" charset="-127"/>
+                <a:ea typeface="나눔스퀘어라운드 Bold" panose="020B0600000101010101" pitchFamily="50" charset="-127"/>
+              </a:rPr>
+              <a:t>브로드캐스팅</a:t>
+            </a:r>
+            <a:endParaRPr lang="en-US" altLang="ko-KR" sz="2400" dirty="0" smtClean="0">
+              <a:latin typeface="나눔스퀘어라운드 Bold" panose="020B0600000101010101" pitchFamily="50" charset="-127"/>
+              <a:ea typeface="나눔스퀘어라운드 Bold" panose="020B0600000101010101" pitchFamily="50" charset="-127"/>
+            </a:endParaRPr>
+          </a:p>
+          <a:p>
+            <a:endParaRPr lang="en-US" altLang="ko-KR" sz="2400" dirty="0" smtClean="0">
+              <a:latin typeface="나눔스퀘어라운드 Bold" panose="020B0600000101010101" pitchFamily="50" charset="-127"/>
+              <a:ea typeface="나눔스퀘어라운드 Bold" panose="020B0600000101010101" pitchFamily="50" charset="-127"/>
+            </a:endParaRPr>
+          </a:p>
+          <a:p>
+            <a:pPr marL="800100" lvl="1" indent="-342900">
+              <a:lnSpc>
+                <a:spcPct val="150000"/>
+              </a:lnSpc>
+              <a:buFont typeface="Wingdings" panose="05000000000000000000" pitchFamily="2" charset="2"/>
+              <a:buChar char="§"/>
+            </a:pPr>
+            <a:r>
+              <a:rPr lang="ko-KR" altLang="en-US" sz="2400" dirty="0" smtClean="0">
+                <a:latin typeface="나눔스퀘어라운드 Bold" panose="020B0600000101010101" pitchFamily="50" charset="-127"/>
+                <a:ea typeface="나눔스퀘어라운드 Bold" panose="020B0600000101010101" pitchFamily="50" charset="-127"/>
+              </a:rPr>
+              <a:t>크기가 다른 배열 간의 연산 함수를 </a:t>
+            </a:r>
+            <a:endParaRPr lang="en-US" altLang="ko-KR" sz="2400" dirty="0" smtClean="0">
+              <a:latin typeface="나눔스퀘어라운드 Bold" panose="020B0600000101010101" pitchFamily="50" charset="-127"/>
+              <a:ea typeface="나눔스퀘어라운드 Bold" panose="020B0600000101010101" pitchFamily="50" charset="-127"/>
+            </a:endParaRPr>
+          </a:p>
+          <a:p>
+            <a:pPr lvl="1">
+              <a:lnSpc>
+                <a:spcPct val="150000"/>
+              </a:lnSpc>
+            </a:pPr>
+            <a:r>
+              <a:rPr lang="en-US" altLang="ko-KR" sz="2400" dirty="0" smtClean="0">
+                <a:latin typeface="나눔스퀘어라운드 Bold" panose="020B0600000101010101" pitchFamily="50" charset="-127"/>
+                <a:ea typeface="나눔스퀘어라운드 Bold" panose="020B0600000101010101" pitchFamily="50" charset="-127"/>
+              </a:rPr>
+              <a:t>     </a:t>
+            </a:r>
+            <a:r>
+              <a:rPr lang="ko-KR" altLang="en-US" sz="2400" dirty="0" smtClean="0">
+                <a:latin typeface="나눔스퀘어라운드 Bold" panose="020B0600000101010101" pitchFamily="50" charset="-127"/>
+                <a:ea typeface="나눔스퀘어라운드 Bold" panose="020B0600000101010101" pitchFamily="50" charset="-127"/>
+              </a:rPr>
+              <a:t>적용하는 규칙 집합</a:t>
+            </a:r>
+            <a:endParaRPr lang="en-US" altLang="ko-KR" sz="2400" dirty="0" smtClean="0">
+              <a:latin typeface="나눔스퀘어라운드 Bold" panose="020B0600000101010101" pitchFamily="50" charset="-127"/>
+              <a:ea typeface="나눔스퀘어라운드 Bold" panose="020B0600000101010101" pitchFamily="50" charset="-127"/>
+            </a:endParaRPr>
+          </a:p>
+          <a:p>
+            <a:pPr lvl="1">
+              <a:lnSpc>
+                <a:spcPct val="150000"/>
+              </a:lnSpc>
+            </a:pPr>
+            <a:endParaRPr lang="en-US" altLang="ko-KR" sz="2400" dirty="0" smtClean="0">
+              <a:latin typeface="나눔스퀘어라운드 Bold" panose="020B0600000101010101" pitchFamily="50" charset="-127"/>
+              <a:ea typeface="나눔스퀘어라운드 Bold" panose="020B0600000101010101" pitchFamily="50" charset="-127"/>
+            </a:endParaRPr>
+          </a:p>
+          <a:p>
+            <a:pPr marL="1257300" lvl="2" indent="-342900">
+              <a:lnSpc>
+                <a:spcPct val="150000"/>
+              </a:lnSpc>
+              <a:buFont typeface="Arial" panose="020B0604020202020204" pitchFamily="34" charset="0"/>
+              <a:buChar char="•"/>
+            </a:pPr>
+            <a:r>
+              <a:rPr lang="en-US" altLang="ko-KR" sz="2200" dirty="0" err="1" smtClean="0">
+                <a:latin typeface="나눔스퀘어라운드 Bold" panose="020B0600000101010101" pitchFamily="50" charset="-127"/>
+                <a:ea typeface="나눔스퀘어라운드 Bold" panose="020B0600000101010101" pitchFamily="50" charset="-127"/>
+              </a:rPr>
+              <a:t>mxn</a:t>
+            </a:r>
+            <a:r>
+              <a:rPr lang="en-US" altLang="ko-KR" sz="2200" dirty="0" smtClean="0">
+                <a:latin typeface="나눔스퀘어라운드 Bold" panose="020B0600000101010101" pitchFamily="50" charset="-127"/>
+                <a:ea typeface="나눔스퀘어라운드 Bold" panose="020B0600000101010101" pitchFamily="50" charset="-127"/>
+              </a:rPr>
+              <a:t> </a:t>
+            </a:r>
+            <a:r>
+              <a:rPr lang="ko-KR" altLang="en-US" sz="2200" dirty="0">
+                <a:latin typeface="나눔스퀘어라운드 Bold" panose="020B0600000101010101" pitchFamily="50" charset="-127"/>
+                <a:ea typeface="나눔스퀘어라운드 Bold" panose="020B0600000101010101" pitchFamily="50" charset="-127"/>
+              </a:rPr>
+              <a:t>행렬과 </a:t>
+            </a:r>
+            <a:r>
+              <a:rPr lang="en-US" altLang="ko-KR" sz="2200" dirty="0">
+                <a:latin typeface="나눔스퀘어라운드 Bold" panose="020B0600000101010101" pitchFamily="50" charset="-127"/>
+                <a:ea typeface="나눔스퀘어라운드 Bold" panose="020B0600000101010101" pitchFamily="50" charset="-127"/>
+              </a:rPr>
+              <a:t>mx1 </a:t>
+            </a:r>
+            <a:r>
+              <a:rPr lang="ko-KR" altLang="en-US" sz="2200" dirty="0">
+                <a:latin typeface="나눔스퀘어라운드 Bold" panose="020B0600000101010101" pitchFamily="50" charset="-127"/>
+                <a:ea typeface="나눔스퀘어라운드 Bold" panose="020B0600000101010101" pitchFamily="50" charset="-127"/>
+              </a:rPr>
+              <a:t>벡터 간의 연산</a:t>
+            </a:r>
+          </a:p>
+          <a:p>
+            <a:pPr marL="1257300" lvl="2" indent="-342900">
+              <a:lnSpc>
+                <a:spcPct val="150000"/>
+              </a:lnSpc>
+              <a:buFont typeface="Arial" panose="020B0604020202020204" pitchFamily="34" charset="0"/>
+              <a:buChar char="•"/>
+            </a:pPr>
+            <a:r>
+              <a:rPr lang="en-US" altLang="ko-KR" sz="2200" dirty="0">
+                <a:latin typeface="나눔스퀘어라운드 Bold" panose="020B0600000101010101" pitchFamily="50" charset="-127"/>
+                <a:ea typeface="나눔스퀘어라운드 Bold" panose="020B0600000101010101" pitchFamily="50" charset="-127"/>
+              </a:rPr>
+              <a:t>m x n </a:t>
+            </a:r>
+            <a:r>
+              <a:rPr lang="ko-KR" altLang="en-US" sz="2200" dirty="0">
+                <a:latin typeface="나눔스퀘어라운드 Bold" panose="020B0600000101010101" pitchFamily="50" charset="-127"/>
+                <a:ea typeface="나눔스퀘어라운드 Bold" panose="020B0600000101010101" pitchFamily="50" charset="-127"/>
+              </a:rPr>
+              <a:t>행렬과 </a:t>
+            </a:r>
+            <a:r>
+              <a:rPr lang="en-US" altLang="ko-KR" sz="2200" dirty="0">
+                <a:latin typeface="나눔스퀘어라운드 Bold" panose="020B0600000101010101" pitchFamily="50" charset="-127"/>
+                <a:ea typeface="나눔스퀘어라운드 Bold" panose="020B0600000101010101" pitchFamily="50" charset="-127"/>
+              </a:rPr>
+              <a:t>1xn </a:t>
+            </a:r>
+            <a:r>
+              <a:rPr lang="ko-KR" altLang="en-US" sz="2200" dirty="0">
+                <a:latin typeface="나눔스퀘어라운드 Bold" panose="020B0600000101010101" pitchFamily="50" charset="-127"/>
+                <a:ea typeface="나눔스퀘어라운드 Bold" panose="020B0600000101010101" pitchFamily="50" charset="-127"/>
+              </a:rPr>
+              <a:t>벡터 간의 연산</a:t>
+            </a:r>
+          </a:p>
+          <a:p>
+            <a:pPr marL="1257300" lvl="2" indent="-342900">
+              <a:lnSpc>
+                <a:spcPct val="150000"/>
+              </a:lnSpc>
+              <a:buFont typeface="Arial" panose="020B0604020202020204" pitchFamily="34" charset="0"/>
+              <a:buChar char="•"/>
+            </a:pPr>
+            <a:r>
+              <a:rPr lang="en-US" altLang="ko-KR" sz="2200" dirty="0" smtClean="0">
+                <a:latin typeface="나눔스퀘어라운드 Bold" panose="020B0600000101010101" pitchFamily="50" charset="-127"/>
+                <a:ea typeface="나눔스퀘어라운드 Bold" panose="020B0600000101010101" pitchFamily="50" charset="-127"/>
+              </a:rPr>
+              <a:t>mx1 </a:t>
+            </a:r>
+            <a:r>
+              <a:rPr lang="ko-KR" altLang="en-US" sz="2200" dirty="0">
+                <a:latin typeface="나눔스퀘어라운드 Bold" panose="020B0600000101010101" pitchFamily="50" charset="-127"/>
+                <a:ea typeface="나눔스퀘어라운드 Bold" panose="020B0600000101010101" pitchFamily="50" charset="-127"/>
+              </a:rPr>
+              <a:t>벡터와 </a:t>
+            </a:r>
+            <a:r>
+              <a:rPr lang="en-US" altLang="ko-KR" sz="2200" dirty="0" smtClean="0">
+                <a:latin typeface="나눔스퀘어라운드 Bold" panose="020B0600000101010101" pitchFamily="50" charset="-127"/>
+                <a:ea typeface="나눔스퀘어라운드 Bold" panose="020B0600000101010101" pitchFamily="50" charset="-127"/>
+              </a:rPr>
+              <a:t>1xn</a:t>
+            </a:r>
+          </a:p>
+        </p:txBody>
+      </p:sp>
       <p:pic>
         <p:nvPicPr>
-          <p:cNvPr id="6" name="그림 5"/>
+          <p:cNvPr id="20" name="그림 19"/>
           <p:cNvPicPr>
             <a:picLocks noChangeAspect="1"/>
           </p:cNvPicPr>
@@ -11089,10 +12329,97 @@
           </a:prstGeom>
         </p:spPr>
       </p:pic>
+      <p:pic>
+        <p:nvPicPr>
+          <p:cNvPr id="3" name="그림 2"/>
+          <p:cNvPicPr>
+            <a:picLocks noChangeAspect="1"/>
+          </p:cNvPicPr>
+          <p:nvPr/>
+        </p:nvPicPr>
+        <p:blipFill>
+          <a:blip r:embed="rId4">
+            <a:extLst>
+              <a:ext uri="{28A0092B-C50C-407E-A947-70E740481C1C}">
+                <a14:useLocalDpi xmlns:a14="http://schemas.microsoft.com/office/drawing/2010/main" val="0"/>
+              </a:ext>
+            </a:extLst>
+          </a:blip>
+          <a:stretch>
+            <a:fillRect/>
+          </a:stretch>
+        </p:blipFill>
+        <p:spPr>
+          <a:xfrm>
+            <a:off x="6325927" y="1781475"/>
+            <a:ext cx="5623068" cy="4217301"/>
+          </a:xfrm>
+          <a:prstGeom prst="rect">
+            <a:avLst/>
+          </a:prstGeom>
+        </p:spPr>
+      </p:pic>
+      <p:sp>
+        <p:nvSpPr>
+          <p:cNvPr id="4" name="TextBox 3"/>
+          <p:cNvSpPr txBox="1"/>
+          <p:nvPr/>
+        </p:nvSpPr>
+        <p:spPr>
+          <a:xfrm>
+            <a:off x="11116966" y="5998776"/>
+            <a:ext cx="832029" cy="215444"/>
+          </a:xfrm>
+          <a:prstGeom prst="rect">
+            <a:avLst/>
+          </a:prstGeom>
+          <a:noFill/>
+        </p:spPr>
+        <p:txBody>
+          <a:bodyPr wrap="square" rtlCol="0">
+            <a:spAutoFit/>
+          </a:bodyPr>
+          <a:lstStyle/>
+          <a:p>
+            <a:r>
+              <a:rPr lang="ko-KR" altLang="en-US" sz="800" dirty="0">
+                <a:latin typeface="나눔스퀘어 Bold" panose="020B0600000101010101" pitchFamily="50" charset="-127"/>
+                <a:ea typeface="나눔스퀘어 Bold" panose="020B0600000101010101" pitchFamily="50" charset="-127"/>
+              </a:rPr>
+              <a:t>출처</a:t>
+            </a:r>
+            <a:r>
+              <a:rPr lang="en-US" altLang="ko-KR" sz="800" dirty="0">
+                <a:latin typeface="나눔스퀘어 Bold" panose="020B0600000101010101" pitchFamily="50" charset="-127"/>
+                <a:ea typeface="나눔스퀘어 Bold" panose="020B0600000101010101" pitchFamily="50" charset="-127"/>
+              </a:rPr>
+              <a:t>:</a:t>
+            </a:r>
+            <a:r>
+              <a:rPr lang="ko-KR" altLang="en-US" sz="800" i="1" dirty="0">
+                <a:latin typeface="나눔스퀘어 Bold" panose="020B0600000101010101" pitchFamily="50" charset="-127"/>
+                <a:ea typeface="나눔스퀘어 Bold" panose="020B0600000101010101" pitchFamily="50" charset="-127"/>
+              </a:rPr>
+              <a:t> </a:t>
+            </a:r>
+            <a:r>
+              <a:rPr lang="en-US" altLang="ko-KR" sz="800" i="1" dirty="0" err="1" smtClean="0">
+                <a:latin typeface="나눔스퀘어 Bold" panose="020B0600000101010101" pitchFamily="50" charset="-127"/>
+                <a:ea typeface="나눔스퀘어 Bold" panose="020B0600000101010101" pitchFamily="50" charset="-127"/>
+              </a:rPr>
+              <a:t>astroml</a:t>
+            </a:r>
+            <a:endParaRPr lang="ko-KR" altLang="en-US" sz="800" dirty="0">
+              <a:latin typeface="나눔스퀘어 Bold" panose="020B0600000101010101" pitchFamily="50" charset="-127"/>
+              <a:ea typeface="나눔스퀘어 Bold" panose="020B0600000101010101" pitchFamily="50" charset="-127"/>
+            </a:endParaRPr>
+          </a:p>
+        </p:txBody>
+      </p:sp>
     </p:spTree>
     <p:extLst>
       <p:ext uri="{BB962C8B-B14F-4D97-AF65-F5344CB8AC3E}">
-        <p14:creationId xmlns:p14="http://schemas.microsoft.com/office/powerpoint/2010/main" val="2213019739"/>
+        <p14:creationId xmlns:p14="http://schemas.microsoft.com/office/powerpoint/2010/main" val="1383615584"/>
       </p:ext>
     </p:extLst>
   </p:cSld>
@@ -11117,7 +12444,7 @@
   <p:cSld>
     <p:spTree>
       <p:nvGrpSpPr>
-        <p:cNvPr id="1" name="Shape 133"/>
+        <p:cNvPr id="1" name="Shape 124"/>
         <p:cNvGrpSpPr/>
         <p:nvPr/>
       </p:nvGrpSpPr>
@@ -11131,20 +12458,20 @@
       </p:grpSpPr>
       <p:cxnSp>
         <p:nvCxnSpPr>
-          <p:cNvPr id="10" name="Google Shape;134;p16"/>
+          <p:cNvPr id="125" name="Google Shape;125;p15"/>
           <p:cNvCxnSpPr/>
           <p:nvPr/>
         </p:nvCxnSpPr>
         <p:spPr>
           <a:xfrm>
-            <a:off x="431371" y="344696"/>
-            <a:ext cx="9660647" cy="0"/>
+            <a:off x="5129063" y="3064838"/>
+            <a:ext cx="2655694" cy="0"/>
           </a:xfrm>
           <a:prstGeom prst="straightConnector1">
             <a:avLst/>
           </a:prstGeom>
           <a:noFill/>
-          <a:ln w="12700" cap="flat" cmpd="sng">
+          <a:ln w="57150" cap="flat" cmpd="sng">
             <a:solidFill>
               <a:srgbClr val="BFBFBF"/>
             </a:solidFill>
@@ -11157,45 +12484,47 @@
       </p:cxnSp>
       <p:sp>
         <p:nvSpPr>
-          <p:cNvPr id="11" name="Google Shape;136;p16"/>
-          <p:cNvSpPr/>
+          <p:cNvPr id="126" name="Google Shape;126;p15"/>
+          <p:cNvSpPr txBox="1"/>
           <p:nvPr/>
         </p:nvSpPr>
         <p:spPr>
           <a:xfrm>
-            <a:off x="10086439" y="187755"/>
-            <a:ext cx="60959" cy="360904"/>
+            <a:off x="5466825" y="3316293"/>
+            <a:ext cx="1619775" cy="574236"/>
           </a:xfrm>
           <a:prstGeom prst="rect">
             <a:avLst/>
           </a:prstGeom>
-          <a:solidFill>
-            <a:srgbClr val="7F7F7F"/>
-          </a:solidFill>
+          <a:noFill/>
           <a:ln>
             <a:noFill/>
           </a:ln>
-          <a:effectLst>
-            <a:outerShdw blurRad="50800" dist="38100" dir="2700000" algn="tl" rotWithShape="0">
-              <a:srgbClr val="000000">
-                <a:alpha val="40000"/>
-              </a:srgbClr>
-            </a:outerShdw>
-          </a:effectLst>
-        </p:spPr>
-        <p:txBody>
-          <a:bodyPr spcFirstLastPara="1" wrap="square" lIns="121900" tIns="60933" rIns="121900" bIns="60933" anchor="ctr" anchorCtr="0">
+        </p:spPr>
+        <p:txBody>
+          <a:bodyPr spcFirstLastPara="1" wrap="square" lIns="121900" tIns="60933" rIns="121900" bIns="60933" anchor="t" anchorCtr="0">
             <a:noAutofit/>
           </a:bodyPr>
           <a:lstStyle/>
           <a:p>
-            <a:pPr algn="ctr"/>
-            <a:endParaRPr sz="2400">
+            <a:r>
+              <a:rPr lang="en-US" sz="2800" dirty="0" smtClean="0">
+                <a:solidFill>
+                  <a:schemeClr val="dk1"/>
+                </a:solidFill>
+                <a:latin typeface="Tmon몬소리OTF Black" panose="02000A03000000000000" pitchFamily="50" charset="-127"/>
+                <a:ea typeface="Tmon몬소리OTF Black" panose="02000A03000000000000" pitchFamily="50" charset="-127"/>
+                <a:cs typeface="Arial"/>
+                <a:sym typeface="Arial"/>
+              </a:rPr>
+              <a:t>Pandas</a:t>
+            </a:r>
+            <a:endParaRPr sz="2800" dirty="0">
               <a:solidFill>
-                <a:schemeClr val="lt1"/>
+                <a:schemeClr val="dk1"/>
               </a:solidFill>
-              <a:latin typeface="Arial"/>
-              <a:ea typeface="Arial"/>
+              <a:latin typeface="Tmon몬소리OTF Black" panose="02000A03000000000000" pitchFamily="50" charset="-127"/>
+              <a:ea typeface="Tmon몬소리OTF Black" panose="02000A03000000000000" pitchFamily="50" charset="-127"/>
               <a:cs typeface="Arial"/>
               <a:sym typeface="Arial"/>
             </a:endParaRPr>
@@ -11204,14 +12533,14 @@
       </p:sp>
       <p:sp>
         <p:nvSpPr>
-          <p:cNvPr id="135" name="Google Shape;135;p16"/>
+          <p:cNvPr id="127" name="Google Shape;127;p15"/>
           <p:cNvSpPr/>
           <p:nvPr/>
         </p:nvSpPr>
         <p:spPr>
           <a:xfrm>
-            <a:off x="-14515" y="149948"/>
-            <a:ext cx="1088572" cy="384043"/>
+            <a:off x="4456988" y="2779518"/>
+            <a:ext cx="808255" cy="718963"/>
           </a:xfrm>
           <a:prstGeom prst="rect">
             <a:avLst/>
@@ -11242,84 +12571,16 @@
           </a:p>
         </p:txBody>
       </p:sp>
-      <p:cxnSp>
-        <p:nvCxnSpPr>
-          <p:cNvPr id="137" name="Google Shape;137;p16"/>
-          <p:cNvCxnSpPr/>
-          <p:nvPr/>
-        </p:nvCxnSpPr>
-        <p:spPr>
-          <a:xfrm>
-            <a:off x="1126708" y="345453"/>
-            <a:ext cx="1233624" cy="0"/>
-          </a:xfrm>
-          <a:prstGeom prst="straightConnector1">
-            <a:avLst/>
-          </a:prstGeom>
-          <a:noFill/>
-          <a:ln w="12700" cap="flat" cmpd="sng">
-            <a:solidFill>
-              <a:srgbClr val="E00868"/>
-            </a:solidFill>
-            <a:prstDash val="solid"/>
-            <a:round/>
-            <a:headEnd type="none" w="sm" len="sm"/>
-            <a:tailEnd type="none" w="sm" len="sm"/>
-          </a:ln>
-        </p:spPr>
-      </p:cxnSp>
-      <p:sp>
-        <p:nvSpPr>
-          <p:cNvPr id="138" name="Google Shape;138;p16"/>
-          <p:cNvSpPr/>
-          <p:nvPr/>
-        </p:nvSpPr>
-        <p:spPr>
-          <a:xfrm rot="5400000">
-            <a:off x="928275" y="295722"/>
-            <a:ext cx="386628" cy="95087"/>
-          </a:xfrm>
-          <a:prstGeom prst="triangle">
-            <a:avLst>
-              <a:gd name="adj" fmla="val 50000"/>
-            </a:avLst>
-          </a:prstGeom>
-          <a:solidFill>
-            <a:srgbClr val="E00868"/>
-          </a:solidFill>
-          <a:ln>
-            <a:noFill/>
-          </a:ln>
-        </p:spPr>
-        <p:txBody>
-          <a:bodyPr spcFirstLastPara="1" wrap="square" lIns="121900" tIns="60933" rIns="121900" bIns="60933" anchor="ctr" anchorCtr="0">
-            <a:noAutofit/>
-          </a:bodyPr>
-          <a:lstStyle/>
-          <a:p>
-            <a:pPr algn="ctr"/>
-            <a:endParaRPr sz="2400">
-              <a:solidFill>
-                <a:schemeClr val="lt1"/>
-              </a:solidFill>
-              <a:latin typeface="Tmon몬소리OTF Black" panose="02000A03000000000000" pitchFamily="50" charset="-127"/>
-              <a:ea typeface="Tmon몬소리OTF Black" panose="02000A03000000000000" pitchFamily="50" charset="-127"/>
-              <a:cs typeface="Arial"/>
-              <a:sym typeface="Arial"/>
-            </a:endParaRPr>
-          </a:p>
-        </p:txBody>
-      </p:sp>
-      <p:sp>
-        <p:nvSpPr>
-          <p:cNvPr id="139" name="Google Shape;139;p16"/>
+      <p:sp>
+        <p:nvSpPr>
+          <p:cNvPr id="128" name="Google Shape;128;p15"/>
           <p:cNvSpPr txBox="1"/>
           <p:nvPr/>
         </p:nvSpPr>
         <p:spPr>
           <a:xfrm>
-            <a:off x="1047714" y="380980"/>
-            <a:ext cx="2184217" cy="529495"/>
+            <a:off x="4496935" y="2813384"/>
+            <a:ext cx="760060" cy="656213"/>
           </a:xfrm>
           <a:prstGeom prst="rect">
             <a:avLst/>
@@ -11335,67 +12596,11 @@
           </a:bodyPr>
           <a:lstStyle/>
           <a:p>
-            <a:r>
-              <a:rPr lang="en-US" altLang="ko-KR" sz="2800" b="1" dirty="0" smtClean="0">
-                <a:solidFill>
-                  <a:schemeClr val="dk1"/>
-                </a:solidFill>
-                <a:latin typeface="Tmon몬소리OTF Black" panose="02000A03000000000000" pitchFamily="50" charset="-127"/>
-                <a:ea typeface="Tmon몬소리OTF Black" panose="02000A03000000000000" pitchFamily="50" charset="-127"/>
-                <a:cs typeface="Arial"/>
-                <a:sym typeface="Arial"/>
-              </a:rPr>
-              <a:t>Pandas </a:t>
-            </a:r>
-            <a:r>
-              <a:rPr lang="ko-KR" altLang="en-US" sz="2800" b="1" dirty="0" smtClean="0">
-                <a:solidFill>
-                  <a:schemeClr val="dk1"/>
-                </a:solidFill>
-                <a:latin typeface="Tmon몬소리OTF Black" panose="02000A03000000000000" pitchFamily="50" charset="-127"/>
-                <a:ea typeface="Tmon몬소리OTF Black" panose="02000A03000000000000" pitchFamily="50" charset="-127"/>
-                <a:cs typeface="Arial"/>
-                <a:sym typeface="Arial"/>
-              </a:rPr>
-              <a:t>란</a:t>
-            </a:r>
-            <a:endParaRPr sz="2800" b="1" dirty="0">
-              <a:solidFill>
-                <a:schemeClr val="dk1"/>
-              </a:solidFill>
-              <a:latin typeface="Tmon몬소리OTF Black" panose="02000A03000000000000" pitchFamily="50" charset="-127"/>
-              <a:ea typeface="Tmon몬소리OTF Black" panose="02000A03000000000000" pitchFamily="50" charset="-127"/>
-              <a:cs typeface="Arial"/>
-              <a:sym typeface="Arial"/>
-            </a:endParaRPr>
-          </a:p>
-        </p:txBody>
-      </p:sp>
-      <p:sp>
-        <p:nvSpPr>
-          <p:cNvPr id="143" name="Google Shape;143;p16"/>
-          <p:cNvSpPr/>
-          <p:nvPr/>
-        </p:nvSpPr>
-        <p:spPr>
-          <a:xfrm>
-            <a:off x="203690" y="95227"/>
-            <a:ext cx="791373" cy="492443"/>
-          </a:xfrm>
-          <a:prstGeom prst="rect">
-            <a:avLst/>
-          </a:prstGeom>
-          <a:noFill/>
-          <a:ln>
-            <a:noFill/>
-          </a:ln>
-        </p:spPr>
-        <p:txBody>
-          <a:bodyPr spcFirstLastPara="1" wrap="square" lIns="121900" tIns="60933" rIns="121900" bIns="60933" anchor="t" anchorCtr="0">
-            <a:noAutofit/>
-          </a:bodyPr>
-          <a:lstStyle/>
-          <a:p>
+            <a:pPr algn="ctr">
+              <a:lnSpc>
+                <a:spcPct val="150000"/>
+              </a:lnSpc>
+            </a:pPr>
             <a:r>
               <a:rPr lang="en-US" sz="2400" b="1" dirty="0" smtClean="0">
                 <a:solidFill>
@@ -11420,396 +12625,9 @@
           </a:p>
         </p:txBody>
       </p:sp>
-      <p:sp>
-        <p:nvSpPr>
-          <p:cNvPr id="2" name="TextBox 1"/>
-          <p:cNvSpPr txBox="1"/>
-          <p:nvPr/>
-        </p:nvSpPr>
-        <p:spPr>
-          <a:xfrm>
-            <a:off x="741582" y="1000772"/>
-            <a:ext cx="10577384" cy="5447645"/>
-          </a:xfrm>
-          <a:prstGeom prst="rect">
-            <a:avLst/>
-          </a:prstGeom>
-          <a:noFill/>
-        </p:spPr>
-        <p:txBody>
-          <a:bodyPr wrap="square" rtlCol="0">
-            <a:spAutoFit/>
-          </a:bodyPr>
-          <a:lstStyle/>
-          <a:p>
-            <a:pPr marL="800100" lvl="1" indent="-342900">
-              <a:buFont typeface="Wingdings" panose="05000000000000000000" pitchFamily="2" charset="2"/>
-              <a:buChar char="§"/>
-            </a:pPr>
-            <a:r>
-              <a:rPr lang="en-US" altLang="ko-KR" sz="2400" dirty="0" smtClean="0">
-                <a:latin typeface="나눔스퀘어라운드 Bold" panose="020B0600000101010101" pitchFamily="50" charset="-127"/>
-                <a:ea typeface="나눔스퀘어라운드 Bold" panose="020B0600000101010101" pitchFamily="50" charset="-127"/>
-              </a:rPr>
-              <a:t>Pandas</a:t>
-            </a:r>
-            <a:r>
-              <a:rPr lang="ko-KR" altLang="en-US" sz="2400" dirty="0">
-                <a:latin typeface="나눔스퀘어라운드 Bold" panose="020B0600000101010101" pitchFamily="50" charset="-127"/>
-                <a:ea typeface="나눔스퀘어라운드 Bold" panose="020B0600000101010101" pitchFamily="50" charset="-127"/>
-              </a:rPr>
-              <a:t>는 </a:t>
-            </a:r>
-            <a:r>
-              <a:rPr lang="en-US" altLang="ko-KR" sz="2400" dirty="0">
-                <a:latin typeface="나눔스퀘어라운드 Bold" panose="020B0600000101010101" pitchFamily="50" charset="-127"/>
-                <a:ea typeface="나눔스퀘어라운드 Bold" panose="020B0600000101010101" pitchFamily="50" charset="-127"/>
-              </a:rPr>
-              <a:t>Python</a:t>
-            </a:r>
-            <a:r>
-              <a:rPr lang="ko-KR" altLang="en-US" sz="2400" dirty="0">
-                <a:latin typeface="나눔스퀘어라운드 Bold" panose="020B0600000101010101" pitchFamily="50" charset="-127"/>
-                <a:ea typeface="나눔스퀘어라운드 Bold" panose="020B0600000101010101" pitchFamily="50" charset="-127"/>
-              </a:rPr>
-              <a:t>에서 사용하는 데이터를 분석하는 라이브러리이다</a:t>
-            </a:r>
-            <a:r>
-              <a:rPr lang="en-US" altLang="ko-KR" sz="2400" dirty="0">
-                <a:latin typeface="나눔스퀘어라운드 Bold" panose="020B0600000101010101" pitchFamily="50" charset="-127"/>
-                <a:ea typeface="나눔스퀘어라운드 Bold" panose="020B0600000101010101" pitchFamily="50" charset="-127"/>
-              </a:rPr>
-              <a:t>.</a:t>
-            </a:r>
-          </a:p>
-          <a:p>
-            <a:pPr lvl="1"/>
-            <a:r>
-              <a:rPr lang="en-US" altLang="ko-KR" sz="2400" dirty="0">
-                <a:latin typeface="나눔스퀘어라운드 Bold" panose="020B0600000101010101" pitchFamily="50" charset="-127"/>
-                <a:ea typeface="나눔스퀘어라운드 Bold" panose="020B0600000101010101" pitchFamily="50" charset="-127"/>
-              </a:rPr>
-              <a:t>	</a:t>
-            </a:r>
-            <a:r>
-              <a:rPr lang="ko-KR" altLang="en-US" sz="2400" dirty="0" smtClean="0">
-                <a:latin typeface="나눔스퀘어라운드 Bold" panose="020B0600000101010101" pitchFamily="50" charset="-127"/>
-                <a:ea typeface="나눔스퀘어라운드 Bold" panose="020B0600000101010101" pitchFamily="50" charset="-127"/>
-              </a:rPr>
-              <a:t>행과 </a:t>
-            </a:r>
-            <a:r>
-              <a:rPr lang="ko-KR" altLang="en-US" sz="2400" dirty="0">
-                <a:latin typeface="나눔스퀘어라운드 Bold" panose="020B0600000101010101" pitchFamily="50" charset="-127"/>
-                <a:ea typeface="나눔스퀘어라운드 Bold" panose="020B0600000101010101" pitchFamily="50" charset="-127"/>
-              </a:rPr>
-              <a:t>열로 이루어진 데이터 객체를 편리하게 다루고 대용량의 데이터를 쉽게 </a:t>
-            </a:r>
-            <a:r>
-              <a:rPr lang="en-US" altLang="ko-KR" sz="2400" dirty="0" smtClean="0">
-                <a:latin typeface="나눔스퀘어라운드 Bold" panose="020B0600000101010101" pitchFamily="50" charset="-127"/>
-                <a:ea typeface="나눔스퀘어라운드 Bold" panose="020B0600000101010101" pitchFamily="50" charset="-127"/>
-              </a:rPr>
-              <a:t>	</a:t>
-            </a:r>
-            <a:r>
-              <a:rPr lang="ko-KR" altLang="en-US" sz="2400" dirty="0" smtClean="0">
-                <a:latin typeface="나눔스퀘어라운드 Bold" panose="020B0600000101010101" pitchFamily="50" charset="-127"/>
-                <a:ea typeface="나눔스퀘어라운드 Bold" panose="020B0600000101010101" pitchFamily="50" charset="-127"/>
-              </a:rPr>
-              <a:t>처리할 </a:t>
-            </a:r>
-            <a:r>
-              <a:rPr lang="ko-KR" altLang="en-US" sz="2400" dirty="0">
-                <a:latin typeface="나눔스퀘어라운드 Bold" panose="020B0600000101010101" pitchFamily="50" charset="-127"/>
-                <a:ea typeface="나눔스퀘어라운드 Bold" panose="020B0600000101010101" pitchFamily="50" charset="-127"/>
-              </a:rPr>
-              <a:t>수 있는 함수를 제공하는 도구이다</a:t>
-            </a:r>
-            <a:r>
-              <a:rPr lang="en-US" altLang="ko-KR" sz="2400" dirty="0">
-                <a:latin typeface="나눔스퀘어라운드 Bold" panose="020B0600000101010101" pitchFamily="50" charset="-127"/>
-                <a:ea typeface="나눔스퀘어라운드 Bold" panose="020B0600000101010101" pitchFamily="50" charset="-127"/>
-              </a:rPr>
-              <a:t>. </a:t>
-            </a:r>
-          </a:p>
-          <a:p>
-            <a:pPr marL="914400" lvl="1" indent="-457200">
-              <a:buFont typeface="+mj-lt"/>
-              <a:buAutoNum type="arabicPeriod"/>
-            </a:pPr>
-            <a:endParaRPr lang="en-US" altLang="ko-KR" sz="2400" dirty="0" smtClean="0">
-              <a:latin typeface="나눔스퀘어라운드 Bold" panose="020B0600000101010101" pitchFamily="50" charset="-127"/>
-              <a:ea typeface="나눔스퀘어라운드 Bold" panose="020B0600000101010101" pitchFamily="50" charset="-127"/>
-            </a:endParaRPr>
-          </a:p>
-          <a:p>
-            <a:pPr marL="914400" lvl="1" indent="-457200">
-              <a:buFont typeface="+mj-lt"/>
-              <a:buAutoNum type="arabicPeriod"/>
-            </a:pPr>
-            <a:r>
-              <a:rPr lang="en-US" altLang="ko-KR" sz="2100" dirty="0" smtClean="0">
-                <a:latin typeface="나눔스퀘어라운드 Bold" panose="020B0600000101010101" pitchFamily="50" charset="-127"/>
-                <a:ea typeface="나눔스퀘어라운드 Bold" panose="020B0600000101010101" pitchFamily="50" charset="-127"/>
-              </a:rPr>
-              <a:t>Pandas </a:t>
-            </a:r>
-            <a:r>
-              <a:rPr lang="ko-KR" altLang="en-US" sz="2100" dirty="0" smtClean="0">
-                <a:latin typeface="나눔스퀘어라운드 Bold" panose="020B0600000101010101" pitchFamily="50" charset="-127"/>
-                <a:ea typeface="나눔스퀘어라운드 Bold" panose="020B0600000101010101" pitchFamily="50" charset="-127"/>
-              </a:rPr>
-              <a:t>객체</a:t>
-            </a:r>
-            <a:endParaRPr lang="en-US" altLang="ko-KR" sz="2100" dirty="0" smtClean="0">
-              <a:latin typeface="나눔스퀘어라운드 Bold" panose="020B0600000101010101" pitchFamily="50" charset="-127"/>
-              <a:ea typeface="나눔스퀘어라운드 Bold" panose="020B0600000101010101" pitchFamily="50" charset="-127"/>
-            </a:endParaRPr>
-          </a:p>
-          <a:p>
-            <a:pPr marL="1371600" lvl="2" indent="-457200">
-              <a:buFont typeface="Wingdings" panose="05000000000000000000" pitchFamily="2" charset="2"/>
-              <a:buChar char="§"/>
-            </a:pPr>
-            <a:r>
-              <a:rPr lang="en-US" altLang="ko-KR" sz="2100" dirty="0">
-                <a:latin typeface="나눔스퀘어라운드 Bold" panose="020B0600000101010101" pitchFamily="50" charset="-127"/>
-                <a:ea typeface="나눔스퀘어라운드 Bold" panose="020B0600000101010101" pitchFamily="50" charset="-127"/>
-              </a:rPr>
-              <a:t>Series</a:t>
-            </a:r>
-          </a:p>
-          <a:p>
-            <a:pPr marL="2286000" lvl="4" indent="-457200">
-              <a:buSzPct val="97000"/>
-              <a:buFont typeface="Arial" panose="020B0604020202020204" pitchFamily="34" charset="0"/>
-              <a:buChar char="•"/>
-            </a:pPr>
-            <a:r>
-              <a:rPr lang="en-US" altLang="ko-KR" sz="2100" dirty="0">
-                <a:latin typeface="나눔스퀘어라운드 Bold" panose="020B0600000101010101" pitchFamily="50" charset="-127"/>
-                <a:ea typeface="나눔스퀘어라운드 Bold" panose="020B0600000101010101" pitchFamily="50" charset="-127"/>
-              </a:rPr>
-              <a:t>1</a:t>
-            </a:r>
-            <a:r>
-              <a:rPr lang="ko-KR" altLang="en-US" sz="2100" dirty="0">
-                <a:latin typeface="나눔스퀘어라운드 Bold" panose="020B0600000101010101" pitchFamily="50" charset="-127"/>
-                <a:ea typeface="나눔스퀘어라운드 Bold" panose="020B0600000101010101" pitchFamily="50" charset="-127"/>
-              </a:rPr>
-              <a:t>차원 배열</a:t>
-            </a:r>
-            <a:endParaRPr lang="en-US" altLang="ko-KR" sz="2100" dirty="0">
-              <a:latin typeface="나눔스퀘어라운드 Bold" panose="020B0600000101010101" pitchFamily="50" charset="-127"/>
-              <a:ea typeface="나눔스퀘어라운드 Bold" panose="020B0600000101010101" pitchFamily="50" charset="-127"/>
-            </a:endParaRPr>
-          </a:p>
-          <a:p>
-            <a:pPr marL="2286000" lvl="4" indent="-457200">
-              <a:buSzPct val="97000"/>
-              <a:buFont typeface="Arial" panose="020B0604020202020204" pitchFamily="34" charset="0"/>
-              <a:buChar char="•"/>
-            </a:pPr>
-            <a:r>
-              <a:rPr lang="ko-KR" altLang="en-US" sz="2100" dirty="0">
-                <a:latin typeface="나눔스퀘어라운드 Bold" panose="020B0600000101010101" pitchFamily="50" charset="-127"/>
-                <a:ea typeface="나눔스퀘어라운드 Bold" panose="020B0600000101010101" pitchFamily="50" charset="-127"/>
-              </a:rPr>
-              <a:t>이름이 붙여진 </a:t>
-            </a:r>
-            <a:r>
-              <a:rPr lang="en-US" altLang="ko-KR" sz="2100" dirty="0" smtClean="0">
-                <a:latin typeface="나눔스퀘어라운드 Bold" panose="020B0600000101010101" pitchFamily="50" charset="-127"/>
-                <a:ea typeface="나눔스퀘어라운드 Bold" panose="020B0600000101010101" pitchFamily="50" charset="-127"/>
-              </a:rPr>
-              <a:t>vector</a:t>
-            </a:r>
-          </a:p>
-          <a:p>
-            <a:pPr lvl="4">
-              <a:buSzPct val="97000"/>
-            </a:pPr>
-            <a:endParaRPr lang="en-US" altLang="ko-KR" sz="2100" dirty="0">
-              <a:latin typeface="나눔스퀘어라운드 Bold" panose="020B0600000101010101" pitchFamily="50" charset="-127"/>
-              <a:ea typeface="나눔스퀘어라운드 Bold" panose="020B0600000101010101" pitchFamily="50" charset="-127"/>
-            </a:endParaRPr>
-          </a:p>
-          <a:p>
-            <a:pPr marL="1371600" lvl="2" indent="-457200">
-              <a:buFont typeface="Wingdings" panose="05000000000000000000" pitchFamily="2" charset="2"/>
-              <a:buChar char="§"/>
-            </a:pPr>
-            <a:r>
-              <a:rPr lang="en-US" altLang="ko-KR" sz="2100" dirty="0" err="1">
-                <a:latin typeface="나눔스퀘어라운드 Bold" panose="020B0600000101010101" pitchFamily="50" charset="-127"/>
-                <a:ea typeface="나눔스퀘어라운드 Bold" panose="020B0600000101010101" pitchFamily="50" charset="-127"/>
-              </a:rPr>
-              <a:t>Dataframe</a:t>
-            </a:r>
-            <a:endParaRPr lang="en-US" altLang="ko-KR" sz="2100" dirty="0">
-              <a:latin typeface="나눔스퀘어라운드 Bold" panose="020B0600000101010101" pitchFamily="50" charset="-127"/>
-              <a:ea typeface="나눔스퀘어라운드 Bold" panose="020B0600000101010101" pitchFamily="50" charset="-127"/>
-            </a:endParaRPr>
-          </a:p>
-          <a:p>
-            <a:pPr marL="2171700" lvl="4" indent="-342900">
-              <a:buFont typeface="Arial" panose="020B0604020202020204" pitchFamily="34" charset="0"/>
-              <a:buChar char="•"/>
-            </a:pPr>
-            <a:r>
-              <a:rPr lang="ko-KR" altLang="en-US" sz="2100" dirty="0">
-                <a:latin typeface="나눔스퀘어라운드 Bold" panose="020B0600000101010101" pitchFamily="50" charset="-127"/>
-                <a:ea typeface="나눔스퀘어라운드 Bold" panose="020B0600000101010101" pitchFamily="50" charset="-127"/>
-              </a:rPr>
-              <a:t>다차원 배열 </a:t>
-            </a:r>
-            <a:r>
-              <a:rPr lang="en-US" altLang="ko-KR" sz="2100" dirty="0">
-                <a:latin typeface="나눔스퀘어라운드 Bold" panose="020B0600000101010101" pitchFamily="50" charset="-127"/>
-                <a:ea typeface="나눔스퀘어라운드 Bold" panose="020B0600000101010101" pitchFamily="50" charset="-127"/>
-              </a:rPr>
-              <a:t>(Series</a:t>
-            </a:r>
-            <a:r>
-              <a:rPr lang="ko-KR" altLang="en-US" sz="2100" dirty="0">
-                <a:latin typeface="나눔스퀘어라운드 Bold" panose="020B0600000101010101" pitchFamily="50" charset="-127"/>
-                <a:ea typeface="나눔스퀘어라운드 Bold" panose="020B0600000101010101" pitchFamily="50" charset="-127"/>
-              </a:rPr>
-              <a:t>의 특성을 가지고 있는 </a:t>
-            </a:r>
-            <a:r>
-              <a:rPr lang="en-US" altLang="ko-KR" sz="2100" dirty="0">
-                <a:latin typeface="나눔스퀘어라운드 Bold" panose="020B0600000101010101" pitchFamily="50" charset="-127"/>
-                <a:ea typeface="나눔스퀘어라운드 Bold" panose="020B0600000101010101" pitchFamily="50" charset="-127"/>
-              </a:rPr>
-              <a:t>2</a:t>
-            </a:r>
-            <a:r>
-              <a:rPr lang="ko-KR" altLang="en-US" sz="2100" dirty="0" smtClean="0">
-                <a:latin typeface="나눔스퀘어라운드 Bold" panose="020B0600000101010101" pitchFamily="50" charset="-127"/>
-                <a:ea typeface="나눔스퀘어라운드 Bold" panose="020B0600000101010101" pitchFamily="50" charset="-127"/>
-              </a:rPr>
-              <a:t>차원 </a:t>
-            </a:r>
-            <a:r>
-              <a:rPr lang="ko-KR" altLang="en-US" sz="2100" dirty="0">
-                <a:latin typeface="나눔스퀘어라운드 Bold" panose="020B0600000101010101" pitchFamily="50" charset="-127"/>
-                <a:ea typeface="나눔스퀘어라운드 Bold" panose="020B0600000101010101" pitchFamily="50" charset="-127"/>
-              </a:rPr>
-              <a:t>배열</a:t>
-            </a:r>
-            <a:r>
-              <a:rPr lang="en-US" altLang="ko-KR" sz="2100" dirty="0">
-                <a:latin typeface="나눔스퀘어라운드 Bold" panose="020B0600000101010101" pitchFamily="50" charset="-127"/>
-                <a:ea typeface="나눔스퀘어라운드 Bold" panose="020B0600000101010101" pitchFamily="50" charset="-127"/>
-              </a:rPr>
-              <a:t>)</a:t>
-            </a:r>
-          </a:p>
-          <a:p>
-            <a:pPr marL="2171700" lvl="4" indent="-342900">
-              <a:buFont typeface="Arial" panose="020B0604020202020204" pitchFamily="34" charset="0"/>
-              <a:buChar char="•"/>
-            </a:pPr>
-            <a:r>
-              <a:rPr lang="ko-KR" altLang="en-US" sz="2100" dirty="0">
-                <a:latin typeface="나눔스퀘어라운드 Bold" panose="020B0600000101010101" pitchFamily="50" charset="-127"/>
-                <a:ea typeface="나눔스퀘어라운드 Bold" panose="020B0600000101010101" pitchFamily="50" charset="-127"/>
-              </a:rPr>
-              <a:t>가장 기본적인 데이터 </a:t>
-            </a:r>
-            <a:r>
-              <a:rPr lang="ko-KR" altLang="en-US" sz="2100" dirty="0" smtClean="0">
-                <a:latin typeface="나눔스퀘어라운드 Bold" panose="020B0600000101010101" pitchFamily="50" charset="-127"/>
-                <a:ea typeface="나눔스퀘어라운드 Bold" panose="020B0600000101010101" pitchFamily="50" charset="-127"/>
-              </a:rPr>
-              <a:t>구조</a:t>
-            </a:r>
-            <a:endParaRPr lang="en-US" altLang="ko-KR" sz="2100" dirty="0" smtClean="0">
-              <a:latin typeface="나눔스퀘어라운드 Bold" panose="020B0600000101010101" pitchFamily="50" charset="-127"/>
-              <a:ea typeface="나눔스퀘어라운드 Bold" panose="020B0600000101010101" pitchFamily="50" charset="-127"/>
-            </a:endParaRPr>
-          </a:p>
-          <a:p>
-            <a:pPr lvl="4"/>
-            <a:endParaRPr lang="en-US" altLang="ko-KR" sz="2100" dirty="0">
-              <a:latin typeface="나눔스퀘어라운드 Bold" panose="020B0600000101010101" pitchFamily="50" charset="-127"/>
-              <a:ea typeface="나눔스퀘어라운드 Bold" panose="020B0600000101010101" pitchFamily="50" charset="-127"/>
-            </a:endParaRPr>
-          </a:p>
-          <a:p>
-            <a:pPr marL="1371600" lvl="2" indent="-457200">
-              <a:buFont typeface="Wingdings" panose="05000000000000000000" pitchFamily="2" charset="2"/>
-              <a:buChar char="§"/>
-            </a:pPr>
-            <a:r>
-              <a:rPr lang="en-US" altLang="ko-KR" sz="2100" dirty="0" smtClean="0">
-                <a:latin typeface="나눔스퀘어라운드 Bold" panose="020B0600000101010101" pitchFamily="50" charset="-127"/>
-                <a:ea typeface="나눔스퀘어라운드 Bold" panose="020B0600000101010101" pitchFamily="50" charset="-127"/>
-              </a:rPr>
-              <a:t>Index</a:t>
-            </a:r>
-          </a:p>
-          <a:p>
-            <a:pPr marL="2286000" lvl="4" indent="-457200">
-              <a:buSzPct val="97000"/>
-              <a:buFont typeface="Arial" panose="020B0604020202020204" pitchFamily="34" charset="0"/>
-              <a:buChar char="•"/>
-            </a:pPr>
-            <a:r>
-              <a:rPr lang="en-US" altLang="ko-KR" sz="2100" dirty="0" smtClean="0">
-                <a:latin typeface="나눔스퀘어라운드 Bold" panose="020B0600000101010101" pitchFamily="50" charset="-127"/>
-                <a:ea typeface="나눔스퀘어라운드 Bold" panose="020B0600000101010101" pitchFamily="50" charset="-127"/>
-              </a:rPr>
-              <a:t>Series , </a:t>
-            </a:r>
-            <a:r>
-              <a:rPr lang="en-US" altLang="ko-KR" sz="2100" dirty="0" err="1" smtClean="0">
-                <a:latin typeface="나눔스퀘어라운드 Bold" panose="020B0600000101010101" pitchFamily="50" charset="-127"/>
-                <a:ea typeface="나눔스퀘어라운드 Bold" panose="020B0600000101010101" pitchFamily="50" charset="-127"/>
-              </a:rPr>
-              <a:t>Dataframe</a:t>
-            </a:r>
-            <a:r>
-              <a:rPr lang="ko-KR" altLang="en-US" sz="2100" dirty="0" smtClean="0">
-                <a:latin typeface="나눔스퀘어라운드 Bold" panose="020B0600000101010101" pitchFamily="50" charset="-127"/>
-                <a:ea typeface="나눔스퀘어라운드 Bold" panose="020B0600000101010101" pitchFamily="50" charset="-127"/>
-              </a:rPr>
-              <a:t>의 레코드를 식별</a:t>
-            </a:r>
-            <a:endParaRPr lang="en-US" altLang="ko-KR" sz="2100" dirty="0" smtClean="0">
-              <a:latin typeface="나눔스퀘어라운드 Bold" panose="020B0600000101010101" pitchFamily="50" charset="-127"/>
-              <a:ea typeface="나눔스퀘어라운드 Bold" panose="020B0600000101010101" pitchFamily="50" charset="-127"/>
-            </a:endParaRPr>
-          </a:p>
-          <a:p>
-            <a:pPr marL="2286000" lvl="4" indent="-457200">
-              <a:buSzPct val="97000"/>
-              <a:buFont typeface="Arial" panose="020B0604020202020204" pitchFamily="34" charset="0"/>
-              <a:buChar char="•"/>
-            </a:pPr>
-            <a:r>
-              <a:rPr lang="ko-KR" altLang="en-US" sz="2100" dirty="0" smtClean="0">
-                <a:latin typeface="나눔스퀘어라운드 Bold" panose="020B0600000101010101" pitchFamily="50" charset="-127"/>
-                <a:ea typeface="나눔스퀘어라운드 Bold" panose="020B0600000101010101" pitchFamily="50" charset="-127"/>
-              </a:rPr>
-              <a:t>집합 연산이 가능 </a:t>
-            </a:r>
-            <a:r>
-              <a:rPr lang="en-US" altLang="ko-KR" sz="2100" dirty="0" smtClean="0">
-                <a:latin typeface="나눔스퀘어라운드 Bold" panose="020B0600000101010101" pitchFamily="50" charset="-127"/>
-                <a:ea typeface="나눔스퀘어라운드 Bold" panose="020B0600000101010101" pitchFamily="50" charset="-127"/>
-              </a:rPr>
-              <a:t>(AND, OR)</a:t>
-            </a:r>
-          </a:p>
-        </p:txBody>
-      </p:sp>
       <p:pic>
         <p:nvPicPr>
-          <p:cNvPr id="12" name="그림 11"/>
+          <p:cNvPr id="6" name="그림 5"/>
           <p:cNvPicPr>
             <a:picLocks noChangeAspect="1"/>
           </p:cNvPicPr>
@@ -11840,7 +12658,7 @@
     </p:spTree>
     <p:extLst>
       <p:ext uri="{BB962C8B-B14F-4D97-AF65-F5344CB8AC3E}">
-        <p14:creationId xmlns:p14="http://schemas.microsoft.com/office/powerpoint/2010/main" val="1688625887"/>
+        <p14:creationId xmlns:p14="http://schemas.microsoft.com/office/powerpoint/2010/main" val="2213019739"/>
       </p:ext>
     </p:extLst>
   </p:cSld>

--- a/Data analysis/01. 1일차/numpy&pandas기초.pptx
+++ b/Data analysis/01. 1일차/numpy&pandas기초.pptx
@@ -6181,6 +6181,98 @@
               </a:rPr>
               <a:t>)</a:t>
             </a:r>
+          </a:p>
+          <a:p>
+            <a:pPr marL="1371600" lvl="2" indent="-457200">
+              <a:buFont typeface="Wingdings" panose="05000000000000000000" pitchFamily="2" charset="2"/>
+              <a:buChar char="§"/>
+            </a:pPr>
+            <a:r>
+              <a:rPr lang="en-US" altLang="ko-KR" sz="2100" dirty="0" err="1" smtClean="0">
+                <a:latin typeface="나눔스퀘어라운드 Bold" panose="020B0600000101010101" pitchFamily="50" charset="-127"/>
+                <a:ea typeface="나눔스퀘어라운드 Bold" panose="020B0600000101010101" pitchFamily="50" charset="-127"/>
+              </a:rPr>
+              <a:t>DataFrame</a:t>
+            </a:r>
+            <a:endParaRPr lang="en-US" altLang="ko-KR" sz="2100" dirty="0">
+              <a:latin typeface="나눔스퀘어라운드 Bold" panose="020B0600000101010101" pitchFamily="50" charset="-127"/>
+              <a:ea typeface="나눔스퀘어라운드 Bold" panose="020B0600000101010101" pitchFamily="50" charset="-127"/>
+            </a:endParaRPr>
+          </a:p>
+          <a:p>
+            <a:pPr marL="2171700" lvl="4" indent="-342900">
+              <a:buFont typeface="Arial" panose="020B0604020202020204" pitchFamily="34" charset="0"/>
+              <a:buChar char="•"/>
+            </a:pPr>
+            <a:r>
+              <a:rPr lang="ko-KR" altLang="en-US" sz="2100" dirty="0">
+                <a:latin typeface="나눔스퀘어라운드 Bold" panose="020B0600000101010101" pitchFamily="50" charset="-127"/>
+                <a:ea typeface="나눔스퀘어라운드 Bold" panose="020B0600000101010101" pitchFamily="50" charset="-127"/>
+              </a:rPr>
+              <a:t>다차원 배열 </a:t>
+            </a:r>
+            <a:r>
+              <a:rPr lang="en-US" altLang="ko-KR" sz="2100" dirty="0">
+                <a:latin typeface="나눔스퀘어라운드 Bold" panose="020B0600000101010101" pitchFamily="50" charset="-127"/>
+                <a:ea typeface="나눔스퀘어라운드 Bold" panose="020B0600000101010101" pitchFamily="50" charset="-127"/>
+              </a:rPr>
+              <a:t>(Series</a:t>
+            </a:r>
+            <a:r>
+              <a:rPr lang="ko-KR" altLang="en-US" sz="2100" dirty="0">
+                <a:latin typeface="나눔스퀘어라운드 Bold" panose="020B0600000101010101" pitchFamily="50" charset="-127"/>
+                <a:ea typeface="나눔스퀘어라운드 Bold" panose="020B0600000101010101" pitchFamily="50" charset="-127"/>
+              </a:rPr>
+              <a:t>의 특성을 가지고 있는 </a:t>
+            </a:r>
+            <a:r>
+              <a:rPr lang="en-US" altLang="ko-KR" sz="2100" dirty="0">
+                <a:latin typeface="나눔스퀘어라운드 Bold" panose="020B0600000101010101" pitchFamily="50" charset="-127"/>
+                <a:ea typeface="나눔스퀘어라운드 Bold" panose="020B0600000101010101" pitchFamily="50" charset="-127"/>
+              </a:rPr>
+              <a:t>2</a:t>
+            </a:r>
+            <a:r>
+              <a:rPr lang="ko-KR" altLang="en-US" sz="2100" dirty="0" smtClean="0">
+                <a:latin typeface="나눔스퀘어라운드 Bold" panose="020B0600000101010101" pitchFamily="50" charset="-127"/>
+                <a:ea typeface="나눔스퀘어라운드 Bold" panose="020B0600000101010101" pitchFamily="50" charset="-127"/>
+              </a:rPr>
+              <a:t>차원 </a:t>
+            </a:r>
+            <a:r>
+              <a:rPr lang="ko-KR" altLang="en-US" sz="2100" dirty="0">
+                <a:latin typeface="나눔스퀘어라운드 Bold" panose="020B0600000101010101" pitchFamily="50" charset="-127"/>
+                <a:ea typeface="나눔스퀘어라운드 Bold" panose="020B0600000101010101" pitchFamily="50" charset="-127"/>
+              </a:rPr>
+              <a:t>배열</a:t>
+            </a:r>
+            <a:r>
+              <a:rPr lang="en-US" altLang="ko-KR" sz="2100" dirty="0">
+                <a:latin typeface="나눔스퀘어라운드 Bold" panose="020B0600000101010101" pitchFamily="50" charset="-127"/>
+                <a:ea typeface="나눔스퀘어라운드 Bold" panose="020B0600000101010101" pitchFamily="50" charset="-127"/>
+              </a:rPr>
+              <a:t>)</a:t>
+            </a:r>
+          </a:p>
+          <a:p>
+            <a:pPr marL="2171700" lvl="4" indent="-342900">
+              <a:buFont typeface="Arial" panose="020B0604020202020204" pitchFamily="34" charset="0"/>
+              <a:buChar char="•"/>
+            </a:pPr>
+            <a:r>
+              <a:rPr lang="ko-KR" altLang="en-US" sz="2100" dirty="0">
+                <a:latin typeface="나눔스퀘어라운드 Bold" panose="020B0600000101010101" pitchFamily="50" charset="-127"/>
+                <a:ea typeface="나눔스퀘어라운드 Bold" panose="020B0600000101010101" pitchFamily="50" charset="-127"/>
+              </a:rPr>
+              <a:t>가장 기본적인 데이터 </a:t>
+            </a:r>
+            <a:r>
+              <a:rPr lang="ko-KR" altLang="en-US" sz="2100" dirty="0" smtClean="0">
+                <a:latin typeface="나눔스퀘어라운드 Bold" panose="020B0600000101010101" pitchFamily="50" charset="-127"/>
+                <a:ea typeface="나눔스퀘어라운드 Bold" panose="020B0600000101010101" pitchFamily="50" charset="-127"/>
+              </a:rPr>
+              <a:t>구조</a:t>
+            </a:r>
             <a:endParaRPr lang="en-US" altLang="ko-KR" sz="2100" dirty="0" smtClean="0">
               <a:latin typeface="나눔스퀘어라운드 Bold" panose="020B0600000101010101" pitchFamily="50" charset="-127"/>
               <a:ea typeface="나눔스퀘어라운드 Bold" panose="020B0600000101010101" pitchFamily="50" charset="-127"/>
@@ -6192,112 +6284,12 @@
               <a:buChar char="§"/>
             </a:pPr>
             <a:r>
-              <a:rPr lang="en-US" altLang="ko-KR" sz="2100" dirty="0" err="1" smtClean="0">
-                <a:latin typeface="나눔스퀘어라운드 Bold" panose="020B0600000101010101" pitchFamily="50" charset="-127"/>
-                <a:ea typeface="나눔스퀘어라운드 Bold" panose="020B0600000101010101" pitchFamily="50" charset="-127"/>
-              </a:rPr>
-              <a:t>DataFrame</a:t>
-            </a:r>
-            <a:endParaRPr lang="en-US" altLang="ko-KR" sz="2100" dirty="0">
-              <a:latin typeface="나눔스퀘어라운드 Bold" panose="020B0600000101010101" pitchFamily="50" charset="-127"/>
-              <a:ea typeface="나눔스퀘어라운드 Bold" panose="020B0600000101010101" pitchFamily="50" charset="-127"/>
-            </a:endParaRPr>
-          </a:p>
-          <a:p>
-            <a:pPr marL="2171700" lvl="4" indent="-342900">
-              <a:buFont typeface="Arial" panose="020B0604020202020204" pitchFamily="34" charset="0"/>
-              <a:buChar char="•"/>
-            </a:pPr>
-            <a:r>
-              <a:rPr lang="ko-KR" altLang="en-US" sz="2100" dirty="0">
-                <a:latin typeface="나눔스퀘어라운드 Bold" panose="020B0600000101010101" pitchFamily="50" charset="-127"/>
-                <a:ea typeface="나눔스퀘어라운드 Bold" panose="020B0600000101010101" pitchFamily="50" charset="-127"/>
-              </a:rPr>
-              <a:t>다차원 배열 </a:t>
-            </a:r>
-            <a:r>
-              <a:rPr lang="en-US" altLang="ko-KR" sz="2100" dirty="0">
-                <a:latin typeface="나눔스퀘어라운드 Bold" panose="020B0600000101010101" pitchFamily="50" charset="-127"/>
-                <a:ea typeface="나눔스퀘어라운드 Bold" panose="020B0600000101010101" pitchFamily="50" charset="-127"/>
-              </a:rPr>
-              <a:t>(Series</a:t>
-            </a:r>
-            <a:r>
-              <a:rPr lang="ko-KR" altLang="en-US" sz="2100" dirty="0">
-                <a:latin typeface="나눔스퀘어라운드 Bold" panose="020B0600000101010101" pitchFamily="50" charset="-127"/>
-                <a:ea typeface="나눔스퀘어라운드 Bold" panose="020B0600000101010101" pitchFamily="50" charset="-127"/>
-              </a:rPr>
-              <a:t>의 특성을 가지고 있는 </a:t>
-            </a:r>
-            <a:r>
-              <a:rPr lang="en-US" altLang="ko-KR" sz="2100" dirty="0">
-                <a:latin typeface="나눔스퀘어라운드 Bold" panose="020B0600000101010101" pitchFamily="50" charset="-127"/>
-                <a:ea typeface="나눔스퀘어라운드 Bold" panose="020B0600000101010101" pitchFamily="50" charset="-127"/>
-              </a:rPr>
-              <a:t>2</a:t>
-            </a:r>
-            <a:r>
-              <a:rPr lang="ko-KR" altLang="en-US" sz="2100" dirty="0" smtClean="0">
-                <a:latin typeface="나눔스퀘어라운드 Bold" panose="020B0600000101010101" pitchFamily="50" charset="-127"/>
-                <a:ea typeface="나눔스퀘어라운드 Bold" panose="020B0600000101010101" pitchFamily="50" charset="-127"/>
-              </a:rPr>
-              <a:t>차원 </a:t>
-            </a:r>
-            <a:r>
-              <a:rPr lang="ko-KR" altLang="en-US" sz="2100" dirty="0">
-                <a:latin typeface="나눔스퀘어라운드 Bold" panose="020B0600000101010101" pitchFamily="50" charset="-127"/>
-                <a:ea typeface="나눔스퀘어라운드 Bold" panose="020B0600000101010101" pitchFamily="50" charset="-127"/>
-              </a:rPr>
-              <a:t>배열</a:t>
-            </a:r>
-            <a:r>
-              <a:rPr lang="en-US" altLang="ko-KR" sz="2100" dirty="0">
-                <a:latin typeface="나눔스퀘어라운드 Bold" panose="020B0600000101010101" pitchFamily="50" charset="-127"/>
-                <a:ea typeface="나눔스퀘어라운드 Bold" panose="020B0600000101010101" pitchFamily="50" charset="-127"/>
-              </a:rPr>
-              <a:t>)</a:t>
-            </a:r>
-          </a:p>
-          <a:p>
-            <a:pPr marL="2171700" lvl="4" indent="-342900">
-              <a:buFont typeface="Arial" panose="020B0604020202020204" pitchFamily="34" charset="0"/>
-              <a:buChar char="•"/>
-            </a:pPr>
-            <a:r>
-              <a:rPr lang="ko-KR" altLang="en-US" sz="2100" dirty="0">
-                <a:latin typeface="나눔스퀘어라운드 Bold" panose="020B0600000101010101" pitchFamily="50" charset="-127"/>
-                <a:ea typeface="나눔스퀘어라운드 Bold" panose="020B0600000101010101" pitchFamily="50" charset="-127"/>
-              </a:rPr>
-              <a:t>가장 기본적인 데이터 </a:t>
-            </a:r>
-            <a:r>
-              <a:rPr lang="ko-KR" altLang="en-US" sz="2100" dirty="0" smtClean="0">
-                <a:latin typeface="나눔스퀘어라운드 Bold" panose="020B0600000101010101" pitchFamily="50" charset="-127"/>
-                <a:ea typeface="나눔스퀘어라운드 Bold" panose="020B0600000101010101" pitchFamily="50" charset="-127"/>
-              </a:rPr>
-              <a:t>구조</a:t>
-            </a:r>
-            <a:endParaRPr lang="en-US" altLang="ko-KR" sz="2100" dirty="0" smtClean="0">
-              <a:latin typeface="나눔스퀘어라운드 Bold" panose="020B0600000101010101" pitchFamily="50" charset="-127"/>
-              <a:ea typeface="나눔스퀘어라운드 Bold" panose="020B0600000101010101" pitchFamily="50" charset="-127"/>
-            </a:endParaRPr>
-          </a:p>
-          <a:p>
-            <a:pPr marL="1371600" lvl="2" indent="-457200">
-              <a:buFont typeface="Wingdings" panose="05000000000000000000" pitchFamily="2" charset="2"/>
-              <a:buChar char="§"/>
-            </a:pPr>
-            <a:r>
               <a:rPr lang="en-US" altLang="ko-KR" sz="2100" dirty="0" smtClean="0">
                 <a:latin typeface="나눔스퀘어라운드 Bold" panose="020B0600000101010101" pitchFamily="50" charset="-127"/>
                 <a:ea typeface="나눔스퀘어라운드 Bold" panose="020B0600000101010101" pitchFamily="50" charset="-127"/>
               </a:rPr>
               <a:t>Index</a:t>
             </a:r>
-            <a:endParaRPr lang="en-US" altLang="ko-KR" sz="2100" dirty="0" smtClean="0">
-              <a:latin typeface="나눔스퀘어라운드 Bold" panose="020B0600000101010101" pitchFamily="50" charset="-127"/>
-              <a:ea typeface="나눔스퀘어라운드 Bold" panose="020B0600000101010101" pitchFamily="50" charset="-127"/>
-            </a:endParaRPr>
           </a:p>
           <a:p>
             <a:pPr marL="2286000" lvl="4" indent="-457200">
@@ -6711,8 +6703,8 @@
         </p:nvSpPr>
         <p:spPr>
           <a:xfrm>
-            <a:off x="741582" y="1275343"/>
-            <a:ext cx="10577384" cy="1938992"/>
+            <a:off x="741582" y="1090899"/>
+            <a:ext cx="10577384" cy="2492990"/>
           </a:xfrm>
           <a:prstGeom prst="rect">
             <a:avLst/>
@@ -6747,6 +6739,9 @@
           </a:p>
           <a:p>
             <a:pPr marL="1371600" lvl="2" indent="-457200">
+              <a:lnSpc>
+                <a:spcPct val="150000"/>
+              </a:lnSpc>
               <a:buFont typeface="Wingdings" panose="05000000000000000000" pitchFamily="2" charset="2"/>
               <a:buChar char="§"/>
             </a:pPr>
@@ -6799,6 +6794,9 @@
           </a:p>
           <a:p>
             <a:pPr marL="1828800" lvl="3" indent="-457200">
+              <a:lnSpc>
+                <a:spcPct val="150000"/>
+              </a:lnSpc>
               <a:buSzPct val="97000"/>
               <a:buFont typeface="Arial" panose="020B0604020202020204" pitchFamily="34" charset="0"/>
               <a:buChar char="•"/>
@@ -6859,6 +6857,9 @@
           </a:p>
           <a:p>
             <a:pPr marL="1828800" lvl="3" indent="-457200">
+              <a:lnSpc>
+                <a:spcPct val="150000"/>
+              </a:lnSpc>
               <a:buSzPct val="97000"/>
               <a:buFont typeface="Arial" panose="020B0604020202020204" pitchFamily="34" charset="0"/>
               <a:buChar char="•"/>
@@ -7008,7 +7009,7 @@
         </p:nvGrpSpPr>
         <p:grpSpPr>
           <a:xfrm>
-            <a:off x="5259558" y="3888279"/>
+            <a:off x="5302542" y="3991576"/>
             <a:ext cx="6438468" cy="2049334"/>
             <a:chOff x="5259558" y="3888279"/>
             <a:chExt cx="6438468" cy="2049334"/>
@@ -7262,159 +7263,226 @@
           </p:sp>
         </p:grpSp>
       </p:grpSp>
-      <p:sp>
-        <p:nvSpPr>
-          <p:cNvPr id="17" name="TextBox 16"/>
-          <p:cNvSpPr txBox="1"/>
+      <p:grpSp>
+        <p:nvGrpSpPr>
+          <p:cNvPr id="3" name="그룹 2"/>
+          <p:cNvGrpSpPr/>
           <p:nvPr/>
-        </p:nvSpPr>
-        <p:spPr>
-          <a:xfrm>
-            <a:off x="741582" y="4176289"/>
-            <a:ext cx="4830966" cy="1477328"/>
-          </a:xfrm>
-          <a:prstGeom prst="rect">
-            <a:avLst/>
-          </a:prstGeom>
-          <a:noFill/>
-        </p:spPr>
-        <p:txBody>
-          <a:bodyPr wrap="square" rtlCol="0">
-            <a:spAutoFit/>
-          </a:bodyPr>
-          <a:lstStyle/>
-          <a:p>
-            <a:pPr algn="ctr">
-              <a:lnSpc>
-                <a:spcPct val="150000"/>
-              </a:lnSpc>
-            </a:pPr>
-            <a:r>
-              <a:rPr lang="ko-KR" altLang="en-US" sz="2000" dirty="0" smtClean="0">
+        </p:nvGrpSpPr>
+        <p:grpSpPr>
+          <a:xfrm>
+            <a:off x="678118" y="3991576"/>
+            <a:ext cx="4830966" cy="1946037"/>
+            <a:chOff x="741582" y="3707580"/>
+            <a:chExt cx="4830966" cy="1946037"/>
+          </a:xfrm>
+        </p:grpSpPr>
+        <p:sp>
+          <p:nvSpPr>
+            <p:cNvPr id="17" name="TextBox 16"/>
+            <p:cNvSpPr txBox="1"/>
+            <p:nvPr/>
+          </p:nvSpPr>
+          <p:spPr>
+            <a:xfrm>
+              <a:off x="741582" y="4176289"/>
+              <a:ext cx="4830966" cy="1477328"/>
+            </a:xfrm>
+            <a:prstGeom prst="rect">
+              <a:avLst/>
+            </a:prstGeom>
+            <a:noFill/>
+          </p:spPr>
+          <p:txBody>
+            <a:bodyPr wrap="square" rtlCol="0">
+              <a:spAutoFit/>
+            </a:bodyPr>
+            <a:lstStyle/>
+            <a:p>
+              <a:pPr algn="ctr">
+                <a:lnSpc>
+                  <a:spcPct val="150000"/>
+                </a:lnSpc>
+              </a:pPr>
+              <a:r>
+                <a:rPr lang="ko-KR" altLang="en-US" sz="2000" dirty="0" smtClean="0">
+                  <a:latin typeface="나눔스퀘어 Bold" panose="020B0600000101010101" pitchFamily="50" charset="-127"/>
+                  <a:ea typeface="나눔스퀘어 Bold" panose="020B0600000101010101" pitchFamily="50" charset="-127"/>
+                </a:rPr>
+                <a:t>행 번호는 암묵적으로 보이지 않는다</a:t>
+              </a:r>
+              <a:r>
+                <a:rPr lang="en-US" altLang="ko-KR" sz="2000" dirty="0" smtClean="0">
+                  <a:latin typeface="나눔스퀘어 Bold" panose="020B0600000101010101" pitchFamily="50" charset="-127"/>
+                  <a:ea typeface="나눔스퀘어 Bold" panose="020B0600000101010101" pitchFamily="50" charset="-127"/>
+                </a:rPr>
+                <a:t> </a:t>
+              </a:r>
+            </a:p>
+            <a:p>
+              <a:pPr algn="ctr">
+                <a:lnSpc>
+                  <a:spcPct val="150000"/>
+                </a:lnSpc>
+              </a:pPr>
+              <a:r>
+                <a:rPr lang="ko-KR" altLang="en-US" sz="2000" dirty="0" smtClean="0">
+                  <a:latin typeface="나눔스퀘어 Bold" panose="020B0600000101010101" pitchFamily="50" charset="-127"/>
+                  <a:ea typeface="나눔스퀘어 Bold" panose="020B0600000101010101" pitchFamily="50" charset="-127"/>
+                </a:rPr>
+                <a:t>중간에 인덱스 </a:t>
+              </a:r>
+              <a:r>
+                <a:rPr lang="en-US" altLang="ko-KR" sz="2000" dirty="0" smtClean="0">
+                  <a:latin typeface="나눔스퀘어 Bold" panose="020B0600000101010101" pitchFamily="50" charset="-127"/>
+                  <a:ea typeface="나눔스퀘어 Bold" panose="020B0600000101010101" pitchFamily="50" charset="-127"/>
+                </a:rPr>
+                <a:t>1,2 </a:t>
+              </a:r>
+              <a:r>
+                <a:rPr lang="ko-KR" altLang="en-US" sz="2000" dirty="0" smtClean="0">
+                  <a:latin typeface="나눔스퀘어 Bold" panose="020B0600000101010101" pitchFamily="50" charset="-127"/>
+                  <a:ea typeface="나눔스퀘어 Bold" panose="020B0600000101010101" pitchFamily="50" charset="-127"/>
+                </a:rPr>
+                <a:t>를 삭제해도 행 번호는</a:t>
+              </a:r>
+              <a:endParaRPr lang="en-US" altLang="ko-KR" sz="2000" dirty="0" smtClean="0">
                 <a:latin typeface="나눔스퀘어 Bold" panose="020B0600000101010101" pitchFamily="50" charset="-127"/>
                 <a:ea typeface="나눔스퀘어 Bold" panose="020B0600000101010101" pitchFamily="50" charset="-127"/>
-              </a:rPr>
-              <a:t>행 번호는 암묵적으로 보이지 않는다</a:t>
-            </a:r>
-            <a:r>
-              <a:rPr lang="en-US" altLang="ko-KR" sz="2000" dirty="0" smtClean="0">
+              </a:endParaRPr>
+            </a:p>
+            <a:p>
+              <a:pPr algn="ctr">
+                <a:lnSpc>
+                  <a:spcPct val="150000"/>
+                </a:lnSpc>
+              </a:pPr>
+              <a:r>
+                <a:rPr lang="ko-KR" altLang="en-US" sz="2000" dirty="0" smtClean="0">
+                  <a:latin typeface="나눔스퀘어 Bold" panose="020B0600000101010101" pitchFamily="50" charset="-127"/>
+                  <a:ea typeface="나눔스퀘어 Bold" panose="020B0600000101010101" pitchFamily="50" charset="-127"/>
+                </a:rPr>
+                <a:t> </a:t>
+              </a:r>
+              <a:r>
+                <a:rPr lang="en-US" altLang="ko-KR" sz="2000" dirty="0" smtClean="0">
+                  <a:latin typeface="나눔스퀘어 Bold" panose="020B0600000101010101" pitchFamily="50" charset="-127"/>
+                  <a:ea typeface="나눔스퀘어 Bold" panose="020B0600000101010101" pitchFamily="50" charset="-127"/>
+                </a:rPr>
+                <a:t>0</a:t>
+              </a:r>
+              <a:r>
+                <a:rPr lang="ko-KR" altLang="en-US" sz="2000" dirty="0" smtClean="0">
+                  <a:latin typeface="나눔스퀘어 Bold" panose="020B0600000101010101" pitchFamily="50" charset="-127"/>
+                  <a:ea typeface="나눔스퀘어 Bold" panose="020B0600000101010101" pitchFamily="50" charset="-127"/>
+                </a:rPr>
+                <a:t>번부터 시작해서 </a:t>
+              </a:r>
+              <a:r>
+                <a:rPr lang="ko-KR" altLang="en-US" sz="2000" dirty="0">
+                  <a:latin typeface="나눔스퀘어 Bold" panose="020B0600000101010101" pitchFamily="50" charset="-127"/>
+                  <a:ea typeface="나눔스퀘어 Bold" panose="020B0600000101010101" pitchFamily="50" charset="-127"/>
+                </a:rPr>
+                <a:t>순</a:t>
+              </a:r>
+              <a:r>
+                <a:rPr lang="ko-KR" altLang="en-US" sz="2000" dirty="0" smtClean="0">
+                  <a:latin typeface="나눔스퀘어 Bold" panose="020B0600000101010101" pitchFamily="50" charset="-127"/>
+                  <a:ea typeface="나눔스퀘어 Bold" panose="020B0600000101010101" pitchFamily="50" charset="-127"/>
+                </a:rPr>
+                <a:t>서대로 이어진다</a:t>
+              </a:r>
+              <a:r>
+                <a:rPr lang="en-US" altLang="ko-KR" sz="2000" dirty="0" smtClean="0">
+                  <a:latin typeface="나눔스퀘어 Bold" panose="020B0600000101010101" pitchFamily="50" charset="-127"/>
+                  <a:ea typeface="나눔스퀘어 Bold" panose="020B0600000101010101" pitchFamily="50" charset="-127"/>
+                </a:rPr>
+                <a:t> </a:t>
+              </a:r>
+              <a:endParaRPr lang="ko-KR" altLang="en-US" sz="2000" dirty="0">
                 <a:latin typeface="나눔스퀘어 Bold" panose="020B0600000101010101" pitchFamily="50" charset="-127"/>
                 <a:ea typeface="나눔스퀘어 Bold" panose="020B0600000101010101" pitchFamily="50" charset="-127"/>
-              </a:rPr>
-              <a:t> </a:t>
-            </a:r>
-          </a:p>
-          <a:p>
-            <a:pPr algn="ctr">
-              <a:lnSpc>
-                <a:spcPct val="150000"/>
-              </a:lnSpc>
-            </a:pPr>
-            <a:r>
-              <a:rPr lang="ko-KR" altLang="en-US" sz="2000" dirty="0" smtClean="0">
-                <a:latin typeface="나눔스퀘어 Bold" panose="020B0600000101010101" pitchFamily="50" charset="-127"/>
-                <a:ea typeface="나눔스퀘어 Bold" panose="020B0600000101010101" pitchFamily="50" charset="-127"/>
-              </a:rPr>
-              <a:t>중간에 인덱스 </a:t>
-            </a:r>
-            <a:r>
-              <a:rPr lang="en-US" altLang="ko-KR" sz="2000" dirty="0" smtClean="0">
-                <a:latin typeface="나눔스퀘어 Bold" panose="020B0600000101010101" pitchFamily="50" charset="-127"/>
-                <a:ea typeface="나눔스퀘어 Bold" panose="020B0600000101010101" pitchFamily="50" charset="-127"/>
-              </a:rPr>
-              <a:t>1,2 </a:t>
-            </a:r>
-            <a:r>
-              <a:rPr lang="ko-KR" altLang="en-US" sz="2000" dirty="0" smtClean="0">
-                <a:latin typeface="나눔스퀘어 Bold" panose="020B0600000101010101" pitchFamily="50" charset="-127"/>
-                <a:ea typeface="나눔스퀘어 Bold" panose="020B0600000101010101" pitchFamily="50" charset="-127"/>
-              </a:rPr>
-              <a:t>를 삭제해도 행 번호는</a:t>
-            </a:r>
-            <a:endParaRPr lang="en-US" altLang="ko-KR" sz="2000" dirty="0" smtClean="0">
-              <a:latin typeface="나눔스퀘어 Bold" panose="020B0600000101010101" pitchFamily="50" charset="-127"/>
-              <a:ea typeface="나눔스퀘어 Bold" panose="020B0600000101010101" pitchFamily="50" charset="-127"/>
-            </a:endParaRPr>
-          </a:p>
-          <a:p>
-            <a:pPr algn="ctr">
-              <a:lnSpc>
-                <a:spcPct val="150000"/>
-              </a:lnSpc>
-            </a:pPr>
-            <a:r>
-              <a:rPr lang="ko-KR" altLang="en-US" sz="2000" dirty="0" smtClean="0">
-                <a:latin typeface="나눔스퀘어 Bold" panose="020B0600000101010101" pitchFamily="50" charset="-127"/>
-                <a:ea typeface="나눔스퀘어 Bold" panose="020B0600000101010101" pitchFamily="50" charset="-127"/>
-              </a:rPr>
-              <a:t> </a:t>
-            </a:r>
-            <a:r>
-              <a:rPr lang="en-US" altLang="ko-KR" sz="2000" dirty="0" smtClean="0">
-                <a:latin typeface="나눔스퀘어 Bold" panose="020B0600000101010101" pitchFamily="50" charset="-127"/>
-                <a:ea typeface="나눔스퀘어 Bold" panose="020B0600000101010101" pitchFamily="50" charset="-127"/>
-              </a:rPr>
-              <a:t>0</a:t>
-            </a:r>
-            <a:r>
-              <a:rPr lang="ko-KR" altLang="en-US" sz="2000" dirty="0" smtClean="0">
-                <a:latin typeface="나눔스퀘어 Bold" panose="020B0600000101010101" pitchFamily="50" charset="-127"/>
-                <a:ea typeface="나눔스퀘어 Bold" panose="020B0600000101010101" pitchFamily="50" charset="-127"/>
-              </a:rPr>
-              <a:t>번부터 시작해서 </a:t>
-            </a:r>
-            <a:r>
-              <a:rPr lang="ko-KR" altLang="en-US" sz="2000" dirty="0">
-                <a:latin typeface="나눔스퀘어 Bold" panose="020B0600000101010101" pitchFamily="50" charset="-127"/>
-                <a:ea typeface="나눔스퀘어 Bold" panose="020B0600000101010101" pitchFamily="50" charset="-127"/>
-              </a:rPr>
-              <a:t>순</a:t>
-            </a:r>
-            <a:r>
-              <a:rPr lang="ko-KR" altLang="en-US" sz="2000" dirty="0" smtClean="0">
-                <a:latin typeface="나눔스퀘어 Bold" panose="020B0600000101010101" pitchFamily="50" charset="-127"/>
-                <a:ea typeface="나눔스퀘어 Bold" panose="020B0600000101010101" pitchFamily="50" charset="-127"/>
-              </a:rPr>
-              <a:t>서대로 이어진다</a:t>
-            </a:r>
-            <a:r>
-              <a:rPr lang="en-US" altLang="ko-KR" sz="2000" dirty="0" smtClean="0">
-                <a:latin typeface="나눔스퀘어 Bold" panose="020B0600000101010101" pitchFamily="50" charset="-127"/>
-                <a:ea typeface="나눔스퀘어 Bold" panose="020B0600000101010101" pitchFamily="50" charset="-127"/>
-              </a:rPr>
-              <a:t> </a:t>
-            </a:r>
-            <a:endParaRPr lang="ko-KR" altLang="en-US" sz="2000" dirty="0">
-              <a:latin typeface="나눔스퀘어 Bold" panose="020B0600000101010101" pitchFamily="50" charset="-127"/>
-              <a:ea typeface="나눔스퀘어 Bold" panose="020B0600000101010101" pitchFamily="50" charset="-127"/>
-            </a:endParaRPr>
-          </a:p>
-        </p:txBody>
-      </p:sp>
-      <p:sp>
-        <p:nvSpPr>
-          <p:cNvPr id="20" name="TextBox 19"/>
-          <p:cNvSpPr txBox="1"/>
-          <p:nvPr/>
-        </p:nvSpPr>
-        <p:spPr>
-          <a:xfrm>
-            <a:off x="1417469" y="3707580"/>
-            <a:ext cx="3202190" cy="446276"/>
-          </a:xfrm>
-          <a:prstGeom prst="rect">
-            <a:avLst/>
-          </a:prstGeom>
-          <a:noFill/>
-        </p:spPr>
-        <p:txBody>
-          <a:bodyPr wrap="square" rtlCol="0">
-            <a:spAutoFit/>
-          </a:bodyPr>
-          <a:lstStyle/>
-          <a:p>
-            <a:r>
-              <a:rPr lang="ko-KR" altLang="en-US" sz="2300" dirty="0">
+              </a:endParaRPr>
+            </a:p>
+          </p:txBody>
+        </p:sp>
+        <p:sp>
+          <p:nvSpPr>
+            <p:cNvPr id="20" name="TextBox 19"/>
+            <p:cNvSpPr txBox="1"/>
+            <p:nvPr/>
+          </p:nvSpPr>
+          <p:spPr>
+            <a:xfrm>
+              <a:off x="1417469" y="3707580"/>
+              <a:ext cx="3202190" cy="446276"/>
+            </a:xfrm>
+            <a:prstGeom prst="rect">
+              <a:avLst/>
+            </a:prstGeom>
+            <a:noFill/>
+          </p:spPr>
+          <p:txBody>
+            <a:bodyPr wrap="square" rtlCol="0">
+              <a:spAutoFit/>
+            </a:bodyPr>
+            <a:lstStyle/>
+            <a:p>
+              <a:r>
+                <a:rPr lang="ko-KR" altLang="en-US" sz="2300" dirty="0">
+                  <a:ln w="0"/>
+                  <a:solidFill>
+                    <a:schemeClr val="accent1"/>
+                  </a:solidFill>
+                  <a:effectLst>
+                    <a:outerShdw blurRad="38100" dist="25400" dir="5400000" algn="ctr" rotWithShape="0">
+                      <a:srgbClr val="6E747A">
+                        <a:alpha val="43000"/>
+                      </a:srgbClr>
+                    </a:outerShdw>
+                  </a:effectLst>
+                  <a:latin typeface="나눔스퀘어 Bold" panose="020B0600000101010101" pitchFamily="50" charset="-127"/>
+                  <a:ea typeface="나눔스퀘어 Bold" panose="020B0600000101010101" pitchFamily="50" charset="-127"/>
+                </a:rPr>
+                <a:t>인덱스와 </a:t>
+              </a:r>
+              <a:r>
+                <a:rPr lang="ko-KR" altLang="en-US" sz="2300" dirty="0" smtClean="0">
+                  <a:ln w="0"/>
+                  <a:solidFill>
+                    <a:schemeClr val="accent1"/>
+                  </a:solidFill>
+                  <a:effectLst>
+                    <a:outerShdw blurRad="38100" dist="25400" dir="5400000" algn="ctr" rotWithShape="0">
+                      <a:srgbClr val="6E747A">
+                        <a:alpha val="43000"/>
+                      </a:srgbClr>
+                    </a:outerShdw>
+                  </a:effectLst>
+                  <a:latin typeface="나눔스퀘어 Bold" panose="020B0600000101010101" pitchFamily="50" charset="-127"/>
+                  <a:ea typeface="나눔스퀘어 Bold" panose="020B0600000101010101" pitchFamily="50" charset="-127"/>
+                </a:rPr>
+                <a:t>행 번호의 차이</a:t>
+              </a:r>
+              <a:r>
+                <a:rPr lang="en-US" altLang="ko-KR" sz="2300" dirty="0" smtClean="0">
+                  <a:ln w="0"/>
+                  <a:solidFill>
+                    <a:schemeClr val="accent1"/>
+                  </a:solidFill>
+                  <a:effectLst>
+                    <a:outerShdw blurRad="38100" dist="25400" dir="5400000" algn="ctr" rotWithShape="0">
+                      <a:srgbClr val="6E747A">
+                        <a:alpha val="43000"/>
+                      </a:srgbClr>
+                    </a:outerShdw>
+                  </a:effectLst>
+                  <a:latin typeface="나눔스퀘어 Bold" panose="020B0600000101010101" pitchFamily="50" charset="-127"/>
+                  <a:ea typeface="나눔스퀘어 Bold" panose="020B0600000101010101" pitchFamily="50" charset="-127"/>
+                </a:rPr>
+                <a:t>?</a:t>
+              </a:r>
+              <a:endParaRPr lang="ko-KR" altLang="en-US" sz="2300" dirty="0">
                 <a:ln w="0"/>
                 <a:solidFill>
                   <a:schemeClr val="accent1"/>
@@ -7428,63 +7496,11 @@
                 </a:effectLst>
                 <a:latin typeface="나눔스퀘어 Bold" panose="020B0600000101010101" pitchFamily="50" charset="-127"/>
                 <a:ea typeface="나눔스퀘어 Bold" panose="020B0600000101010101" pitchFamily="50" charset="-127"/>
-              </a:rPr>
-              <a:t>인덱스와 </a:t>
-            </a:r>
-            <a:r>
-              <a:rPr lang="ko-KR" altLang="en-US" sz="2300" dirty="0" smtClean="0">
-                <a:ln w="0"/>
-                <a:solidFill>
-                  <a:schemeClr val="accent1"/>
-                </a:solidFill>
-                <a:effectLst>
-                  <a:outerShdw blurRad="38100" dist="25400" dir="5400000" algn="ctr" rotWithShape="0">
-                    <a:srgbClr val="6E747A">
-                      <a:alpha val="43000"/>
-                    </a:srgbClr>
-                  </a:outerShdw>
-                </a:effectLst>
-                <a:latin typeface="나눔스퀘어 Bold" panose="020B0600000101010101" pitchFamily="50" charset="-127"/>
-                <a:ea typeface="나눔스퀘어 Bold" panose="020B0600000101010101" pitchFamily="50" charset="-127"/>
-              </a:rPr>
-              <a:t>행 번호의 차이</a:t>
-            </a:r>
-            <a:r>
-              <a:rPr lang="en-US" altLang="ko-KR" sz="2300" dirty="0" smtClean="0">
-                <a:ln w="0"/>
-                <a:solidFill>
-                  <a:schemeClr val="accent1"/>
-                </a:solidFill>
-                <a:effectLst>
-                  <a:outerShdw blurRad="38100" dist="25400" dir="5400000" algn="ctr" rotWithShape="0">
-                    <a:srgbClr val="6E747A">
-                      <a:alpha val="43000"/>
-                    </a:srgbClr>
-                  </a:outerShdw>
-                </a:effectLst>
-                <a:latin typeface="나눔스퀘어 Bold" panose="020B0600000101010101" pitchFamily="50" charset="-127"/>
-                <a:ea typeface="나눔스퀘어 Bold" panose="020B0600000101010101" pitchFamily="50" charset="-127"/>
-              </a:rPr>
-              <a:t>?</a:t>
-            </a:r>
-            <a:endParaRPr lang="ko-KR" altLang="en-US" sz="2300" dirty="0">
-              <a:ln w="0"/>
-              <a:solidFill>
-                <a:schemeClr val="accent1"/>
-              </a:solidFill>
-              <a:effectLst>
-                <a:outerShdw blurRad="38100" dist="25400" dir="5400000" algn="ctr" rotWithShape="0">
-                  <a:srgbClr val="6E747A">
-                    <a:alpha val="43000"/>
-                  </a:srgbClr>
-                </a:outerShdw>
-              </a:effectLst>
-              <a:latin typeface="나눔스퀘어 Bold" panose="020B0600000101010101" pitchFamily="50" charset="-127"/>
-              <a:ea typeface="나눔스퀘어 Bold" panose="020B0600000101010101" pitchFamily="50" charset="-127"/>
-            </a:endParaRPr>
-          </a:p>
-        </p:txBody>
-      </p:sp>
+              </a:endParaRPr>
+            </a:p>
+          </p:txBody>
+        </p:sp>
+      </p:grpSp>
     </p:spTree>
     <p:extLst>
       <p:ext uri="{BB962C8B-B14F-4D97-AF65-F5344CB8AC3E}">
@@ -7813,7 +7829,7 @@
         <p:spPr>
           <a:xfrm>
             <a:off x="721703" y="1279067"/>
-            <a:ext cx="10577384" cy="4293483"/>
+            <a:ext cx="10577384" cy="4778231"/>
           </a:xfrm>
           <a:prstGeom prst="rect">
             <a:avLst/>
@@ -7854,23 +7870,164 @@
             </a:endParaRPr>
           </a:p>
           <a:p>
-            <a:pPr lvl="1"/>
+            <a:pPr marL="1257300" lvl="2" indent="-342900">
+              <a:lnSpc>
+                <a:spcPct val="150000"/>
+              </a:lnSpc>
+              <a:buFont typeface="Wingdings" panose="05000000000000000000" pitchFamily="2" charset="2"/>
+              <a:buChar char="§"/>
+            </a:pPr>
+            <a:r>
+              <a:rPr lang="en-US" altLang="ko-KR" sz="2100" dirty="0" smtClean="0">
+                <a:latin typeface="나눔스퀘어라운드 Bold" panose="020B0600000101010101" pitchFamily="50" charset="-127"/>
+                <a:ea typeface="나눔스퀘어라운드 Bold" panose="020B0600000101010101" pitchFamily="50" charset="-127"/>
+              </a:rPr>
+              <a:t>None</a:t>
+            </a:r>
+            <a:endParaRPr lang="en-US" altLang="ko-KR" sz="2100" dirty="0">
+              <a:latin typeface="나눔스퀘어라운드 Bold" panose="020B0600000101010101" pitchFamily="50" charset="-127"/>
+              <a:ea typeface="나눔스퀘어라운드 Bold" panose="020B0600000101010101" pitchFamily="50" charset="-127"/>
+            </a:endParaRPr>
+          </a:p>
+          <a:p>
+            <a:pPr marL="1828800" lvl="3" indent="-457200">
+              <a:lnSpc>
+                <a:spcPct val="150000"/>
+              </a:lnSpc>
+              <a:buFont typeface="Arial" panose="020B0604020202020204" pitchFamily="34" charset="0"/>
+              <a:buChar char="•"/>
+            </a:pPr>
+            <a:r>
+              <a:rPr lang="ko-KR" altLang="en-US" sz="2100" dirty="0" err="1" smtClean="0">
+                <a:latin typeface="나눔스퀘어라운드 Bold" panose="020B0600000101010101" pitchFamily="50" charset="-127"/>
+                <a:ea typeface="나눔스퀘어라운드 Bold" panose="020B0600000101010101" pitchFamily="50" charset="-127"/>
+              </a:rPr>
+              <a:t>자료형이</a:t>
+            </a:r>
+            <a:r>
+              <a:rPr lang="ko-KR" altLang="en-US" sz="2100" dirty="0" smtClean="0">
+                <a:latin typeface="나눔스퀘어라운드 Bold" panose="020B0600000101010101" pitchFamily="50" charset="-127"/>
+                <a:ea typeface="나눔스퀘어라운드 Bold" panose="020B0600000101010101" pitchFamily="50" charset="-127"/>
+              </a:rPr>
+              <a:t> </a:t>
+            </a:r>
+            <a:r>
+              <a:rPr lang="en-US" altLang="ko-KR" sz="2100" dirty="0">
+                <a:latin typeface="나눔스퀘어라운드 Bold" panose="020B0600000101010101" pitchFamily="50" charset="-127"/>
+                <a:ea typeface="나눔스퀘어라운드 Bold" panose="020B0600000101010101" pitchFamily="50" charset="-127"/>
+              </a:rPr>
+              <a:t>None</a:t>
+            </a:r>
             <a:endParaRPr lang="en-US" altLang="ko-KR" sz="2100" dirty="0" smtClean="0">
               <a:latin typeface="나눔스퀘어라운드 Bold" panose="020B0600000101010101" pitchFamily="50" charset="-127"/>
               <a:ea typeface="나눔스퀘어라운드 Bold" panose="020B0600000101010101" pitchFamily="50" charset="-127"/>
             </a:endParaRPr>
           </a:p>
           <a:p>
+            <a:pPr marL="1828800" lvl="3" indent="-457200">
+              <a:lnSpc>
+                <a:spcPct val="150000"/>
+              </a:lnSpc>
+              <a:buFont typeface="Arial" panose="020B0604020202020204" pitchFamily="34" charset="0"/>
+              <a:buChar char="•"/>
+            </a:pPr>
+            <a:r>
+              <a:rPr lang="ko-KR" altLang="en-US" sz="2100" dirty="0" smtClean="0">
+                <a:latin typeface="나눔스퀘어라운드 Bold" panose="020B0600000101010101" pitchFamily="50" charset="-127"/>
+                <a:ea typeface="나눔스퀘어라운드 Bold" panose="020B0600000101010101" pitchFamily="50" charset="-127"/>
+              </a:rPr>
+              <a:t>배열 연산을 할 경우 오류가 발생한다</a:t>
+            </a:r>
+            <a:endParaRPr lang="en-US" altLang="ko-KR" sz="2100" dirty="0" smtClean="0">
+              <a:latin typeface="나눔스퀘어라운드 Bold" panose="020B0600000101010101" pitchFamily="50" charset="-127"/>
+              <a:ea typeface="나눔스퀘어라운드 Bold" panose="020B0600000101010101" pitchFamily="50" charset="-127"/>
+            </a:endParaRPr>
+          </a:p>
+          <a:p>
             <a:pPr marL="1371600" lvl="2" indent="-457200">
+              <a:lnSpc>
+                <a:spcPct val="150000"/>
+              </a:lnSpc>
               <a:buFont typeface="Wingdings" panose="05000000000000000000" pitchFamily="2" charset="2"/>
               <a:buChar char="§"/>
             </a:pPr>
             <a:r>
+              <a:rPr lang="en-US" altLang="ko-KR" sz="2100" dirty="0" err="1" smtClean="0">
+                <a:latin typeface="나눔스퀘어라운드 Bold" panose="020B0600000101010101" pitchFamily="50" charset="-127"/>
+                <a:ea typeface="나눔스퀘어라운드 Bold" panose="020B0600000101010101" pitchFamily="50" charset="-127"/>
+              </a:rPr>
+              <a:t>NaN</a:t>
+            </a:r>
+            <a:endParaRPr lang="en-US" altLang="ko-KR" sz="2100" dirty="0" smtClean="0">
+              <a:latin typeface="나눔스퀘어라운드 Bold" panose="020B0600000101010101" pitchFamily="50" charset="-127"/>
+              <a:ea typeface="나눔스퀘어라운드 Bold" panose="020B0600000101010101" pitchFamily="50" charset="-127"/>
+            </a:endParaRPr>
+          </a:p>
+          <a:p>
+            <a:pPr marL="1828800" lvl="3" indent="-457200">
+              <a:lnSpc>
+                <a:spcPct val="150000"/>
+              </a:lnSpc>
+              <a:buFont typeface="Arial" panose="020B0604020202020204" pitchFamily="34" charset="0"/>
+              <a:buChar char="•"/>
+            </a:pPr>
+            <a:r>
+              <a:rPr lang="ko-KR" altLang="en-US" sz="2100" dirty="0" err="1" smtClean="0">
+                <a:latin typeface="나눔스퀘어라운드 Bold" panose="020B0600000101010101" pitchFamily="50" charset="-127"/>
+                <a:ea typeface="나눔스퀘어라운드 Bold" panose="020B0600000101010101" pitchFamily="50" charset="-127"/>
+              </a:rPr>
+              <a:t>자료형이</a:t>
+            </a:r>
+            <a:r>
+              <a:rPr lang="ko-KR" altLang="en-US" sz="2100" dirty="0" smtClean="0">
+                <a:latin typeface="나눔스퀘어라운드 Bold" panose="020B0600000101010101" pitchFamily="50" charset="-127"/>
+                <a:ea typeface="나눔스퀘어라운드 Bold" panose="020B0600000101010101" pitchFamily="50" charset="-127"/>
+              </a:rPr>
+              <a:t> </a:t>
+            </a:r>
+            <a:r>
               <a:rPr lang="en-US" altLang="ko-KR" sz="2100" dirty="0" smtClean="0">
                 <a:latin typeface="나눔스퀘어라운드 Bold" panose="020B0600000101010101" pitchFamily="50" charset="-127"/>
                 <a:ea typeface="나눔스퀘어라운드 Bold" panose="020B0600000101010101" pitchFamily="50" charset="-127"/>
               </a:rPr>
-              <a:t>None</a:t>
+              <a:t>Float</a:t>
+            </a:r>
+          </a:p>
+          <a:p>
+            <a:pPr marL="1828800" lvl="3" indent="-457200">
+              <a:lnSpc>
+                <a:spcPct val="150000"/>
+              </a:lnSpc>
+              <a:buFont typeface="Arial" panose="020B0604020202020204" pitchFamily="34" charset="0"/>
+              <a:buChar char="•"/>
+            </a:pPr>
+            <a:r>
+              <a:rPr lang="ko-KR" altLang="en-US" sz="2100" dirty="0" smtClean="0">
+                <a:latin typeface="나눔스퀘어라운드 Bold" panose="020B0600000101010101" pitchFamily="50" charset="-127"/>
+                <a:ea typeface="나눔스퀘어라운드 Bold" panose="020B0600000101010101" pitchFamily="50" charset="-127"/>
+              </a:rPr>
+              <a:t>배열에서 연산할 경우 오류가 발생하지 않지만 결과값이 </a:t>
+            </a:r>
+            <a:r>
+              <a:rPr lang="en-US" altLang="ko-KR" sz="2100" dirty="0" err="1">
+                <a:latin typeface="나눔스퀘어라운드 Bold" panose="020B0600000101010101" pitchFamily="50" charset="-127"/>
+                <a:ea typeface="나눔스퀘어라운드 Bold" panose="020B0600000101010101" pitchFamily="50" charset="-127"/>
+              </a:rPr>
+              <a:t>NaN</a:t>
+            </a:r>
+            <a:r>
+              <a:rPr lang="en-US" altLang="ko-KR" sz="2100" dirty="0">
+                <a:latin typeface="나눔스퀘어라운드 Bold" panose="020B0600000101010101" pitchFamily="50" charset="-127"/>
+                <a:ea typeface="나눔스퀘어라운드 Bold" panose="020B0600000101010101" pitchFamily="50" charset="-127"/>
+              </a:rPr>
+              <a:t> </a:t>
+            </a:r>
+            <a:r>
+              <a:rPr lang="ko-KR" altLang="en-US" sz="2100" dirty="0" smtClean="0">
+                <a:latin typeface="나눔스퀘어라운드 Bold" panose="020B0600000101010101" pitchFamily="50" charset="-127"/>
+                <a:ea typeface="나눔스퀘어라운드 Bold" panose="020B0600000101010101" pitchFamily="50" charset="-127"/>
+              </a:rPr>
+              <a:t>이 된다</a:t>
             </a:r>
             <a:endParaRPr lang="en-US" altLang="ko-KR" sz="2100" dirty="0">
               <a:latin typeface="나눔스퀘어라운드 Bold" panose="020B0600000101010101" pitchFamily="50" charset="-127"/>
@@ -7878,30 +8035,26 @@
             </a:endParaRPr>
           </a:p>
           <a:p>
-            <a:pPr marL="1828800" lvl="3" indent="-457200">
-              <a:buFont typeface="Arial" panose="020B0604020202020204" pitchFamily="34" charset="0"/>
-              <a:buChar char="•"/>
+            <a:pPr marL="1371600" lvl="2" indent="-457200">
+              <a:lnSpc>
+                <a:spcPct val="150000"/>
+              </a:lnSpc>
+              <a:buFont typeface="Wingdings" panose="05000000000000000000" pitchFamily="2" charset="2"/>
+              <a:buChar char="§"/>
             </a:pPr>
             <a:r>
-              <a:rPr lang="ko-KR" altLang="en-US" sz="2100" dirty="0" err="1" smtClean="0">
-                <a:latin typeface="나눔스퀘어라운드 Bold" panose="020B0600000101010101" pitchFamily="50" charset="-127"/>
-                <a:ea typeface="나눔스퀘어라운드 Bold" panose="020B0600000101010101" pitchFamily="50" charset="-127"/>
-              </a:rPr>
-              <a:t>자료형이</a:t>
+              <a:rPr lang="en-US" altLang="ko-KR" sz="2100" dirty="0" smtClean="0">
+                <a:latin typeface="나눔스퀘어라운드 Bold" panose="020B0600000101010101" pitchFamily="50" charset="-127"/>
+                <a:ea typeface="나눔스퀘어라운드 Bold" panose="020B0600000101010101" pitchFamily="50" charset="-127"/>
+              </a:rPr>
+              <a:t>Null</a:t>
             </a:r>
             <a:r>
               <a:rPr lang="ko-KR" altLang="en-US" sz="2100" dirty="0" smtClean="0">
                 <a:latin typeface="나눔스퀘어라운드 Bold" panose="020B0600000101010101" pitchFamily="50" charset="-127"/>
                 <a:ea typeface="나눔스퀘어라운드 Bold" panose="020B0600000101010101" pitchFamily="50" charset="-127"/>
               </a:rPr>
-              <a:t> </a:t>
-            </a:r>
-            <a:r>
-              <a:rPr lang="en-US" altLang="ko-KR" sz="2100" dirty="0">
-                <a:latin typeface="나눔스퀘어라운드 Bold" panose="020B0600000101010101" pitchFamily="50" charset="-127"/>
-                <a:ea typeface="나눔스퀘어라운드 Bold" panose="020B0600000101010101" pitchFamily="50" charset="-127"/>
-              </a:rPr>
-              <a:t>None</a:t>
+              <a:t>값 연산</a:t>
             </a:r>
             <a:endParaRPr lang="en-US" altLang="ko-KR" sz="2100" dirty="0" smtClean="0">
               <a:latin typeface="나눔스퀘어라운드 Bold" panose="020B0600000101010101" pitchFamily="50" charset="-127"/>
@@ -7910,202 +8063,71 @@
           </a:p>
           <a:p>
             <a:pPr marL="1828800" lvl="3" indent="-457200">
+              <a:lnSpc>
+                <a:spcPct val="150000"/>
+              </a:lnSpc>
               <a:buFont typeface="Arial" panose="020B0604020202020204" pitchFamily="34" charset="0"/>
               <a:buChar char="•"/>
             </a:pPr>
             <a:r>
+              <a:rPr lang="en-US" altLang="ko-KR" sz="2100" dirty="0" err="1">
+                <a:latin typeface="나눔스퀘어라운드 Bold" panose="020B0600000101010101" pitchFamily="50" charset="-127"/>
+                <a:ea typeface="나눔스퀘어라운드 Bold" panose="020B0600000101010101" pitchFamily="50" charset="-127"/>
+              </a:rPr>
+              <a:t>i</a:t>
+            </a:r>
+            <a:r>
+              <a:rPr lang="en-US" altLang="ko-KR" sz="2100" dirty="0" err="1" smtClean="0">
+                <a:latin typeface="나눔스퀘어라운드 Bold" panose="020B0600000101010101" pitchFamily="50" charset="-127"/>
+                <a:ea typeface="나눔스퀘어라운드 Bold" panose="020B0600000101010101" pitchFamily="50" charset="-127"/>
+              </a:rPr>
+              <a:t>snull</a:t>
+            </a:r>
+            <a:r>
+              <a:rPr lang="en-US" altLang="ko-KR" sz="2100" dirty="0" smtClean="0">
+                <a:latin typeface="나눔스퀘어라운드 Bold" panose="020B0600000101010101" pitchFamily="50" charset="-127"/>
+                <a:ea typeface="나눔스퀘어라운드 Bold" panose="020B0600000101010101" pitchFamily="50" charset="-127"/>
+              </a:rPr>
+              <a:t>() </a:t>
+            </a:r>
+            <a:r>
               <a:rPr lang="ko-KR" altLang="en-US" sz="2100" dirty="0" smtClean="0">
                 <a:latin typeface="나눔스퀘어라운드 Bold" panose="020B0600000101010101" pitchFamily="50" charset="-127"/>
                 <a:ea typeface="나눔스퀘어라운드 Bold" panose="020B0600000101010101" pitchFamily="50" charset="-127"/>
               </a:rPr>
-              <a:t>배열 연산을 할 경우 오류가 발생한다</a:t>
-            </a:r>
-            <a:endParaRPr lang="en-US" altLang="ko-KR" sz="2100" dirty="0" smtClean="0">
-              <a:latin typeface="나눔스퀘어라운드 Bold" panose="020B0600000101010101" pitchFamily="50" charset="-127"/>
-              <a:ea typeface="나눔스퀘어라운드 Bold" panose="020B0600000101010101" pitchFamily="50" charset="-127"/>
-            </a:endParaRPr>
-          </a:p>
-          <a:p>
-            <a:pPr lvl="3"/>
+              <a:t>또는</a:t>
+            </a:r>
+            <a:r>
+              <a:rPr lang="en-US" altLang="ko-KR" sz="2100" dirty="0" err="1" smtClean="0">
+                <a:latin typeface="나눔스퀘어라운드 Bold" panose="020B0600000101010101" pitchFamily="50" charset="-127"/>
+                <a:ea typeface="나눔스퀘어라운드 Bold" panose="020B0600000101010101" pitchFamily="50" charset="-127"/>
+              </a:rPr>
+              <a:t>notnull</a:t>
+            </a:r>
+            <a:r>
+              <a:rPr lang="en-US" altLang="ko-KR" sz="2100" dirty="0" smtClean="0">
+                <a:latin typeface="나눔스퀘어라운드 Bold" panose="020B0600000101010101" pitchFamily="50" charset="-127"/>
+                <a:ea typeface="나눔스퀘어라운드 Bold" panose="020B0600000101010101" pitchFamily="50" charset="-127"/>
+              </a:rPr>
+              <a:t>() </a:t>
+            </a:r>
+            <a:r>
+              <a:rPr lang="ko-KR" altLang="en-US" sz="2100" dirty="0" smtClean="0">
+                <a:latin typeface="나눔스퀘어라운드 Bold" panose="020B0600000101010101" pitchFamily="50" charset="-127"/>
+                <a:ea typeface="나눔스퀘어라운드 Bold" panose="020B0600000101010101" pitchFamily="50" charset="-127"/>
+              </a:rPr>
+              <a:t>로 누락 값을 확인하고 삭제할지 변경할지 결정한다</a:t>
+            </a:r>
             <a:endParaRPr lang="en-US" altLang="ko-KR" sz="2100" dirty="0">
               <a:latin typeface="나눔스퀘어라운드 Bold" panose="020B0600000101010101" pitchFamily="50" charset="-127"/>
               <a:ea typeface="나눔스퀘어라운드 Bold" panose="020B0600000101010101" pitchFamily="50" charset="-127"/>
             </a:endParaRPr>
           </a:p>
           <a:p>
-            <a:pPr marL="1371600" lvl="2" indent="-457200">
-              <a:buFont typeface="Wingdings" panose="05000000000000000000" pitchFamily="2" charset="2"/>
-              <a:buChar char="§"/>
-            </a:pPr>
-            <a:r>
-              <a:rPr lang="en-US" altLang="ko-KR" sz="2100" dirty="0" err="1" smtClean="0">
-                <a:latin typeface="나눔스퀘어라운드 Bold" panose="020B0600000101010101" pitchFamily="50" charset="-127"/>
-                <a:ea typeface="나눔스퀘어라운드 Bold" panose="020B0600000101010101" pitchFamily="50" charset="-127"/>
-              </a:rPr>
-              <a:t>NaN</a:t>
-            </a:r>
-            <a:endParaRPr lang="en-US" altLang="ko-KR" sz="2100" dirty="0" smtClean="0">
-              <a:latin typeface="나눔스퀘어라운드 Bold" panose="020B0600000101010101" pitchFamily="50" charset="-127"/>
-              <a:ea typeface="나눔스퀘어라운드 Bold" panose="020B0600000101010101" pitchFamily="50" charset="-127"/>
-            </a:endParaRPr>
-          </a:p>
-          <a:p>
             <a:pPr marL="1828800" lvl="3" indent="-457200">
-              <a:buFont typeface="Arial" panose="020B0604020202020204" pitchFamily="34" charset="0"/>
-              <a:buChar char="•"/>
-            </a:pPr>
-            <a:r>
-              <a:rPr lang="ko-KR" altLang="en-US" sz="2100" dirty="0" err="1" smtClean="0">
-                <a:latin typeface="나눔스퀘어라운드 Bold" panose="020B0600000101010101" pitchFamily="50" charset="-127"/>
-                <a:ea typeface="나눔스퀘어라운드 Bold" panose="020B0600000101010101" pitchFamily="50" charset="-127"/>
-              </a:rPr>
-              <a:t>자료형이</a:t>
-            </a:r>
-            <a:r>
-              <a:rPr lang="ko-KR" altLang="en-US" sz="2100" dirty="0" smtClean="0">
-                <a:latin typeface="나눔스퀘어라운드 Bold" panose="020B0600000101010101" pitchFamily="50" charset="-127"/>
-                <a:ea typeface="나눔스퀘어라운드 Bold" panose="020B0600000101010101" pitchFamily="50" charset="-127"/>
-              </a:rPr>
-              <a:t> </a:t>
-            </a:r>
-            <a:r>
-              <a:rPr lang="en-US" altLang="ko-KR" sz="2100" dirty="0" smtClean="0">
-                <a:latin typeface="나눔스퀘어라운드 Bold" panose="020B0600000101010101" pitchFamily="50" charset="-127"/>
-                <a:ea typeface="나눔스퀘어라운드 Bold" panose="020B0600000101010101" pitchFamily="50" charset="-127"/>
-              </a:rPr>
-              <a:t>Float</a:t>
-            </a:r>
-          </a:p>
-          <a:p>
-            <a:pPr marL="1828800" lvl="3" indent="-457200">
-              <a:buFont typeface="Arial" panose="020B0604020202020204" pitchFamily="34" charset="0"/>
-              <a:buChar char="•"/>
-            </a:pPr>
-            <a:r>
-              <a:rPr lang="ko-KR" altLang="en-US" sz="2100" dirty="0" smtClean="0">
-                <a:latin typeface="나눔스퀘어라운드 Bold" panose="020B0600000101010101" pitchFamily="50" charset="-127"/>
-                <a:ea typeface="나눔스퀘어라운드 Bold" panose="020B0600000101010101" pitchFamily="50" charset="-127"/>
-              </a:rPr>
-              <a:t>배열에서 연산할 경우 오류가 발생하지 않지만 결과값이 </a:t>
-            </a:r>
-            <a:r>
-              <a:rPr lang="en-US" altLang="ko-KR" sz="2100" dirty="0" err="1">
-                <a:latin typeface="나눔스퀘어라운드 Bold" panose="020B0600000101010101" pitchFamily="50" charset="-127"/>
-                <a:ea typeface="나눔스퀘어라운드 Bold" panose="020B0600000101010101" pitchFamily="50" charset="-127"/>
-              </a:rPr>
-              <a:t>NaN</a:t>
-            </a:r>
-            <a:r>
-              <a:rPr lang="en-US" altLang="ko-KR" sz="2100" dirty="0">
-                <a:latin typeface="나눔스퀘어라운드 Bold" panose="020B0600000101010101" pitchFamily="50" charset="-127"/>
-                <a:ea typeface="나눔스퀘어라운드 Bold" panose="020B0600000101010101" pitchFamily="50" charset="-127"/>
-              </a:rPr>
-              <a:t> </a:t>
-            </a:r>
-            <a:r>
-              <a:rPr lang="ko-KR" altLang="en-US" sz="2100" dirty="0" smtClean="0">
-                <a:latin typeface="나눔스퀘어라운드 Bold" panose="020B0600000101010101" pitchFamily="50" charset="-127"/>
-                <a:ea typeface="나눔스퀘어라운드 Bold" panose="020B0600000101010101" pitchFamily="50" charset="-127"/>
-              </a:rPr>
-              <a:t>이 된다</a:t>
-            </a:r>
-            <a:endParaRPr lang="en-US" altLang="ko-KR" sz="2100" dirty="0">
-              <a:latin typeface="나눔스퀘어라운드 Bold" panose="020B0600000101010101" pitchFamily="50" charset="-127"/>
-              <a:ea typeface="나눔스퀘어라운드 Bold" panose="020B0600000101010101" pitchFamily="50" charset="-127"/>
-            </a:endParaRPr>
-          </a:p>
-          <a:p>
-            <a:pPr lvl="4"/>
-            <a:endParaRPr lang="en-US" altLang="ko-KR" sz="2100" dirty="0">
-              <a:latin typeface="나눔스퀘어라운드 Bold" panose="020B0600000101010101" pitchFamily="50" charset="-127"/>
-              <a:ea typeface="나눔스퀘어라운드 Bold" panose="020B0600000101010101" pitchFamily="50" charset="-127"/>
-            </a:endParaRPr>
-          </a:p>
-          <a:p>
-            <a:pPr marL="1371600" lvl="2" indent="-457200">
-              <a:buFont typeface="Wingdings" panose="05000000000000000000" pitchFamily="2" charset="2"/>
-              <a:buChar char="§"/>
-            </a:pPr>
-            <a:r>
-              <a:rPr lang="en-US" altLang="ko-KR" sz="2100" dirty="0" smtClean="0">
-                <a:latin typeface="나눔스퀘어라운드 Bold" panose="020B0600000101010101" pitchFamily="50" charset="-127"/>
-                <a:ea typeface="나눔스퀘어라운드 Bold" panose="020B0600000101010101" pitchFamily="50" charset="-127"/>
-              </a:rPr>
-              <a:t>Null</a:t>
-            </a:r>
-            <a:r>
-              <a:rPr lang="ko-KR" altLang="en-US" sz="2100" dirty="0" smtClean="0">
-                <a:latin typeface="나눔스퀘어라운드 Bold" panose="020B0600000101010101" pitchFamily="50" charset="-127"/>
-                <a:ea typeface="나눔스퀘어라운드 Bold" panose="020B0600000101010101" pitchFamily="50" charset="-127"/>
-              </a:rPr>
-              <a:t>값 연산</a:t>
-            </a:r>
-            <a:endParaRPr lang="en-US" altLang="ko-KR" sz="2100" dirty="0" smtClean="0">
-              <a:latin typeface="나눔스퀘어라운드 Bold" panose="020B0600000101010101" pitchFamily="50" charset="-127"/>
-              <a:ea typeface="나눔스퀘어라운드 Bold" panose="020B0600000101010101" pitchFamily="50" charset="-127"/>
-            </a:endParaRPr>
-          </a:p>
-          <a:p>
-            <a:pPr marL="1828800" lvl="3" indent="-457200">
-              <a:buFont typeface="Arial" panose="020B0604020202020204" pitchFamily="34" charset="0"/>
-              <a:buChar char="•"/>
-            </a:pPr>
-            <a:r>
-              <a:rPr lang="en-US" altLang="ko-KR" sz="2100" dirty="0" err="1">
-                <a:latin typeface="나눔스퀘어라운드 Bold" panose="020B0600000101010101" pitchFamily="50" charset="-127"/>
-                <a:ea typeface="나눔스퀘어라운드 Bold" panose="020B0600000101010101" pitchFamily="50" charset="-127"/>
-              </a:rPr>
-              <a:t>i</a:t>
-            </a:r>
-            <a:r>
-              <a:rPr lang="en-US" altLang="ko-KR" sz="2100" dirty="0" err="1" smtClean="0">
-                <a:latin typeface="나눔스퀘어라운드 Bold" panose="020B0600000101010101" pitchFamily="50" charset="-127"/>
-                <a:ea typeface="나눔스퀘어라운드 Bold" panose="020B0600000101010101" pitchFamily="50" charset="-127"/>
-              </a:rPr>
-              <a:t>snull</a:t>
-            </a:r>
-            <a:r>
-              <a:rPr lang="en-US" altLang="ko-KR" sz="2100" dirty="0" smtClean="0">
-                <a:latin typeface="나눔스퀘어라운드 Bold" panose="020B0600000101010101" pitchFamily="50" charset="-127"/>
-                <a:ea typeface="나눔스퀘어라운드 Bold" panose="020B0600000101010101" pitchFamily="50" charset="-127"/>
-              </a:rPr>
-              <a:t>() </a:t>
-            </a:r>
-            <a:r>
-              <a:rPr lang="ko-KR" altLang="en-US" sz="2100" dirty="0" smtClean="0">
-                <a:latin typeface="나눔스퀘어라운드 Bold" panose="020B0600000101010101" pitchFamily="50" charset="-127"/>
-                <a:ea typeface="나눔스퀘어라운드 Bold" panose="020B0600000101010101" pitchFamily="50" charset="-127"/>
-              </a:rPr>
-              <a:t>또는</a:t>
-            </a:r>
-            <a:r>
-              <a:rPr lang="en-US" altLang="ko-KR" sz="2100" dirty="0" err="1" smtClean="0">
-                <a:latin typeface="나눔스퀘어라운드 Bold" panose="020B0600000101010101" pitchFamily="50" charset="-127"/>
-                <a:ea typeface="나눔스퀘어라운드 Bold" panose="020B0600000101010101" pitchFamily="50" charset="-127"/>
-              </a:rPr>
-              <a:t>notnull</a:t>
-            </a:r>
-            <a:r>
-              <a:rPr lang="en-US" altLang="ko-KR" sz="2100" dirty="0" smtClean="0">
-                <a:latin typeface="나눔스퀘어라운드 Bold" panose="020B0600000101010101" pitchFamily="50" charset="-127"/>
-                <a:ea typeface="나눔스퀘어라운드 Bold" panose="020B0600000101010101" pitchFamily="50" charset="-127"/>
-              </a:rPr>
-              <a:t>() </a:t>
-            </a:r>
-            <a:r>
-              <a:rPr lang="ko-KR" altLang="en-US" sz="2100" dirty="0" smtClean="0">
-                <a:latin typeface="나눔스퀘어라운드 Bold" panose="020B0600000101010101" pitchFamily="50" charset="-127"/>
-                <a:ea typeface="나눔스퀘어라운드 Bold" panose="020B0600000101010101" pitchFamily="50" charset="-127"/>
-              </a:rPr>
-              <a:t>로 누락 값을 확인하고 삭제할지 변경할지 결정한다</a:t>
-            </a:r>
-            <a:endParaRPr lang="en-US" altLang="ko-KR" sz="2100" dirty="0">
-              <a:latin typeface="나눔스퀘어라운드 Bold" panose="020B0600000101010101" pitchFamily="50" charset="-127"/>
-              <a:ea typeface="나눔스퀘어라운드 Bold" panose="020B0600000101010101" pitchFamily="50" charset="-127"/>
-            </a:endParaRPr>
-          </a:p>
-          <a:p>
-            <a:pPr marL="1828800" lvl="3" indent="-457200">
+              <a:lnSpc>
+                <a:spcPct val="150000"/>
+              </a:lnSpc>
               <a:buFont typeface="Arial" panose="020B0604020202020204" pitchFamily="34" charset="0"/>
               <a:buChar char="•"/>
             </a:pPr>
